--- a/2_design/ta/TA.pptx
+++ b/2_design/ta/TA.pptx
@@ -5,7 +5,7 @@
     <p:sldMasterId id="2147483648" r:id="rId1"/>
   </p:sldMasterIdLst>
   <p:notesMasterIdLst>
-    <p:notesMasterId r:id="rId11"/>
+    <p:notesMasterId r:id="rId14"/>
   </p:notesMasterIdLst>
   <p:sldIdLst>
     <p:sldId id="256" r:id="rId2"/>
@@ -13,10 +13,13 @@
     <p:sldId id="314" r:id="rId4"/>
     <p:sldId id="366" r:id="rId5"/>
     <p:sldId id="367" r:id="rId6"/>
-    <p:sldId id="368" r:id="rId7"/>
-    <p:sldId id="369" r:id="rId8"/>
-    <p:sldId id="311" r:id="rId9"/>
-    <p:sldId id="370" r:id="rId10"/>
+    <p:sldId id="371" r:id="rId7"/>
+    <p:sldId id="372" r:id="rId8"/>
+    <p:sldId id="373" r:id="rId9"/>
+    <p:sldId id="368" r:id="rId10"/>
+    <p:sldId id="369" r:id="rId11"/>
+    <p:sldId id="311" r:id="rId12"/>
+    <p:sldId id="370" r:id="rId13"/>
   </p:sldIdLst>
   <p:sldSz cx="12192000" cy="6858000"/>
   <p:notesSz cx="6858000" cy="9144000"/>
@@ -119,6 +122,9 @@
     <p:ext uri="{EFAFB233-063F-42B5-8137-9DF3F51BA10A}">
       <p15:sldGuideLst xmlns:p15="http://schemas.microsoft.com/office/powerpoint/2012/main"/>
     </p:ext>
+    <p:ext uri="{2D200454-40CA-4A62-9FC3-DE9A4176ACB9}">
+      <p15:notesGuideLst xmlns:p15="http://schemas.microsoft.com/office/powerpoint/2012/main"/>
+    </p:ext>
   </p:extLst>
 </p:presentation>
 </file>
@@ -205,7 +211,7 @@
           <a:p>
             <a:fld id="{8E6BD8EF-833A-4756-9DE8-262172883D9B}" type="datetimeFigureOut">
               <a:rPr lang="en-US" smtClean="0"/>
-              <a:t>11/2/2017</a:t>
+              <a:t>7/12/2020</a:t>
             </a:fld>
             <a:endParaRPr lang="en-US"/>
           </a:p>
@@ -269,38 +275,37 @@
           <a:p>
             <a:pPr lvl="0"/>
             <a:r>
-              <a:rPr lang="en-US" smtClean="0"/>
+              <a:rPr lang="en-US"/>
               <a:t>Click to edit Master text styles</a:t>
             </a:r>
           </a:p>
           <a:p>
             <a:pPr lvl="1"/>
             <a:r>
-              <a:rPr lang="en-US" smtClean="0"/>
+              <a:rPr lang="en-US"/>
               <a:t>Second level</a:t>
             </a:r>
           </a:p>
           <a:p>
             <a:pPr lvl="2"/>
             <a:r>
-              <a:rPr lang="en-US" smtClean="0"/>
+              <a:rPr lang="en-US"/>
               <a:t>Third level</a:t>
             </a:r>
           </a:p>
           <a:p>
             <a:pPr lvl="3"/>
             <a:r>
-              <a:rPr lang="en-US" smtClean="0"/>
+              <a:rPr lang="en-US"/>
               <a:t>Fourth level</a:t>
             </a:r>
           </a:p>
           <a:p>
             <a:pPr lvl="4"/>
             <a:r>
-              <a:rPr lang="en-US" smtClean="0"/>
+              <a:rPr lang="en-US"/>
               <a:t>Fifth level</a:t>
             </a:r>
-            <a:endParaRPr lang="en-US"/>
           </a:p>
         </p:txBody>
       </p:sp>
@@ -622,7 +627,7 @@
           <a:p>
             <a:fld id="{583153D4-6007-4D70-A0D5-F421EBC11E1D}" type="slidenum">
               <a:rPr lang="en-US" smtClean="0"/>
-              <a:t>8</a:t>
+              <a:t>11</a:t>
             </a:fld>
             <a:endParaRPr lang="en-US"/>
           </a:p>
@@ -688,10 +693,9 @@
           </a:lstStyle>
           <a:p>
             <a:r>
-              <a:rPr lang="en-US" dirty="0" smtClean="0"/>
+              <a:rPr lang="en-US" dirty="0"/>
               <a:t>Click to edit Master title style</a:t>
             </a:r>
-            <a:endParaRPr lang="en-US" dirty="0"/>
           </a:p>
         </p:txBody>
       </p:sp>
@@ -756,10 +760,9 @@
           </a:lstStyle>
           <a:p>
             <a:r>
-              <a:rPr lang="en-US" dirty="0" smtClean="0"/>
+              <a:rPr lang="en-US" dirty="0"/>
               <a:t>Click to edit Master subtitle style</a:t>
             </a:r>
-            <a:endParaRPr lang="en-US" dirty="0"/>
           </a:p>
         </p:txBody>
       </p:sp>
@@ -785,11 +788,10 @@
             </a:lvl1pPr>
           </a:lstStyle>
           <a:p>
-            <a:fld id="{16A40ACB-0D57-4A5C-8A4C-E4CDDD1F0570}" type="datetime1">
-              <a:rPr lang="en-US" smtClean="0"/>
-              <a:t>11/2/2017</a:t>
-            </a:fld>
-            <a:endParaRPr lang="en-US"/>
+            <a:r>
+              <a:rPr lang="en-US"/>
+              <a:t>7/12/2020</a:t>
+            </a:r>
           </a:p>
         </p:txBody>
       </p:sp>
@@ -816,10 +818,9 @@
           </a:lstStyle>
           <a:p>
             <a:r>
-              <a:rPr lang="en-US" smtClean="0"/>
-              <a:t>Project Title</a:t>
-            </a:r>
-            <a:endParaRPr lang="en-US"/>
+              <a:rPr lang="en-US"/>
+              <a:t>TA measure - Loc Nguyen</a:t>
+            </a:r>
           </a:p>
         </p:txBody>
       </p:sp>
@@ -864,13 +865,6 @@
   <p:clrMapOvr>
     <a:masterClrMapping/>
   </p:clrMapOvr>
-  <p:timing>
-    <p:tnLst>
-      <p:par>
-        <p:cTn id="1" dur="indefinite" restart="never" nodeType="tmRoot"/>
-      </p:par>
-    </p:tnLst>
-  </p:timing>
 </p:sldLayout>
 </file>
 
@@ -914,10 +908,9 @@
           </a:lstStyle>
           <a:p>
             <a:r>
-              <a:rPr lang="en-US" dirty="0" smtClean="0"/>
+              <a:rPr lang="en-US" dirty="0"/>
               <a:t>Click to edit Master title style</a:t>
             </a:r>
-            <a:endParaRPr lang="en-US" dirty="0"/>
           </a:p>
         </p:txBody>
       </p:sp>
@@ -969,38 +962,37 @@
           <a:p>
             <a:pPr lvl="0"/>
             <a:r>
-              <a:rPr lang="en-US" dirty="0" smtClean="0"/>
+              <a:rPr lang="en-US" dirty="0"/>
               <a:t>Click to edit Master text styles</a:t>
             </a:r>
           </a:p>
           <a:p>
             <a:pPr lvl="1"/>
             <a:r>
-              <a:rPr lang="en-US" dirty="0" smtClean="0"/>
+              <a:rPr lang="en-US" dirty="0"/>
               <a:t>Second level</a:t>
             </a:r>
           </a:p>
           <a:p>
             <a:pPr lvl="2"/>
             <a:r>
-              <a:rPr lang="en-US" dirty="0" smtClean="0"/>
+              <a:rPr lang="en-US" dirty="0"/>
               <a:t>Third level</a:t>
             </a:r>
           </a:p>
           <a:p>
             <a:pPr lvl="3"/>
             <a:r>
-              <a:rPr lang="en-US" dirty="0" smtClean="0"/>
+              <a:rPr lang="en-US" dirty="0"/>
               <a:t>Fourth level</a:t>
             </a:r>
           </a:p>
           <a:p>
             <a:pPr lvl="4"/>
             <a:r>
-              <a:rPr lang="en-US" dirty="0" smtClean="0"/>
+              <a:rPr lang="en-US" dirty="0"/>
               <a:t>Fifth level</a:t>
             </a:r>
-            <a:endParaRPr lang="en-US" dirty="0"/>
           </a:p>
         </p:txBody>
       </p:sp>
@@ -1026,11 +1018,10 @@
             </a:lvl1pPr>
           </a:lstStyle>
           <a:p>
-            <a:fld id="{31791DD0-C125-42BC-A0AE-6D08BC0126DA}" type="datetime1">
-              <a:rPr lang="en-US" smtClean="0"/>
-              <a:t>11/2/2017</a:t>
-            </a:fld>
-            <a:endParaRPr lang="en-US"/>
+            <a:r>
+              <a:rPr lang="en-US"/>
+              <a:t>7/12/2020</a:t>
+            </a:r>
           </a:p>
         </p:txBody>
       </p:sp>
@@ -1057,10 +1048,9 @@
           </a:lstStyle>
           <a:p>
             <a:r>
-              <a:rPr lang="en-US" smtClean="0"/>
-              <a:t>Project Title</a:t>
-            </a:r>
-            <a:endParaRPr lang="en-US"/>
+              <a:rPr lang="en-US"/>
+              <a:t>TA measure - Loc Nguyen</a:t>
+            </a:r>
           </a:p>
         </p:txBody>
       </p:sp>
@@ -1105,13 +1095,6 @@
   <p:clrMapOvr>
     <a:masterClrMapping/>
   </p:clrMapOvr>
-  <p:timing>
-    <p:tnLst>
-      <p:par>
-        <p:cTn id="1" dur="indefinite" restart="never" nodeType="tmRoot"/>
-      </p:par>
-    </p:tnLst>
-  </p:timing>
 </p:sldLayout>
 </file>
 
@@ -1160,10 +1143,9 @@
           </a:lstStyle>
           <a:p>
             <a:r>
-              <a:rPr lang="en-US" dirty="0" smtClean="0"/>
+              <a:rPr lang="en-US" dirty="0"/>
               <a:t>Click to edit Master title style</a:t>
             </a:r>
-            <a:endParaRPr lang="en-US" dirty="0"/>
           </a:p>
         </p:txBody>
       </p:sp>
@@ -1220,38 +1202,37 @@
           <a:p>
             <a:pPr lvl="0"/>
             <a:r>
-              <a:rPr lang="en-US" dirty="0" smtClean="0"/>
+              <a:rPr lang="en-US" dirty="0"/>
               <a:t>Click to edit Master text styles</a:t>
             </a:r>
           </a:p>
           <a:p>
             <a:pPr lvl="1"/>
             <a:r>
-              <a:rPr lang="en-US" dirty="0" smtClean="0"/>
+              <a:rPr lang="en-US" dirty="0"/>
               <a:t>Second level</a:t>
             </a:r>
           </a:p>
           <a:p>
             <a:pPr lvl="2"/>
             <a:r>
-              <a:rPr lang="en-US" dirty="0" smtClean="0"/>
+              <a:rPr lang="en-US" dirty="0"/>
               <a:t>Third level</a:t>
             </a:r>
           </a:p>
           <a:p>
             <a:pPr lvl="3"/>
             <a:r>
-              <a:rPr lang="en-US" dirty="0" smtClean="0"/>
+              <a:rPr lang="en-US" dirty="0"/>
               <a:t>Fourth level</a:t>
             </a:r>
           </a:p>
           <a:p>
             <a:pPr lvl="4"/>
             <a:r>
-              <a:rPr lang="en-US" dirty="0" smtClean="0"/>
+              <a:rPr lang="en-US" dirty="0"/>
               <a:t>Fifth level</a:t>
             </a:r>
-            <a:endParaRPr lang="en-US" dirty="0"/>
           </a:p>
         </p:txBody>
       </p:sp>
@@ -1277,11 +1258,10 @@
             </a:lvl1pPr>
           </a:lstStyle>
           <a:p>
-            <a:fld id="{8BB9D2CB-D283-4439-9D99-F53A44E1D269}" type="datetime1">
-              <a:rPr lang="en-US" smtClean="0"/>
-              <a:t>11/2/2017</a:t>
-            </a:fld>
-            <a:endParaRPr lang="en-US"/>
+            <a:r>
+              <a:rPr lang="en-US"/>
+              <a:t>7/12/2020</a:t>
+            </a:r>
           </a:p>
         </p:txBody>
       </p:sp>
@@ -1308,10 +1288,9 @@
           </a:lstStyle>
           <a:p>
             <a:r>
-              <a:rPr lang="en-US" smtClean="0"/>
-              <a:t>Project Title</a:t>
-            </a:r>
-            <a:endParaRPr lang="en-US"/>
+              <a:rPr lang="en-US"/>
+              <a:t>TA measure - Loc Nguyen</a:t>
+            </a:r>
           </a:p>
         </p:txBody>
       </p:sp>
@@ -1356,13 +1335,6 @@
   <p:clrMapOvr>
     <a:masterClrMapping/>
   </p:clrMapOvr>
-  <p:timing>
-    <p:tnLst>
-      <p:par>
-        <p:cTn id="1" dur="indefinite" restart="never" nodeType="tmRoot"/>
-      </p:par>
-    </p:tnLst>
-  </p:timing>
 </p:sldLayout>
 </file>
 
@@ -1414,10 +1386,9 @@
           </a:lstStyle>
           <a:p>
             <a:r>
-              <a:rPr lang="en-US" dirty="0" smtClean="0"/>
+              <a:rPr lang="en-US" dirty="0"/>
               <a:t>Click to edit Master title style</a:t>
             </a:r>
-            <a:endParaRPr lang="en-US" dirty="0"/>
           </a:p>
         </p:txBody>
       </p:sp>
@@ -1504,38 +1475,37 @@
           <a:p>
             <a:pPr lvl="0"/>
             <a:r>
-              <a:rPr lang="en-US" dirty="0" smtClean="0"/>
+              <a:rPr lang="en-US" dirty="0"/>
               <a:t>Click to edit Master text styles</a:t>
             </a:r>
           </a:p>
           <a:p>
             <a:pPr lvl="1"/>
             <a:r>
-              <a:rPr lang="en-US" dirty="0" smtClean="0"/>
+              <a:rPr lang="en-US" dirty="0"/>
               <a:t>Second level</a:t>
             </a:r>
           </a:p>
           <a:p>
             <a:pPr lvl="2"/>
             <a:r>
-              <a:rPr lang="en-US" dirty="0" smtClean="0"/>
+              <a:rPr lang="en-US" dirty="0"/>
               <a:t>Third level</a:t>
             </a:r>
           </a:p>
           <a:p>
             <a:pPr lvl="3"/>
             <a:r>
-              <a:rPr lang="en-US" dirty="0" smtClean="0"/>
+              <a:rPr lang="en-US" dirty="0"/>
               <a:t>Fourth level</a:t>
             </a:r>
           </a:p>
           <a:p>
             <a:pPr lvl="4"/>
             <a:r>
-              <a:rPr lang="en-US" dirty="0" smtClean="0"/>
+              <a:rPr lang="en-US" dirty="0"/>
               <a:t>Fifth level</a:t>
             </a:r>
-            <a:endParaRPr lang="en-US" dirty="0"/>
           </a:p>
         </p:txBody>
       </p:sp>
@@ -1561,11 +1531,10 @@
             </a:lvl1pPr>
           </a:lstStyle>
           <a:p>
-            <a:fld id="{B9626394-AB31-4EB9-8754-BB40B0CDA0D1}" type="datetime1">
-              <a:rPr lang="en-US" smtClean="0"/>
-              <a:t>11/2/2017</a:t>
-            </a:fld>
-            <a:endParaRPr lang="en-US"/>
+            <a:r>
+              <a:rPr lang="en-US"/>
+              <a:t>7/12/2020</a:t>
+            </a:r>
           </a:p>
         </p:txBody>
       </p:sp>
@@ -1592,10 +1561,9 @@
           </a:lstStyle>
           <a:p>
             <a:r>
-              <a:rPr lang="en-US" smtClean="0"/>
-              <a:t>Project Title</a:t>
-            </a:r>
-            <a:endParaRPr lang="en-US"/>
+              <a:rPr lang="en-US"/>
+              <a:t>TA measure - Loc Nguyen</a:t>
+            </a:r>
           </a:p>
         </p:txBody>
       </p:sp>
@@ -1640,13 +1608,6 @@
   <p:clrMapOvr>
     <a:masterClrMapping/>
   </p:clrMapOvr>
-  <p:timing>
-    <p:tnLst>
-      <p:par>
-        <p:cTn id="1" dur="indefinite" restart="never" nodeType="tmRoot"/>
-      </p:par>
-    </p:tnLst>
-  </p:timing>
 </p:sldLayout>
 </file>
 
@@ -1695,10 +1656,9 @@
           </a:lstStyle>
           <a:p>
             <a:r>
-              <a:rPr lang="en-US" dirty="0" smtClean="0"/>
+              <a:rPr lang="en-US" dirty="0"/>
               <a:t>Click to edit Master title style</a:t>
             </a:r>
-            <a:endParaRPr lang="en-US" dirty="0"/>
           </a:p>
         </p:txBody>
       </p:sp>
@@ -1817,7 +1777,7 @@
           <a:p>
             <a:pPr lvl="0"/>
             <a:r>
-              <a:rPr lang="en-US" dirty="0" smtClean="0"/>
+              <a:rPr lang="en-US" dirty="0"/>
               <a:t>Click to edit Master text styles</a:t>
             </a:r>
           </a:p>
@@ -1845,11 +1805,10 @@
             </a:lvl1pPr>
           </a:lstStyle>
           <a:p>
-            <a:fld id="{020969FA-DDAF-4D8D-89BB-FCE85CC6E74F}" type="datetime1">
-              <a:rPr lang="en-US" smtClean="0"/>
-              <a:t>11/2/2017</a:t>
-            </a:fld>
-            <a:endParaRPr lang="en-US"/>
+            <a:r>
+              <a:rPr lang="en-US"/>
+              <a:t>7/12/2020</a:t>
+            </a:r>
           </a:p>
         </p:txBody>
       </p:sp>
@@ -1876,10 +1835,9 @@
           </a:lstStyle>
           <a:p>
             <a:r>
-              <a:rPr lang="en-US" smtClean="0"/>
-              <a:t>Project Title</a:t>
-            </a:r>
-            <a:endParaRPr lang="en-US"/>
+              <a:rPr lang="en-US"/>
+              <a:t>TA measure - Loc Nguyen</a:t>
+            </a:r>
           </a:p>
         </p:txBody>
       </p:sp>
@@ -1924,13 +1882,6 @@
   <p:clrMapOvr>
     <a:masterClrMapping/>
   </p:clrMapOvr>
-  <p:timing>
-    <p:tnLst>
-      <p:par>
-        <p:cTn id="1" dur="indefinite" restart="never" nodeType="tmRoot"/>
-      </p:par>
-    </p:tnLst>
-  </p:timing>
 </p:sldLayout>
 </file>
 
@@ -1974,10 +1925,9 @@
           </a:lstStyle>
           <a:p>
             <a:r>
-              <a:rPr lang="en-US" dirty="0" smtClean="0"/>
+              <a:rPr lang="en-US" dirty="0"/>
               <a:t>Click to edit Master title style</a:t>
             </a:r>
-            <a:endParaRPr lang="en-US" dirty="0"/>
           </a:p>
         </p:txBody>
       </p:sp>
@@ -2034,38 +1984,37 @@
           <a:p>
             <a:pPr lvl="0"/>
             <a:r>
-              <a:rPr lang="en-US" dirty="0" smtClean="0"/>
+              <a:rPr lang="en-US" dirty="0"/>
               <a:t>Click to edit Master text styles</a:t>
             </a:r>
           </a:p>
           <a:p>
             <a:pPr lvl="1"/>
             <a:r>
-              <a:rPr lang="en-US" dirty="0" smtClean="0"/>
+              <a:rPr lang="en-US" dirty="0"/>
               <a:t>Second level</a:t>
             </a:r>
           </a:p>
           <a:p>
             <a:pPr lvl="2"/>
             <a:r>
-              <a:rPr lang="en-US" dirty="0" smtClean="0"/>
+              <a:rPr lang="en-US" dirty="0"/>
               <a:t>Third level</a:t>
             </a:r>
           </a:p>
           <a:p>
             <a:pPr lvl="3"/>
             <a:r>
-              <a:rPr lang="en-US" dirty="0" smtClean="0"/>
+              <a:rPr lang="en-US" dirty="0"/>
               <a:t>Fourth level</a:t>
             </a:r>
           </a:p>
           <a:p>
             <a:pPr lvl="4"/>
             <a:r>
-              <a:rPr lang="en-US" dirty="0" smtClean="0"/>
+              <a:rPr lang="en-US" dirty="0"/>
               <a:t>Fifth level</a:t>
             </a:r>
-            <a:endParaRPr lang="en-US" dirty="0"/>
           </a:p>
         </p:txBody>
       </p:sp>
@@ -2122,38 +2071,37 @@
           <a:p>
             <a:pPr lvl="0"/>
             <a:r>
-              <a:rPr lang="en-US" dirty="0" smtClean="0"/>
+              <a:rPr lang="en-US" dirty="0"/>
               <a:t>Click to edit Master text styles</a:t>
             </a:r>
           </a:p>
           <a:p>
             <a:pPr lvl="1"/>
             <a:r>
-              <a:rPr lang="en-US" dirty="0" smtClean="0"/>
+              <a:rPr lang="en-US" dirty="0"/>
               <a:t>Second level</a:t>
             </a:r>
           </a:p>
           <a:p>
             <a:pPr lvl="2"/>
             <a:r>
-              <a:rPr lang="en-US" dirty="0" smtClean="0"/>
+              <a:rPr lang="en-US" dirty="0"/>
               <a:t>Third level</a:t>
             </a:r>
           </a:p>
           <a:p>
             <a:pPr lvl="3"/>
             <a:r>
-              <a:rPr lang="en-US" dirty="0" smtClean="0"/>
+              <a:rPr lang="en-US" dirty="0"/>
               <a:t>Fourth level</a:t>
             </a:r>
           </a:p>
           <a:p>
             <a:pPr lvl="4"/>
             <a:r>
-              <a:rPr lang="en-US" dirty="0" smtClean="0"/>
+              <a:rPr lang="en-US" dirty="0"/>
               <a:t>Fifth level</a:t>
             </a:r>
-            <a:endParaRPr lang="en-US" dirty="0"/>
           </a:p>
         </p:txBody>
       </p:sp>
@@ -2179,11 +2127,10 @@
             </a:lvl1pPr>
           </a:lstStyle>
           <a:p>
-            <a:fld id="{C265981A-766A-4E3B-9014-5F8784C8CC93}" type="datetime1">
-              <a:rPr lang="en-US" smtClean="0"/>
-              <a:t>11/2/2017</a:t>
-            </a:fld>
-            <a:endParaRPr lang="en-US"/>
+            <a:r>
+              <a:rPr lang="en-US"/>
+              <a:t>7/12/2020</a:t>
+            </a:r>
           </a:p>
         </p:txBody>
       </p:sp>
@@ -2210,10 +2157,9 @@
           </a:lstStyle>
           <a:p>
             <a:r>
-              <a:rPr lang="en-US" smtClean="0"/>
-              <a:t>Project Title</a:t>
-            </a:r>
-            <a:endParaRPr lang="en-US"/>
+              <a:rPr lang="en-US"/>
+              <a:t>TA measure - Loc Nguyen</a:t>
+            </a:r>
           </a:p>
         </p:txBody>
       </p:sp>
@@ -2258,13 +2204,6 @@
   <p:clrMapOvr>
     <a:masterClrMapping/>
   </p:clrMapOvr>
-  <p:timing>
-    <p:tnLst>
-      <p:par>
-        <p:cTn id="1" dur="indefinite" restart="never" nodeType="tmRoot"/>
-      </p:par>
-    </p:tnLst>
-  </p:timing>
 </p:sldLayout>
 </file>
 
@@ -2313,10 +2252,9 @@
           </a:lstStyle>
           <a:p>
             <a:r>
-              <a:rPr lang="en-US" dirty="0" smtClean="0"/>
+              <a:rPr lang="en-US" dirty="0"/>
               <a:t>Click to edit Master title style</a:t>
             </a:r>
-            <a:endParaRPr lang="en-US" dirty="0"/>
           </a:p>
         </p:txBody>
       </p:sp>
@@ -2382,7 +2320,7 @@
           <a:p>
             <a:pPr lvl="0"/>
             <a:r>
-              <a:rPr lang="en-US" dirty="0" smtClean="0"/>
+              <a:rPr lang="en-US" dirty="0"/>
               <a:t>Click to edit Master text styles</a:t>
             </a:r>
           </a:p>
@@ -2441,38 +2379,37 @@
           <a:p>
             <a:pPr lvl="0"/>
             <a:r>
-              <a:rPr lang="en-US" dirty="0" smtClean="0"/>
+              <a:rPr lang="en-US" dirty="0"/>
               <a:t>Click to edit Master text styles</a:t>
             </a:r>
           </a:p>
           <a:p>
             <a:pPr lvl="1"/>
             <a:r>
-              <a:rPr lang="en-US" dirty="0" smtClean="0"/>
+              <a:rPr lang="en-US" dirty="0"/>
               <a:t>Second level</a:t>
             </a:r>
           </a:p>
           <a:p>
             <a:pPr lvl="2"/>
             <a:r>
-              <a:rPr lang="en-US" dirty="0" smtClean="0"/>
+              <a:rPr lang="en-US" dirty="0"/>
               <a:t>Third level</a:t>
             </a:r>
           </a:p>
           <a:p>
             <a:pPr lvl="3"/>
             <a:r>
-              <a:rPr lang="en-US" dirty="0" smtClean="0"/>
+              <a:rPr lang="en-US" dirty="0"/>
               <a:t>Fourth level</a:t>
             </a:r>
           </a:p>
           <a:p>
             <a:pPr lvl="4"/>
             <a:r>
-              <a:rPr lang="en-US" dirty="0" smtClean="0"/>
+              <a:rPr lang="en-US" dirty="0"/>
               <a:t>Fifth level</a:t>
             </a:r>
-            <a:endParaRPr lang="en-US" dirty="0"/>
           </a:p>
         </p:txBody>
       </p:sp>
@@ -2538,7 +2475,7 @@
           <a:p>
             <a:pPr lvl="0"/>
             <a:r>
-              <a:rPr lang="en-US" dirty="0" smtClean="0"/>
+              <a:rPr lang="en-US" dirty="0"/>
               <a:t>Click to edit Master text styles</a:t>
             </a:r>
           </a:p>
@@ -2597,38 +2534,37 @@
           <a:p>
             <a:pPr lvl="0"/>
             <a:r>
-              <a:rPr lang="en-US" dirty="0" smtClean="0"/>
+              <a:rPr lang="en-US" dirty="0"/>
               <a:t>Click to edit Master text styles</a:t>
             </a:r>
           </a:p>
           <a:p>
             <a:pPr lvl="1"/>
             <a:r>
-              <a:rPr lang="en-US" dirty="0" smtClean="0"/>
+              <a:rPr lang="en-US" dirty="0"/>
               <a:t>Second level</a:t>
             </a:r>
           </a:p>
           <a:p>
             <a:pPr lvl="2"/>
             <a:r>
-              <a:rPr lang="en-US" dirty="0" smtClean="0"/>
+              <a:rPr lang="en-US" dirty="0"/>
               <a:t>Third level</a:t>
             </a:r>
           </a:p>
           <a:p>
             <a:pPr lvl="3"/>
             <a:r>
-              <a:rPr lang="en-US" dirty="0" smtClean="0"/>
+              <a:rPr lang="en-US" dirty="0"/>
               <a:t>Fourth level</a:t>
             </a:r>
           </a:p>
           <a:p>
             <a:pPr lvl="4"/>
             <a:r>
-              <a:rPr lang="en-US" dirty="0" smtClean="0"/>
+              <a:rPr lang="en-US" dirty="0"/>
               <a:t>Fifth level</a:t>
             </a:r>
-            <a:endParaRPr lang="en-US" dirty="0"/>
           </a:p>
         </p:txBody>
       </p:sp>
@@ -2654,11 +2590,10 @@
             </a:lvl1pPr>
           </a:lstStyle>
           <a:p>
-            <a:fld id="{E972E474-529D-423A-A3DD-59050B8E8A5D}" type="datetime1">
-              <a:rPr lang="en-US" smtClean="0"/>
-              <a:t>11/2/2017</a:t>
-            </a:fld>
-            <a:endParaRPr lang="en-US"/>
+            <a:r>
+              <a:rPr lang="en-US"/>
+              <a:t>7/12/2020</a:t>
+            </a:r>
           </a:p>
         </p:txBody>
       </p:sp>
@@ -2685,10 +2620,9 @@
           </a:lstStyle>
           <a:p>
             <a:r>
-              <a:rPr lang="en-US" smtClean="0"/>
-              <a:t>Project Title</a:t>
-            </a:r>
-            <a:endParaRPr lang="en-US"/>
+              <a:rPr lang="en-US"/>
+              <a:t>TA measure - Loc Nguyen</a:t>
+            </a:r>
           </a:p>
         </p:txBody>
       </p:sp>
@@ -2733,13 +2667,6 @@
   <p:clrMapOvr>
     <a:masterClrMapping/>
   </p:clrMapOvr>
-  <p:timing>
-    <p:tnLst>
-      <p:par>
-        <p:cTn id="1" dur="indefinite" restart="never" nodeType="tmRoot"/>
-      </p:par>
-    </p:tnLst>
-  </p:timing>
 </p:sldLayout>
 </file>
 
@@ -2783,10 +2710,9 @@
           </a:lstStyle>
           <a:p>
             <a:r>
-              <a:rPr lang="en-US" dirty="0" smtClean="0"/>
+              <a:rPr lang="en-US" dirty="0"/>
               <a:t>Click to edit Master title style</a:t>
             </a:r>
-            <a:endParaRPr lang="en-US" dirty="0"/>
           </a:p>
         </p:txBody>
       </p:sp>
@@ -2812,11 +2738,10 @@
             </a:lvl1pPr>
           </a:lstStyle>
           <a:p>
-            <a:fld id="{FF843691-58FE-4CE0-BE3D-8441F4D8EE71}" type="datetime1">
-              <a:rPr lang="en-US" smtClean="0"/>
-              <a:t>11/2/2017</a:t>
-            </a:fld>
-            <a:endParaRPr lang="en-US"/>
+            <a:r>
+              <a:rPr lang="en-US"/>
+              <a:t>7/12/2020</a:t>
+            </a:r>
           </a:p>
         </p:txBody>
       </p:sp>
@@ -2843,10 +2768,9 @@
           </a:lstStyle>
           <a:p>
             <a:r>
-              <a:rPr lang="en-US" smtClean="0"/>
-              <a:t>Project Title</a:t>
-            </a:r>
-            <a:endParaRPr lang="en-US"/>
+              <a:rPr lang="en-US"/>
+              <a:t>TA measure - Loc Nguyen</a:t>
+            </a:r>
           </a:p>
         </p:txBody>
       </p:sp>
@@ -2891,13 +2815,6 @@
   <p:clrMapOvr>
     <a:masterClrMapping/>
   </p:clrMapOvr>
-  <p:timing>
-    <p:tnLst>
-      <p:par>
-        <p:cTn id="1" dur="indefinite" restart="never" nodeType="tmRoot"/>
-      </p:par>
-    </p:tnLst>
-  </p:timing>
 </p:sldLayout>
 </file>
 
@@ -2940,11 +2857,10 @@
             </a:lvl1pPr>
           </a:lstStyle>
           <a:p>
-            <a:fld id="{90375853-CF48-4EBB-BF3A-9865D712E192}" type="datetime1">
-              <a:rPr lang="en-US" smtClean="0"/>
-              <a:t>11/2/2017</a:t>
-            </a:fld>
-            <a:endParaRPr lang="en-US"/>
+            <a:r>
+              <a:rPr lang="en-US"/>
+              <a:t>7/12/2020</a:t>
+            </a:r>
           </a:p>
         </p:txBody>
       </p:sp>
@@ -2971,10 +2887,9 @@
           </a:lstStyle>
           <a:p>
             <a:r>
-              <a:rPr lang="en-US" smtClean="0"/>
-              <a:t>Project Title</a:t>
-            </a:r>
-            <a:endParaRPr lang="en-US"/>
+              <a:rPr lang="en-US"/>
+              <a:t>TA measure - Loc Nguyen</a:t>
+            </a:r>
           </a:p>
         </p:txBody>
       </p:sp>
@@ -3019,13 +2934,6 @@
   <p:clrMapOvr>
     <a:masterClrMapping/>
   </p:clrMapOvr>
-  <p:timing>
-    <p:tnLst>
-      <p:par>
-        <p:cTn id="1" dur="indefinite" restart="never" nodeType="tmRoot"/>
-      </p:par>
-    </p:tnLst>
-  </p:timing>
 </p:sldLayout>
 </file>
 
@@ -3074,10 +2982,9 @@
           </a:lstStyle>
           <a:p>
             <a:r>
-              <a:rPr lang="en-US" dirty="0" smtClean="0"/>
+              <a:rPr lang="en-US" dirty="0"/>
               <a:t>Click to edit Master title style</a:t>
             </a:r>
-            <a:endParaRPr lang="en-US" dirty="0"/>
           </a:p>
         </p:txBody>
       </p:sp>
@@ -3146,38 +3053,37 @@
           <a:p>
             <a:pPr lvl="0"/>
             <a:r>
-              <a:rPr lang="en-US" dirty="0" smtClean="0"/>
+              <a:rPr lang="en-US" dirty="0"/>
               <a:t>Click to edit Master text styles</a:t>
             </a:r>
           </a:p>
           <a:p>
             <a:pPr lvl="1"/>
             <a:r>
-              <a:rPr lang="en-US" dirty="0" smtClean="0"/>
+              <a:rPr lang="en-US" dirty="0"/>
               <a:t>Second level</a:t>
             </a:r>
           </a:p>
           <a:p>
             <a:pPr lvl="2"/>
             <a:r>
-              <a:rPr lang="en-US" dirty="0" smtClean="0"/>
+              <a:rPr lang="en-US" dirty="0"/>
               <a:t>Third level</a:t>
             </a:r>
           </a:p>
           <a:p>
             <a:pPr lvl="3"/>
             <a:r>
-              <a:rPr lang="en-US" dirty="0" smtClean="0"/>
+              <a:rPr lang="en-US" dirty="0"/>
               <a:t>Fourth level</a:t>
             </a:r>
           </a:p>
           <a:p>
             <a:pPr lvl="4"/>
             <a:r>
-              <a:rPr lang="en-US" dirty="0" smtClean="0"/>
+              <a:rPr lang="en-US" dirty="0"/>
               <a:t>Fifth level</a:t>
             </a:r>
-            <a:endParaRPr lang="en-US" dirty="0"/>
           </a:p>
         </p:txBody>
       </p:sp>
@@ -3243,7 +3149,7 @@
           <a:p>
             <a:pPr lvl="0"/>
             <a:r>
-              <a:rPr lang="en-US" dirty="0" smtClean="0"/>
+              <a:rPr lang="en-US" dirty="0"/>
               <a:t>Click to edit Master text styles</a:t>
             </a:r>
           </a:p>
@@ -3271,11 +3177,10 @@
             </a:lvl1pPr>
           </a:lstStyle>
           <a:p>
-            <a:fld id="{F0B0F3F7-CF64-49D2-9E5D-7A3CCC9606BF}" type="datetime1">
-              <a:rPr lang="en-US" smtClean="0"/>
-              <a:t>11/2/2017</a:t>
-            </a:fld>
-            <a:endParaRPr lang="en-US"/>
+            <a:r>
+              <a:rPr lang="en-US"/>
+              <a:t>7/12/2020</a:t>
+            </a:r>
           </a:p>
         </p:txBody>
       </p:sp>
@@ -3302,10 +3207,9 @@
           </a:lstStyle>
           <a:p>
             <a:r>
-              <a:rPr lang="en-US" smtClean="0"/>
-              <a:t>Project Title</a:t>
-            </a:r>
-            <a:endParaRPr lang="en-US"/>
+              <a:rPr lang="en-US"/>
+              <a:t>TA measure - Loc Nguyen</a:t>
+            </a:r>
           </a:p>
         </p:txBody>
       </p:sp>
@@ -3350,13 +3254,6 @@
   <p:clrMapOvr>
     <a:masterClrMapping/>
   </p:clrMapOvr>
-  <p:timing>
-    <p:tnLst>
-      <p:par>
-        <p:cTn id="1" dur="indefinite" restart="never" nodeType="tmRoot"/>
-      </p:par>
-    </p:tnLst>
-  </p:timing>
 </p:sldLayout>
 </file>
 
@@ -3405,10 +3302,9 @@
           </a:lstStyle>
           <a:p>
             <a:r>
-              <a:rPr lang="en-US" dirty="0" smtClean="0"/>
+              <a:rPr lang="en-US" dirty="0"/>
               <a:t>Click to edit Master title style</a:t>
             </a:r>
-            <a:endParaRPr lang="en-US" dirty="0"/>
           </a:p>
         </p:txBody>
       </p:sp>
@@ -3538,7 +3434,7 @@
           <a:p>
             <a:pPr lvl="0"/>
             <a:r>
-              <a:rPr lang="en-US" dirty="0" smtClean="0"/>
+              <a:rPr lang="en-US" dirty="0"/>
               <a:t>Click to edit Master text styles</a:t>
             </a:r>
           </a:p>
@@ -3566,11 +3462,10 @@
             </a:lvl1pPr>
           </a:lstStyle>
           <a:p>
-            <a:fld id="{B61C00FF-E398-41D0-BE99-9EDAD62BEC18}" type="datetime1">
-              <a:rPr lang="en-US" smtClean="0"/>
-              <a:t>11/2/2017</a:t>
-            </a:fld>
-            <a:endParaRPr lang="en-US"/>
+            <a:r>
+              <a:rPr lang="en-US"/>
+              <a:t>7/12/2020</a:t>
+            </a:r>
           </a:p>
         </p:txBody>
       </p:sp>
@@ -3597,10 +3492,9 @@
           </a:lstStyle>
           <a:p>
             <a:r>
-              <a:rPr lang="en-US" smtClean="0"/>
-              <a:t>Project Title</a:t>
-            </a:r>
-            <a:endParaRPr lang="en-US"/>
+              <a:rPr lang="en-US"/>
+              <a:t>TA measure - Loc Nguyen</a:t>
+            </a:r>
           </a:p>
         </p:txBody>
       </p:sp>
@@ -3645,13 +3539,6 @@
   <p:clrMapOvr>
     <a:masterClrMapping/>
   </p:clrMapOvr>
-  <p:timing>
-    <p:tnLst>
-      <p:par>
-        <p:cTn id="1" dur="indefinite" restart="never" nodeType="tmRoot"/>
-      </p:par>
-    </p:tnLst>
-  </p:timing>
 </p:sldLayout>
 </file>
 
@@ -3703,10 +3590,9 @@
           <a:lstStyle/>
           <a:p>
             <a:r>
-              <a:rPr lang="en-US" dirty="0" smtClean="0"/>
+              <a:rPr lang="en-US" dirty="0"/>
               <a:t>Click to edit Master title style</a:t>
             </a:r>
-            <a:endParaRPr lang="en-US" dirty="0"/>
           </a:p>
         </p:txBody>
       </p:sp>
@@ -3737,38 +3623,37 @@
           <a:p>
             <a:pPr lvl="0"/>
             <a:r>
-              <a:rPr lang="en-US" dirty="0" smtClean="0"/>
+              <a:rPr lang="en-US" dirty="0"/>
               <a:t>Click to edit Master text styles</a:t>
             </a:r>
           </a:p>
           <a:p>
             <a:pPr lvl="1"/>
             <a:r>
-              <a:rPr lang="en-US" dirty="0" smtClean="0"/>
+              <a:rPr lang="en-US" dirty="0"/>
               <a:t>Second level</a:t>
             </a:r>
           </a:p>
           <a:p>
             <a:pPr lvl="2"/>
             <a:r>
-              <a:rPr lang="en-US" dirty="0" smtClean="0"/>
+              <a:rPr lang="en-US" dirty="0"/>
               <a:t>Third level</a:t>
             </a:r>
           </a:p>
           <a:p>
             <a:pPr lvl="3"/>
             <a:r>
-              <a:rPr lang="en-US" dirty="0" smtClean="0"/>
+              <a:rPr lang="en-US" dirty="0"/>
               <a:t>Fourth level</a:t>
             </a:r>
           </a:p>
           <a:p>
             <a:pPr lvl="4"/>
             <a:r>
-              <a:rPr lang="en-US" dirty="0" smtClean="0"/>
+              <a:rPr lang="en-US" dirty="0"/>
               <a:t>Fifth level</a:t>
             </a:r>
-            <a:endParaRPr lang="en-US" dirty="0"/>
           </a:p>
         </p:txBody>
       </p:sp>
@@ -3807,11 +3692,10 @@
             </a:lvl1pPr>
           </a:lstStyle>
           <a:p>
-            <a:fld id="{77BE3A39-496D-4D2A-B13B-7FA36018A369}" type="datetime1">
-              <a:rPr lang="en-US" smtClean="0"/>
-              <a:t>11/2/2017</a:t>
-            </a:fld>
-            <a:endParaRPr lang="en-US"/>
+            <a:r>
+              <a:rPr lang="en-US"/>
+              <a:t>7/12/2020</a:t>
+            </a:r>
           </a:p>
         </p:txBody>
       </p:sp>
@@ -3851,10 +3735,9 @@
           </a:lstStyle>
           <a:p>
             <a:r>
-              <a:rPr lang="en-US" smtClean="0"/>
-              <a:t>Project Title</a:t>
-            </a:r>
-            <a:endParaRPr lang="en-US"/>
+              <a:rPr lang="en-US"/>
+              <a:t>TA measure - Loc Nguyen</a:t>
+            </a:r>
           </a:p>
         </p:txBody>
       </p:sp>
@@ -3923,13 +3806,6 @@
     <p:sldLayoutId id="2147483658" r:id="rId10"/>
     <p:sldLayoutId id="2147483659" r:id="rId11"/>
   </p:sldLayoutIdLst>
-  <p:timing>
-    <p:tnLst>
-      <p:par>
-        <p:cTn id="1" dur="indefinite" restart="never" nodeType="tmRoot"/>
-      </p:par>
-    </p:tnLst>
-  </p:timing>
   <p:hf hdr="0"/>
   <p:txStyles>
     <p:titleStyle>
@@ -4254,8 +4130,8 @@
           <a:lstStyle/>
           <a:p>
             <a:r>
-              <a:rPr lang="en-US" sz="4500" b="1" dirty="0" smtClean="0"/>
-              <a:t>Project Title</a:t>
+              <a:rPr lang="en-US" sz="4500" b="1" dirty="0"/>
+              <a:t>Advanced cosine measures for collaborative filtering</a:t>
             </a:r>
             <a:endParaRPr lang="en-US" sz="4500" dirty="0"/>
           </a:p>
@@ -4284,29 +4160,25 @@
           <a:lstStyle/>
           <a:p>
             <a:r>
-              <a:rPr lang="en-US" dirty="0" smtClean="0"/>
+              <a:rPr lang="en-US" dirty="0"/>
               <a:t>Prof. Loc Nguyen PhD, MD, MBA</a:t>
             </a:r>
           </a:p>
           <a:p>
             <a:r>
               <a:rPr lang="en-US" dirty="0"/>
-              <a:t>International Engineering and Technology Institute (IETI), </a:t>
-            </a:r>
-            <a:r>
-              <a:rPr lang="en-US" dirty="0" smtClean="0"/>
-              <a:t>Vietnam</a:t>
-            </a:r>
-          </a:p>
-          <a:p>
-            <a:r>
-              <a:rPr lang="en-US" dirty="0" smtClean="0"/>
+              <a:t>International Engineering and Technology Institute (IETI), Vietnam</a:t>
+            </a:r>
+          </a:p>
+          <a:p>
+            <a:r>
+              <a:rPr lang="en-US" dirty="0"/>
               <a:t>Email: ng_phloc@yahoo.com</a:t>
             </a:r>
           </a:p>
           <a:p>
             <a:r>
-              <a:rPr lang="en-US" dirty="0" smtClean="0"/>
+              <a:rPr lang="en-US" dirty="0"/>
               <a:t>Homepage: www.locnguyen.net</a:t>
             </a:r>
           </a:p>
@@ -4331,10 +4203,9 @@
           <a:lstStyle/>
           <a:p>
             <a:r>
-              <a:rPr lang="en-US" smtClean="0"/>
-              <a:t>Project Title</a:t>
-            </a:r>
-            <a:endParaRPr lang="en-US"/>
+              <a:rPr lang="en-US"/>
+              <a:t>TA measure - Loc Nguyen</a:t>
+            </a:r>
           </a:p>
         </p:txBody>
       </p:sp>
@@ -4353,11 +4224,10 @@
           <a:bodyPr/>
           <a:lstStyle/>
           <a:p>
-            <a:fld id="{AA15C506-BC8A-46B5-9E53-D7E77151E582}" type="datetime1">
-              <a:rPr lang="en-US" smtClean="0"/>
-              <a:t>11/2/2017</a:t>
-            </a:fld>
-            <a:endParaRPr lang="en-US"/>
+            <a:r>
+              <a:rPr lang="en-US"/>
+              <a:t>7/12/2020</a:t>
+            </a:r>
           </a:p>
         </p:txBody>
       </p:sp>
@@ -4395,13 +4265,454 @@
   <p:clrMapOvr>
     <a:masterClrMapping/>
   </p:clrMapOvr>
-  <p:timing>
-    <p:tnLst>
-      <p:par>
-        <p:cTn id="1" dur="indefinite" restart="never" nodeType="tmRoot"/>
-      </p:par>
-    </p:tnLst>
-  </p:timing>
+</p:sld>
+</file>
+
+<file path=ppt/slides/slide10.xml><?xml version="1.0" encoding="utf-8"?>
+<p:sld xmlns:a="http://schemas.openxmlformats.org/drawingml/2006/main" xmlns:r="http://schemas.openxmlformats.org/officeDocument/2006/relationships" xmlns:p="http://schemas.openxmlformats.org/presentationml/2006/main">
+  <p:cSld>
+    <p:spTree>
+      <p:nvGrpSpPr>
+        <p:cNvPr id="1" name=""/>
+        <p:cNvGrpSpPr/>
+        <p:nvPr/>
+      </p:nvGrpSpPr>
+      <p:grpSpPr>
+        <a:xfrm>
+          <a:off x="0" y="0"/>
+          <a:ext cx="0" cy="0"/>
+          <a:chOff x="0" y="0"/>
+          <a:chExt cx="0" cy="0"/>
+        </a:xfrm>
+      </p:grpSpPr>
+      <p:sp>
+        <p:nvSpPr>
+          <p:cNvPr id="2" name="Title 1"/>
+          <p:cNvSpPr>
+            <a:spLocks noGrp="1"/>
+          </p:cNvSpPr>
+          <p:nvPr>
+            <p:ph type="title"/>
+          </p:nvPr>
+        </p:nvSpPr>
+        <p:spPr/>
+        <p:txBody>
+          <a:bodyPr/>
+          <a:lstStyle/>
+          <a:p>
+            <a:r>
+              <a:rPr lang="en-US" dirty="0"/>
+              <a:t>4. Conclusions</a:t>
+            </a:r>
+          </a:p>
+        </p:txBody>
+      </p:sp>
+      <p:sp>
+        <p:nvSpPr>
+          <p:cNvPr id="3" name="Content Placeholder 2"/>
+          <p:cNvSpPr>
+            <a:spLocks noGrp="1"/>
+          </p:cNvSpPr>
+          <p:nvPr>
+            <p:ph idx="1"/>
+          </p:nvPr>
+        </p:nvSpPr>
+        <p:spPr/>
+        <p:txBody>
+          <a:bodyPr/>
+          <a:lstStyle/>
+          <a:p>
+            <a:r>
+              <a:rPr lang="en-US" dirty="0"/>
+              <a:t>Conclusion 1.</a:t>
+            </a:r>
+          </a:p>
+          <a:p>
+            <a:r>
+              <a:rPr lang="en-US" dirty="0"/>
+              <a:t>Conclusion 2.</a:t>
+            </a:r>
+          </a:p>
+          <a:p>
+            <a:r>
+              <a:rPr lang="en-US" dirty="0"/>
+              <a:t>Conclusion 3.</a:t>
+            </a:r>
+          </a:p>
+        </p:txBody>
+      </p:sp>
+      <p:sp>
+        <p:nvSpPr>
+          <p:cNvPr id="4" name="Date Placeholder 3"/>
+          <p:cNvSpPr>
+            <a:spLocks noGrp="1"/>
+          </p:cNvSpPr>
+          <p:nvPr>
+            <p:ph type="dt" sz="half" idx="10"/>
+          </p:nvPr>
+        </p:nvSpPr>
+        <p:spPr/>
+        <p:txBody>
+          <a:bodyPr/>
+          <a:lstStyle/>
+          <a:p>
+            <a:r>
+              <a:rPr lang="en-US"/>
+              <a:t>7/12/2020</a:t>
+            </a:r>
+          </a:p>
+        </p:txBody>
+      </p:sp>
+      <p:sp>
+        <p:nvSpPr>
+          <p:cNvPr id="5" name="Footer Placeholder 4"/>
+          <p:cNvSpPr>
+            <a:spLocks noGrp="1"/>
+          </p:cNvSpPr>
+          <p:nvPr>
+            <p:ph type="ftr" sz="quarter" idx="11"/>
+          </p:nvPr>
+        </p:nvSpPr>
+        <p:spPr/>
+        <p:txBody>
+          <a:bodyPr/>
+          <a:lstStyle/>
+          <a:p>
+            <a:r>
+              <a:rPr lang="en-US"/>
+              <a:t>TA measure - Loc Nguyen</a:t>
+            </a:r>
+          </a:p>
+        </p:txBody>
+      </p:sp>
+      <p:sp>
+        <p:nvSpPr>
+          <p:cNvPr id="6" name="Slide Number Placeholder 5"/>
+          <p:cNvSpPr>
+            <a:spLocks noGrp="1"/>
+          </p:cNvSpPr>
+          <p:nvPr>
+            <p:ph type="sldNum" sz="quarter" idx="12"/>
+          </p:nvPr>
+        </p:nvSpPr>
+        <p:spPr/>
+        <p:txBody>
+          <a:bodyPr/>
+          <a:lstStyle/>
+          <a:p>
+            <a:fld id="{5DB5036F-1FF2-46C4-8D2B-59C7E3B91952}" type="slidenum">
+              <a:rPr lang="en-US" smtClean="0"/>
+              <a:pPr/>
+              <a:t>10</a:t>
+            </a:fld>
+            <a:endParaRPr lang="en-US"/>
+          </a:p>
+        </p:txBody>
+      </p:sp>
+    </p:spTree>
+    <p:extLst>
+      <p:ext uri="{BB962C8B-B14F-4D97-AF65-F5344CB8AC3E}">
+        <p14:creationId xmlns:p14="http://schemas.microsoft.com/office/powerpoint/2010/main" val="3414256873"/>
+      </p:ext>
+    </p:extLst>
+  </p:cSld>
+  <p:clrMapOvr>
+    <a:masterClrMapping/>
+  </p:clrMapOvr>
+</p:sld>
+</file>
+
+<file path=ppt/slides/slide11.xml><?xml version="1.0" encoding="utf-8"?>
+<p:sld xmlns:a="http://schemas.openxmlformats.org/drawingml/2006/main" xmlns:r="http://schemas.openxmlformats.org/officeDocument/2006/relationships" xmlns:p="http://schemas.openxmlformats.org/presentationml/2006/main">
+  <p:cSld>
+    <p:spTree>
+      <p:nvGrpSpPr>
+        <p:cNvPr id="1" name=""/>
+        <p:cNvGrpSpPr/>
+        <p:nvPr/>
+      </p:nvGrpSpPr>
+      <p:grpSpPr>
+        <a:xfrm>
+          <a:off x="0" y="0"/>
+          <a:ext cx="0" cy="0"/>
+          <a:chOff x="0" y="0"/>
+          <a:chExt cx="0" cy="0"/>
+        </a:xfrm>
+      </p:grpSpPr>
+      <p:sp>
+        <p:nvSpPr>
+          <p:cNvPr id="2" name="Title 1"/>
+          <p:cNvSpPr>
+            <a:spLocks noGrp="1"/>
+          </p:cNvSpPr>
+          <p:nvPr>
+            <p:ph type="title"/>
+          </p:nvPr>
+        </p:nvSpPr>
+        <p:spPr>
+          <a:xfrm>
+            <a:off x="838200" y="2748159"/>
+            <a:ext cx="10515600" cy="660486"/>
+          </a:xfrm>
+        </p:spPr>
+        <p:txBody>
+          <a:bodyPr>
+            <a:noAutofit/>
+          </a:bodyPr>
+          <a:lstStyle/>
+          <a:p>
+            <a:pPr algn="ctr"/>
+            <a:r>
+              <a:rPr lang="en-US" sz="5000" dirty="0"/>
+              <a:t>Thank you for attention</a:t>
+            </a:r>
+          </a:p>
+        </p:txBody>
+      </p:sp>
+      <p:sp>
+        <p:nvSpPr>
+          <p:cNvPr id="4" name="Slide Number Placeholder 3"/>
+          <p:cNvSpPr>
+            <a:spLocks noGrp="1"/>
+          </p:cNvSpPr>
+          <p:nvPr>
+            <p:ph type="sldNum" sz="quarter" idx="12"/>
+          </p:nvPr>
+        </p:nvSpPr>
+        <p:spPr/>
+        <p:txBody>
+          <a:bodyPr/>
+          <a:lstStyle/>
+          <a:p>
+            <a:fld id="{5DB5036F-1FF2-46C4-8D2B-59C7E3B91952}" type="slidenum">
+              <a:rPr lang="en-US" smtClean="0"/>
+              <a:pPr/>
+              <a:t>11</a:t>
+            </a:fld>
+            <a:endParaRPr lang="en-US"/>
+          </a:p>
+        </p:txBody>
+      </p:sp>
+      <p:sp>
+        <p:nvSpPr>
+          <p:cNvPr id="3" name="Footer Placeholder 2"/>
+          <p:cNvSpPr>
+            <a:spLocks noGrp="1"/>
+          </p:cNvSpPr>
+          <p:nvPr>
+            <p:ph type="ftr" sz="quarter" idx="11"/>
+          </p:nvPr>
+        </p:nvSpPr>
+        <p:spPr/>
+        <p:txBody>
+          <a:bodyPr/>
+          <a:lstStyle/>
+          <a:p>
+            <a:r>
+              <a:rPr lang="en-US"/>
+              <a:t>TA measure - Loc Nguyen</a:t>
+            </a:r>
+          </a:p>
+        </p:txBody>
+      </p:sp>
+      <p:sp>
+        <p:nvSpPr>
+          <p:cNvPr id="5" name="Date Placeholder 4"/>
+          <p:cNvSpPr>
+            <a:spLocks noGrp="1"/>
+          </p:cNvSpPr>
+          <p:nvPr>
+            <p:ph type="dt" sz="half" idx="10"/>
+          </p:nvPr>
+        </p:nvSpPr>
+        <p:spPr/>
+        <p:txBody>
+          <a:bodyPr/>
+          <a:lstStyle/>
+          <a:p>
+            <a:r>
+              <a:rPr lang="en-US"/>
+              <a:t>7/12/2020</a:t>
+            </a:r>
+          </a:p>
+        </p:txBody>
+      </p:sp>
+    </p:spTree>
+    <p:extLst>
+      <p:ext uri="{BB962C8B-B14F-4D97-AF65-F5344CB8AC3E}">
+        <p14:creationId xmlns:p14="http://schemas.microsoft.com/office/powerpoint/2010/main" val="1326608893"/>
+      </p:ext>
+    </p:extLst>
+  </p:cSld>
+  <p:clrMapOvr>
+    <a:masterClrMapping/>
+  </p:clrMapOvr>
+</p:sld>
+</file>
+
+<file path=ppt/slides/slide12.xml><?xml version="1.0" encoding="utf-8"?>
+<p:sld xmlns:a="http://schemas.openxmlformats.org/drawingml/2006/main" xmlns:r="http://schemas.openxmlformats.org/officeDocument/2006/relationships" xmlns:p="http://schemas.openxmlformats.org/presentationml/2006/main">
+  <p:cSld>
+    <p:spTree>
+      <p:nvGrpSpPr>
+        <p:cNvPr id="1" name=""/>
+        <p:cNvGrpSpPr/>
+        <p:nvPr/>
+      </p:nvGrpSpPr>
+      <p:grpSpPr>
+        <a:xfrm>
+          <a:off x="0" y="0"/>
+          <a:ext cx="0" cy="0"/>
+          <a:chOff x="0" y="0"/>
+          <a:chExt cx="0" cy="0"/>
+        </a:xfrm>
+      </p:grpSpPr>
+      <p:sp>
+        <p:nvSpPr>
+          <p:cNvPr id="2" name="Title 1"/>
+          <p:cNvSpPr>
+            <a:spLocks noGrp="1"/>
+          </p:cNvSpPr>
+          <p:nvPr>
+            <p:ph type="title"/>
+          </p:nvPr>
+        </p:nvSpPr>
+        <p:spPr/>
+        <p:txBody>
+          <a:bodyPr/>
+          <a:lstStyle/>
+          <a:p>
+            <a:r>
+              <a:rPr lang="en-US" dirty="0"/>
+              <a:t>References</a:t>
+            </a:r>
+          </a:p>
+        </p:txBody>
+      </p:sp>
+      <p:sp>
+        <p:nvSpPr>
+          <p:cNvPr id="3" name="Content Placeholder 2"/>
+          <p:cNvSpPr>
+            <a:spLocks noGrp="1"/>
+          </p:cNvSpPr>
+          <p:nvPr>
+            <p:ph idx="1"/>
+          </p:nvPr>
+        </p:nvSpPr>
+        <p:spPr/>
+        <p:txBody>
+          <a:bodyPr/>
+          <a:lstStyle/>
+          <a:p>
+            <a:pPr marL="457200" indent="-457200">
+              <a:buFont typeface="+mj-lt"/>
+              <a:buAutoNum type="arabicPeriod"/>
+            </a:pPr>
+            <a:r>
+              <a:rPr lang="en-US" dirty="0"/>
+              <a:t>Reference 1</a:t>
+            </a:r>
+          </a:p>
+          <a:p>
+            <a:pPr marL="457200" indent="-457200">
+              <a:buFont typeface="+mj-lt"/>
+              <a:buAutoNum type="arabicPeriod"/>
+            </a:pPr>
+            <a:r>
+              <a:rPr lang="en-US" dirty="0"/>
+              <a:t>Reference 2.</a:t>
+            </a:r>
+          </a:p>
+          <a:p>
+            <a:pPr marL="457200" indent="-457200">
+              <a:buFont typeface="+mj-lt"/>
+              <a:buAutoNum type="arabicPeriod"/>
+            </a:pPr>
+            <a:r>
+              <a:rPr lang="en-US" dirty="0"/>
+              <a:t>Reference 3.</a:t>
+            </a:r>
+          </a:p>
+        </p:txBody>
+      </p:sp>
+      <p:sp>
+        <p:nvSpPr>
+          <p:cNvPr id="4" name="Date Placeholder 3"/>
+          <p:cNvSpPr>
+            <a:spLocks noGrp="1"/>
+          </p:cNvSpPr>
+          <p:nvPr>
+            <p:ph type="dt" sz="half" idx="10"/>
+          </p:nvPr>
+        </p:nvSpPr>
+        <p:spPr/>
+        <p:txBody>
+          <a:bodyPr/>
+          <a:lstStyle/>
+          <a:p>
+            <a:r>
+              <a:rPr lang="en-US"/>
+              <a:t>7/12/2020</a:t>
+            </a:r>
+          </a:p>
+        </p:txBody>
+      </p:sp>
+      <p:sp>
+        <p:nvSpPr>
+          <p:cNvPr id="5" name="Footer Placeholder 4"/>
+          <p:cNvSpPr>
+            <a:spLocks noGrp="1"/>
+          </p:cNvSpPr>
+          <p:nvPr>
+            <p:ph type="ftr" sz="quarter" idx="11"/>
+          </p:nvPr>
+        </p:nvSpPr>
+        <p:spPr/>
+        <p:txBody>
+          <a:bodyPr/>
+          <a:lstStyle/>
+          <a:p>
+            <a:r>
+              <a:rPr lang="en-US"/>
+              <a:t>TA measure - Loc Nguyen</a:t>
+            </a:r>
+          </a:p>
+        </p:txBody>
+      </p:sp>
+      <p:sp>
+        <p:nvSpPr>
+          <p:cNvPr id="6" name="Slide Number Placeholder 5"/>
+          <p:cNvSpPr>
+            <a:spLocks noGrp="1"/>
+          </p:cNvSpPr>
+          <p:nvPr>
+            <p:ph type="sldNum" sz="quarter" idx="12"/>
+          </p:nvPr>
+        </p:nvSpPr>
+        <p:spPr/>
+        <p:txBody>
+          <a:bodyPr/>
+          <a:lstStyle/>
+          <a:p>
+            <a:fld id="{5DB5036F-1FF2-46C4-8D2B-59C7E3B91952}" type="slidenum">
+              <a:rPr lang="en-US" smtClean="0"/>
+              <a:pPr/>
+              <a:t>12</a:t>
+            </a:fld>
+            <a:endParaRPr lang="en-US"/>
+          </a:p>
+        </p:txBody>
+      </p:sp>
+    </p:spTree>
+    <p:extLst>
+      <p:ext uri="{BB962C8B-B14F-4D97-AF65-F5344CB8AC3E}">
+        <p14:creationId xmlns:p14="http://schemas.microsoft.com/office/powerpoint/2010/main" val="1065549049"/>
+      </p:ext>
+    </p:extLst>
+  </p:cSld>
+  <p:clrMapOvr>
+    <a:masterClrMapping/>
+  </p:clrMapOvr>
 </p:sld>
 </file>
 
@@ -4438,10 +4749,9 @@
           <a:lstStyle/>
           <a:p>
             <a:r>
-              <a:rPr lang="en-US" dirty="0" smtClean="0"/>
+              <a:rPr lang="en-US" dirty="0"/>
               <a:t>Abstract</a:t>
             </a:r>
-            <a:endParaRPr lang="en-US" dirty="0"/>
           </a:p>
         </p:txBody>
       </p:sp>
@@ -4458,7 +4768,7 @@
         <p:spPr/>
         <p:txBody>
           <a:bodyPr>
-            <a:normAutofit/>
+            <a:noAutofit/>
           </a:bodyPr>
           <a:lstStyle/>
           <a:p>
@@ -4466,10 +4776,14 @@
               <a:buNone/>
             </a:pPr>
             <a:r>
-              <a:rPr lang="en-US" dirty="0" smtClean="0"/>
-              <a:t>This is abstract.</a:t>
-            </a:r>
-            <a:endParaRPr lang="en-US" dirty="0"/>
+              <a:rPr lang="en-US" sz="2200" dirty="0">
+                <a:effectLst/>
+                <a:latin typeface="Times New Roman" panose="02020603050405020304" pitchFamily="18" charset="0"/>
+                <a:ea typeface="Calibri" panose="020F0502020204030204" pitchFamily="34" charset="0"/>
+              </a:rPr>
+              <a:t>Cosine similarity is an important measure to compare two vectors for many researches in data mining and information retrieval. In this research, cosine measure and its advanced variants for collaborating filtering (CF) are evaluated. Cosine measure is effective but it has a drawback that there may be two end points of two vectors which are far from each other according to Euclidean distance, but their cosine is high. This is negative effect of Euclidean distance which decreases accuracy of cosine similarity. Therefore, a so-called triangle area (TA) measure is proposed as an improved version of cosine measure. TA measure uses ratio of basic triangle area to whole triangle area as reinforced factor for Euclidean distance so that it can alleviate negative effect of Euclidean distance whereas it keeps simplicity and effectiveness of both cosine measure and Euclidean distance in making similarity of two vectors. TA is considered as an advanced cosine measure. TA and other advanced cosine measures are tested with other similarity measures. From experimental results, TA is not a preeminent measure but it is better than traditional cosine measures in most cases and it is also adequate to real-time application. Moreover, its formula is simple too.</a:t>
+            </a:r>
+            <a:endParaRPr lang="en-US" sz="2200" dirty="0"/>
           </a:p>
         </p:txBody>
       </p:sp>
@@ -4513,10 +4827,9 @@
           <a:lstStyle/>
           <a:p>
             <a:r>
-              <a:rPr lang="en-US" smtClean="0"/>
-              <a:t>Project Title</a:t>
-            </a:r>
-            <a:endParaRPr lang="en-US"/>
+              <a:rPr lang="en-US"/>
+              <a:t>TA measure - Loc Nguyen</a:t>
+            </a:r>
           </a:p>
         </p:txBody>
       </p:sp>
@@ -4535,11 +4848,10 @@
           <a:bodyPr/>
           <a:lstStyle/>
           <a:p>
-            <a:fld id="{9A0BB87B-B7BC-450E-BB6A-701A176EB920}" type="datetime1">
-              <a:rPr lang="en-US" smtClean="0"/>
-              <a:t>11/2/2017</a:t>
-            </a:fld>
-            <a:endParaRPr lang="en-US"/>
+            <a:r>
+              <a:rPr lang="en-US"/>
+              <a:t>7/12/2020</a:t>
+            </a:r>
           </a:p>
         </p:txBody>
       </p:sp>
@@ -4553,13 +4865,6 @@
   <p:clrMapOvr>
     <a:masterClrMapping/>
   </p:clrMapOvr>
-  <p:timing>
-    <p:tnLst>
-      <p:par>
-        <p:cTn id="1" dur="indefinite" restart="never" nodeType="tmRoot"/>
-      </p:par>
-    </p:tnLst>
-  </p:timing>
 </p:sld>
 </file>
 
@@ -4596,10 +4901,9 @@
           <a:lstStyle/>
           <a:p>
             <a:r>
-              <a:rPr lang="en-US" smtClean="0"/>
+              <a:rPr lang="en-US"/>
               <a:t>Table of contents</a:t>
             </a:r>
-            <a:endParaRPr lang="en-US"/>
           </a:p>
         </p:txBody>
       </p:sp>
@@ -4623,7 +4927,7 @@
               <a:buAutoNum type="arabicPeriod"/>
             </a:pPr>
             <a:r>
-              <a:rPr lang="en-US" dirty="0" smtClean="0"/>
+              <a:rPr lang="en-US" dirty="0"/>
               <a:t>Introduction</a:t>
             </a:r>
           </a:p>
@@ -4633,10 +4937,9 @@
               <a:buAutoNum type="arabicPeriod"/>
             </a:pPr>
             <a:r>
-              <a:rPr lang="en-US" dirty="0" smtClean="0"/>
+              <a:rPr lang="en-US" dirty="0"/>
               <a:t>Methodologies</a:t>
             </a:r>
-            <a:endParaRPr lang="en-US" dirty="0" smtClean="0"/>
           </a:p>
           <a:p>
             <a:pPr marL="457200" indent="-457200">
@@ -4644,10 +4947,9 @@
               <a:buAutoNum type="arabicPeriod"/>
             </a:pPr>
             <a:r>
-              <a:rPr lang="en-US" dirty="0" smtClean="0"/>
+              <a:rPr lang="en-US" dirty="0"/>
               <a:t>Results and Discussions</a:t>
             </a:r>
-            <a:endParaRPr lang="en-US" dirty="0" smtClean="0"/>
           </a:p>
           <a:p>
             <a:pPr marL="457200" indent="-457200">
@@ -4655,10 +4957,9 @@
               <a:buAutoNum type="arabicPeriod"/>
             </a:pPr>
             <a:r>
-              <a:rPr lang="en-US" dirty="0" smtClean="0"/>
+              <a:rPr lang="en-US" dirty="0"/>
               <a:t>Conclusions</a:t>
             </a:r>
-            <a:endParaRPr lang="en-US" dirty="0"/>
           </a:p>
         </p:txBody>
       </p:sp>
@@ -4702,10 +5003,9 @@
           <a:lstStyle/>
           <a:p>
             <a:r>
-              <a:rPr lang="en-US" smtClean="0"/>
-              <a:t>Project Title</a:t>
-            </a:r>
-            <a:endParaRPr lang="en-US"/>
+              <a:rPr lang="en-US"/>
+              <a:t>TA measure - Loc Nguyen</a:t>
+            </a:r>
           </a:p>
         </p:txBody>
       </p:sp>
@@ -4724,11 +5024,10 @@
           <a:bodyPr/>
           <a:lstStyle/>
           <a:p>
-            <a:fld id="{15EABFDF-330B-4262-AD2C-2A9706806DC1}" type="datetime1">
-              <a:rPr lang="en-US" smtClean="0"/>
-              <a:t>11/2/2017</a:t>
-            </a:fld>
-            <a:endParaRPr lang="en-US"/>
+            <a:r>
+              <a:rPr lang="en-US"/>
+              <a:t>7/12/2020</a:t>
+            </a:r>
           </a:p>
         </p:txBody>
       </p:sp>
@@ -4742,13 +5041,6 @@
   <p:clrMapOvr>
     <a:masterClrMapping/>
   </p:clrMapOvr>
-  <p:timing>
-    <p:tnLst>
-      <p:par>
-        <p:cTn id="1" dur="indefinite" restart="never" nodeType="tmRoot"/>
-      </p:par>
-    </p:tnLst>
-  </p:timing>
 </p:sld>
 </file>
 
@@ -4785,10 +5077,9 @@
           <a:lstStyle/>
           <a:p>
             <a:r>
-              <a:rPr lang="en-US" dirty="0" smtClean="0"/>
+              <a:rPr lang="en-US" dirty="0"/>
               <a:t>1. Introduction</a:t>
             </a:r>
-            <a:endParaRPr lang="en-US" dirty="0"/>
           </a:p>
         </p:txBody>
       </p:sp>
@@ -4808,22 +5099,21 @@
           <a:lstStyle/>
           <a:p>
             <a:r>
-              <a:rPr lang="en-US" dirty="0" smtClean="0"/>
+              <a:rPr lang="en-US" dirty="0"/>
               <a:t>Introduction 1.</a:t>
             </a:r>
           </a:p>
           <a:p>
             <a:r>
-              <a:rPr lang="en-US" dirty="0" smtClean="0"/>
+              <a:rPr lang="en-US" dirty="0"/>
               <a:t>Introduction 2.</a:t>
             </a:r>
           </a:p>
           <a:p>
             <a:r>
-              <a:rPr lang="en-US" dirty="0" smtClean="0"/>
+              <a:rPr lang="en-US" dirty="0"/>
               <a:t>Introduction 3</a:t>
             </a:r>
-            <a:endParaRPr lang="en-US" dirty="0"/>
           </a:p>
         </p:txBody>
       </p:sp>
@@ -4842,11 +5132,10 @@
           <a:bodyPr/>
           <a:lstStyle/>
           <a:p>
-            <a:fld id="{5D072244-FF44-443E-A4C5-0263C8C92AE3}" type="datetime1">
-              <a:rPr lang="en-US" smtClean="0"/>
-              <a:t>11/2/2017</a:t>
-            </a:fld>
-            <a:endParaRPr lang="en-US"/>
+            <a:r>
+              <a:rPr lang="en-US"/>
+              <a:t>7/12/2020</a:t>
+            </a:r>
           </a:p>
         </p:txBody>
       </p:sp>
@@ -4866,10 +5155,9 @@
           <a:lstStyle/>
           <a:p>
             <a:r>
-              <a:rPr lang="en-US" smtClean="0"/>
-              <a:t>Project Title</a:t>
-            </a:r>
-            <a:endParaRPr lang="en-US"/>
+              <a:rPr lang="en-US"/>
+              <a:t>TA measure - Loc Nguyen</a:t>
+            </a:r>
           </a:p>
         </p:txBody>
       </p:sp>
@@ -4907,13 +5195,6 @@
   <p:clrMapOvr>
     <a:masterClrMapping/>
   </p:clrMapOvr>
-  <p:timing>
-    <p:tnLst>
-      <p:par>
-        <p:cTn id="1" dur="indefinite" restart="never" nodeType="tmRoot"/>
-      </p:par>
-    </p:tnLst>
-  </p:timing>
 </p:sld>
 </file>
 
@@ -4950,10 +5231,9 @@
           <a:lstStyle/>
           <a:p>
             <a:r>
-              <a:rPr lang="en-US" dirty="0" smtClean="0"/>
+              <a:rPr lang="en-US" dirty="0"/>
               <a:t>2. Methodologies</a:t>
             </a:r>
-            <a:endParaRPr lang="en-US" dirty="0"/>
           </a:p>
         </p:txBody>
       </p:sp>
@@ -4965,6 +5245,347 @@
           </p:cNvSpPr>
           <p:nvPr>
             <p:ph idx="1"/>
+          </p:nvPr>
+        </p:nvSpPr>
+        <p:spPr>
+          <a:xfrm>
+            <a:off x="838200" y="914398"/>
+            <a:ext cx="10515600" cy="5441951"/>
+          </a:xfrm>
+        </p:spPr>
+        <p:txBody>
+          <a:bodyPr>
+            <a:normAutofit/>
+          </a:bodyPr>
+          <a:lstStyle/>
+          <a:p>
+            <a:r>
+              <a:rPr lang="en-US" sz="2000" dirty="0">
+                <a:effectLst/>
+                <a:latin typeface="Times New Roman" panose="02020603050405020304" pitchFamily="18" charset="0"/>
+                <a:ea typeface="Calibri" panose="020F0502020204030204" pitchFamily="34" charset="0"/>
+              </a:rPr>
+              <a:t>Let </a:t>
+            </a:r>
+            <a:r>
+              <a:rPr lang="en-US" sz="2000" i="1" dirty="0">
+                <a:effectLst/>
+                <a:latin typeface="Times New Roman" panose="02020603050405020304" pitchFamily="18" charset="0"/>
+                <a:ea typeface="Calibri" panose="020F0502020204030204" pitchFamily="34" charset="0"/>
+              </a:rPr>
+              <a:t>u</a:t>
+            </a:r>
+            <a:r>
+              <a:rPr lang="en-US" sz="2000" baseline="-25000" dirty="0">
+                <a:effectLst/>
+                <a:latin typeface="Times New Roman" panose="02020603050405020304" pitchFamily="18" charset="0"/>
+                <a:ea typeface="Calibri" panose="020F0502020204030204" pitchFamily="34" charset="0"/>
+              </a:rPr>
+              <a:t>1</a:t>
+            </a:r>
+            <a:r>
+              <a:rPr lang="en-US" sz="2000" dirty="0">
+                <a:effectLst/>
+                <a:latin typeface="Times New Roman" panose="02020603050405020304" pitchFamily="18" charset="0"/>
+                <a:ea typeface="Calibri" panose="020F0502020204030204" pitchFamily="34" charset="0"/>
+              </a:rPr>
+              <a:t> = OA and </a:t>
+            </a:r>
+            <a:r>
+              <a:rPr lang="en-US" sz="2000" i="1" dirty="0">
+                <a:effectLst/>
+                <a:latin typeface="Times New Roman" panose="02020603050405020304" pitchFamily="18" charset="0"/>
+                <a:ea typeface="Calibri" panose="020F0502020204030204" pitchFamily="34" charset="0"/>
+              </a:rPr>
+              <a:t>u</a:t>
+            </a:r>
+            <a:r>
+              <a:rPr lang="en-US" sz="2000" baseline="-25000" dirty="0">
+                <a:effectLst/>
+                <a:latin typeface="Times New Roman" panose="02020603050405020304" pitchFamily="18" charset="0"/>
+                <a:ea typeface="Calibri" panose="020F0502020204030204" pitchFamily="34" charset="0"/>
+              </a:rPr>
+              <a:t>2</a:t>
+            </a:r>
+            <a:r>
+              <a:rPr lang="en-US" sz="2000" dirty="0">
+                <a:effectLst/>
+                <a:latin typeface="Times New Roman" panose="02020603050405020304" pitchFamily="18" charset="0"/>
+                <a:ea typeface="Calibri" panose="020F0502020204030204" pitchFamily="34" charset="0"/>
+              </a:rPr>
+              <a:t> = OB be two rating vectors and let </a:t>
+            </a:r>
+            <a:r>
+              <a:rPr lang="en-US" sz="2000" i="1" dirty="0">
+                <a:effectLst/>
+                <a:latin typeface="Times New Roman" panose="02020603050405020304" pitchFamily="18" charset="0"/>
+                <a:ea typeface="Calibri" panose="020F0502020204030204" pitchFamily="34" charset="0"/>
+              </a:rPr>
+              <a:t>α</a:t>
+            </a:r>
+            <a:r>
+              <a:rPr lang="en-US" sz="2000" dirty="0">
+                <a:effectLst/>
+                <a:latin typeface="Times New Roman" panose="02020603050405020304" pitchFamily="18" charset="0"/>
+                <a:ea typeface="Calibri" panose="020F0502020204030204" pitchFamily="34" charset="0"/>
+              </a:rPr>
+              <a:t> be the angle formed by </a:t>
+            </a:r>
+            <a:r>
+              <a:rPr lang="en-US" sz="2000" i="1" dirty="0">
+                <a:effectLst/>
+                <a:latin typeface="Times New Roman" panose="02020603050405020304" pitchFamily="18" charset="0"/>
+                <a:ea typeface="Calibri" panose="020F0502020204030204" pitchFamily="34" charset="0"/>
+              </a:rPr>
+              <a:t>u</a:t>
+            </a:r>
+            <a:r>
+              <a:rPr lang="en-US" sz="2000" baseline="-25000" dirty="0">
+                <a:effectLst/>
+                <a:latin typeface="Times New Roman" panose="02020603050405020304" pitchFamily="18" charset="0"/>
+                <a:ea typeface="Calibri" panose="020F0502020204030204" pitchFamily="34" charset="0"/>
+              </a:rPr>
+              <a:t>1</a:t>
+            </a:r>
+            <a:r>
+              <a:rPr lang="en-US" sz="2000" dirty="0">
+                <a:effectLst/>
+                <a:latin typeface="Times New Roman" panose="02020603050405020304" pitchFamily="18" charset="0"/>
+                <a:ea typeface="Calibri" panose="020F0502020204030204" pitchFamily="34" charset="0"/>
+              </a:rPr>
+              <a:t> and </a:t>
+            </a:r>
+            <a:r>
+              <a:rPr lang="en-US" sz="2000" i="1" dirty="0">
+                <a:effectLst/>
+                <a:latin typeface="Times New Roman" panose="02020603050405020304" pitchFamily="18" charset="0"/>
+                <a:ea typeface="Calibri" panose="020F0502020204030204" pitchFamily="34" charset="0"/>
+              </a:rPr>
+              <a:t>u</a:t>
+            </a:r>
+            <a:r>
+              <a:rPr lang="en-US" sz="2000" baseline="-25000" dirty="0">
+                <a:effectLst/>
+                <a:latin typeface="Times New Roman" panose="02020603050405020304" pitchFamily="18" charset="0"/>
+                <a:ea typeface="Calibri" panose="020F0502020204030204" pitchFamily="34" charset="0"/>
+              </a:rPr>
+              <a:t>2</a:t>
+            </a:r>
+            <a:r>
+              <a:rPr lang="en-US" sz="2000" dirty="0">
+                <a:effectLst/>
+                <a:latin typeface="Times New Roman" panose="02020603050405020304" pitchFamily="18" charset="0"/>
+                <a:ea typeface="Calibri" panose="020F0502020204030204" pitchFamily="34" charset="0"/>
+              </a:rPr>
+              <a:t>. Such two vectors form the triangle OAB.</a:t>
+            </a:r>
+            <a:endParaRPr lang="en-US" sz="2000" dirty="0"/>
+          </a:p>
+          <a:p>
+            <a:r>
+              <a:rPr lang="en-US" sz="2000" dirty="0">
+                <a:effectLst/>
+                <a:latin typeface="Times New Roman" panose="02020603050405020304" pitchFamily="18" charset="0"/>
+                <a:ea typeface="Calibri" panose="020F0502020204030204" pitchFamily="34" charset="0"/>
+              </a:rPr>
+              <a:t>Cosine measure has a drawback that there may be two points like A and B which are far from each other according to Euclidean distance, but their cosine is high.</a:t>
+            </a:r>
+            <a:endParaRPr lang="en-US" sz="2000" dirty="0"/>
+          </a:p>
+          <a:p>
+            <a:r>
+              <a:rPr lang="en-US" sz="2000" dirty="0"/>
+              <a:t>For example, given three vectors </a:t>
+            </a:r>
+            <a:r>
+              <a:rPr lang="en-US" sz="2000" i="1" dirty="0">
+                <a:effectLst/>
+                <a:latin typeface="Times New Roman" panose="02020603050405020304" pitchFamily="18" charset="0"/>
+                <a:ea typeface="Calibri" panose="020F0502020204030204" pitchFamily="34" charset="0"/>
+              </a:rPr>
+              <a:t>u</a:t>
+            </a:r>
+            <a:r>
+              <a:rPr lang="en-US" sz="2000" baseline="-25000" dirty="0">
+                <a:effectLst/>
+                <a:latin typeface="Times New Roman" panose="02020603050405020304" pitchFamily="18" charset="0"/>
+                <a:ea typeface="Calibri" panose="020F0502020204030204" pitchFamily="34" charset="0"/>
+              </a:rPr>
+              <a:t>1</a:t>
+            </a:r>
+            <a:r>
+              <a:rPr lang="en-US" sz="2000" dirty="0">
+                <a:effectLst/>
+                <a:latin typeface="Times New Roman" panose="02020603050405020304" pitchFamily="18" charset="0"/>
+                <a:ea typeface="Calibri" panose="020F0502020204030204" pitchFamily="34" charset="0"/>
+              </a:rPr>
+              <a:t> = (1, 1), </a:t>
+            </a:r>
+            <a:r>
+              <a:rPr lang="en-US" sz="2000" i="1" dirty="0">
+                <a:effectLst/>
+                <a:latin typeface="Times New Roman" panose="02020603050405020304" pitchFamily="18" charset="0"/>
+                <a:ea typeface="Calibri" panose="020F0502020204030204" pitchFamily="34" charset="0"/>
+              </a:rPr>
+              <a:t>u</a:t>
+            </a:r>
+            <a:r>
+              <a:rPr lang="en-US" sz="2000" baseline="-25000" dirty="0">
+                <a:effectLst/>
+                <a:latin typeface="Times New Roman" panose="02020603050405020304" pitchFamily="18" charset="0"/>
+                <a:ea typeface="Calibri" panose="020F0502020204030204" pitchFamily="34" charset="0"/>
+              </a:rPr>
+              <a:t>2</a:t>
+            </a:r>
+            <a:r>
+              <a:rPr lang="en-US" sz="2000" dirty="0">
+                <a:effectLst/>
+                <a:latin typeface="Times New Roman" panose="02020603050405020304" pitchFamily="18" charset="0"/>
+                <a:ea typeface="Calibri" panose="020F0502020204030204" pitchFamily="34" charset="0"/>
+              </a:rPr>
+              <a:t> = (9, 9), and </a:t>
+            </a:r>
+            <a:r>
+              <a:rPr lang="en-US" sz="2000" i="1" dirty="0">
+                <a:effectLst/>
+                <a:latin typeface="Times New Roman" panose="02020603050405020304" pitchFamily="18" charset="0"/>
+                <a:ea typeface="Calibri" panose="020F0502020204030204" pitchFamily="34" charset="0"/>
+              </a:rPr>
+              <a:t>u</a:t>
+            </a:r>
+            <a:r>
+              <a:rPr lang="en-US" sz="2000" baseline="-25000" dirty="0">
+                <a:ea typeface="Calibri" panose="020F0502020204030204" pitchFamily="34" charset="0"/>
+              </a:rPr>
+              <a:t>3</a:t>
+            </a:r>
+            <a:r>
+              <a:rPr lang="en-US" sz="2000" dirty="0">
+                <a:effectLst/>
+                <a:latin typeface="Times New Roman" panose="02020603050405020304" pitchFamily="18" charset="0"/>
+                <a:ea typeface="Calibri" panose="020F0502020204030204" pitchFamily="34" charset="0"/>
+              </a:rPr>
+              <a:t> = (10, 10), although their cosine is 1, Euclidean distance still affects negatively because obviously </a:t>
+            </a:r>
+            <a:r>
+              <a:rPr lang="en-US" sz="2000" i="1" dirty="0">
+                <a:effectLst/>
+                <a:latin typeface="Times New Roman" panose="02020603050405020304" pitchFamily="18" charset="0"/>
+                <a:ea typeface="Calibri" panose="020F0502020204030204" pitchFamily="34" charset="0"/>
+              </a:rPr>
+              <a:t>u</a:t>
+            </a:r>
+            <a:r>
+              <a:rPr lang="en-US" sz="2000" baseline="-25000" dirty="0">
+                <a:effectLst/>
+                <a:latin typeface="Times New Roman" panose="02020603050405020304" pitchFamily="18" charset="0"/>
+                <a:ea typeface="Calibri" panose="020F0502020204030204" pitchFamily="34" charset="0"/>
+              </a:rPr>
+              <a:t>2</a:t>
+            </a:r>
+            <a:r>
+              <a:rPr lang="en-US" sz="2000" dirty="0">
+                <a:effectLst/>
+                <a:latin typeface="Times New Roman" panose="02020603050405020304" pitchFamily="18" charset="0"/>
+                <a:ea typeface="Calibri" panose="020F0502020204030204" pitchFamily="34" charset="0"/>
+              </a:rPr>
+              <a:t> = (9, 9) is nearer to </a:t>
+            </a:r>
+            <a:r>
+              <a:rPr lang="en-US" sz="2000" i="1" dirty="0">
+                <a:effectLst/>
+                <a:latin typeface="Times New Roman" panose="02020603050405020304" pitchFamily="18" charset="0"/>
+                <a:ea typeface="Calibri" panose="020F0502020204030204" pitchFamily="34" charset="0"/>
+              </a:rPr>
+              <a:t>u</a:t>
+            </a:r>
+            <a:r>
+              <a:rPr lang="en-US" sz="2000" baseline="-25000" dirty="0">
+                <a:effectLst/>
+                <a:latin typeface="Times New Roman" panose="02020603050405020304" pitchFamily="18" charset="0"/>
+                <a:ea typeface="Calibri" panose="020F0502020204030204" pitchFamily="34" charset="0"/>
+              </a:rPr>
+              <a:t>3</a:t>
+            </a:r>
+            <a:r>
+              <a:rPr lang="en-US" sz="2000" dirty="0">
+                <a:effectLst/>
+                <a:latin typeface="Times New Roman" panose="02020603050405020304" pitchFamily="18" charset="0"/>
+                <a:ea typeface="Calibri" panose="020F0502020204030204" pitchFamily="34" charset="0"/>
+              </a:rPr>
+              <a:t> = (10, 10) than the </a:t>
+            </a:r>
+            <a:r>
+              <a:rPr lang="en-US" sz="2000" i="1" dirty="0">
+                <a:effectLst/>
+                <a:latin typeface="Times New Roman" panose="02020603050405020304" pitchFamily="18" charset="0"/>
+                <a:ea typeface="Calibri" panose="020F0502020204030204" pitchFamily="34" charset="0"/>
+              </a:rPr>
+              <a:t>u</a:t>
+            </a:r>
+            <a:r>
+              <a:rPr lang="en-US" sz="2000" baseline="-25000" dirty="0">
+                <a:effectLst/>
+                <a:latin typeface="Times New Roman" panose="02020603050405020304" pitchFamily="18" charset="0"/>
+                <a:ea typeface="Calibri" panose="020F0502020204030204" pitchFamily="34" charset="0"/>
+              </a:rPr>
+              <a:t>1</a:t>
+            </a:r>
+            <a:r>
+              <a:rPr lang="en-US" sz="2000" dirty="0">
+                <a:effectLst/>
+                <a:latin typeface="Times New Roman" panose="02020603050405020304" pitchFamily="18" charset="0"/>
+                <a:ea typeface="Calibri" panose="020F0502020204030204" pitchFamily="34" charset="0"/>
+              </a:rPr>
+              <a:t> = (1, 1)</a:t>
+            </a:r>
+            <a:r>
+              <a:rPr lang="en-US" sz="2000" dirty="0"/>
+              <a:t>.</a:t>
+            </a:r>
+          </a:p>
+          <a:p>
+            <a:r>
+              <a:rPr lang="en-US" sz="2000" dirty="0">
+                <a:effectLst/>
+                <a:latin typeface="Times New Roman" panose="02020603050405020304" pitchFamily="18" charset="0"/>
+                <a:ea typeface="Calibri" panose="020F0502020204030204" pitchFamily="34" charset="0"/>
+              </a:rPr>
+              <a:t>The so-called </a:t>
+            </a:r>
+            <a:r>
+              <a:rPr lang="en-US" sz="2000" i="1" dirty="0">
+                <a:effectLst/>
+                <a:latin typeface="Times New Roman" panose="02020603050405020304" pitchFamily="18" charset="0"/>
+                <a:ea typeface="Calibri" panose="020F0502020204030204" pitchFamily="34" charset="0"/>
+              </a:rPr>
+              <a:t>triangle area (TA) measure</a:t>
+            </a:r>
+            <a:r>
+              <a:rPr lang="en-US" sz="2000" dirty="0">
+                <a:effectLst/>
+                <a:latin typeface="Times New Roman" panose="02020603050405020304" pitchFamily="18" charset="0"/>
+                <a:ea typeface="Calibri" panose="020F0502020204030204" pitchFamily="34" charset="0"/>
+              </a:rPr>
+              <a:t> is proposed to alleviate the negative effect of Euclidean distance</a:t>
+            </a:r>
+          </a:p>
+          <a:p>
+            <a:pPr marL="0" indent="0">
+              <a:buNone/>
+            </a:pPr>
+            <a:endParaRPr lang="en-US" sz="2000" dirty="0"/>
+          </a:p>
+        </p:txBody>
+      </p:sp>
+      <p:sp>
+        <p:nvSpPr>
+          <p:cNvPr id="4" name="Date Placeholder 3"/>
+          <p:cNvSpPr>
+            <a:spLocks noGrp="1"/>
+          </p:cNvSpPr>
+          <p:nvPr>
+            <p:ph type="dt" sz="half" idx="10"/>
           </p:nvPr>
         </p:nvSpPr>
         <p:spPr/>
@@ -4973,33 +5594,20 @@
           <a:lstStyle/>
           <a:p>
             <a:r>
-              <a:rPr lang="en-US" dirty="0" smtClean="0"/>
-              <a:t>Method 1.</a:t>
-            </a:r>
-          </a:p>
-          <a:p>
-            <a:r>
-              <a:rPr lang="en-US" dirty="0" smtClean="0"/>
-              <a:t>Method 2.</a:t>
-            </a:r>
-          </a:p>
-          <a:p>
-            <a:r>
-              <a:rPr lang="en-US" dirty="0" smtClean="0"/>
-              <a:t>Method 3.</a:t>
-            </a:r>
-            <a:endParaRPr lang="en-US" dirty="0"/>
-          </a:p>
-        </p:txBody>
-      </p:sp>
-      <p:sp>
-        <p:nvSpPr>
-          <p:cNvPr id="4" name="Date Placeholder 3"/>
-          <p:cNvSpPr>
-            <a:spLocks noGrp="1"/>
-          </p:cNvSpPr>
-          <p:nvPr>
-            <p:ph type="dt" sz="half" idx="10"/>
+              <a:rPr lang="en-US"/>
+              <a:t>7/12/2020</a:t>
+            </a:r>
+          </a:p>
+        </p:txBody>
+      </p:sp>
+      <p:sp>
+        <p:nvSpPr>
+          <p:cNvPr id="5" name="Footer Placeholder 4"/>
+          <p:cNvSpPr>
+            <a:spLocks noGrp="1"/>
+          </p:cNvSpPr>
+          <p:nvPr>
+            <p:ph type="ftr" sz="quarter" idx="11"/>
           </p:nvPr>
         </p:nvSpPr>
         <p:spPr/>
@@ -5007,34 +5615,10 @@
           <a:bodyPr/>
           <a:lstStyle/>
           <a:p>
-            <a:fld id="{316AE70F-E9E3-4A03-BFAF-0612970F6B31}" type="datetime1">
-              <a:rPr lang="en-US" smtClean="0"/>
-              <a:t>11/2/2017</a:t>
-            </a:fld>
-            <a:endParaRPr lang="en-US"/>
-          </a:p>
-        </p:txBody>
-      </p:sp>
-      <p:sp>
-        <p:nvSpPr>
-          <p:cNvPr id="5" name="Footer Placeholder 4"/>
-          <p:cNvSpPr>
-            <a:spLocks noGrp="1"/>
-          </p:cNvSpPr>
-          <p:nvPr>
-            <p:ph type="ftr" sz="quarter" idx="11"/>
-          </p:nvPr>
-        </p:nvSpPr>
-        <p:spPr/>
-        <p:txBody>
-          <a:bodyPr/>
-          <a:lstStyle/>
-          <a:p>
-            <a:r>
-              <a:rPr lang="en-US" smtClean="0"/>
-              <a:t>Project Title</a:t>
-            </a:r>
-            <a:endParaRPr lang="en-US"/>
+            <a:r>
+              <a:rPr lang="en-US"/>
+              <a:t>TA measure - Loc Nguyen</a:t>
+            </a:r>
           </a:p>
         </p:txBody>
       </p:sp>
@@ -5062,6 +5646,42 @@
           </a:p>
         </p:txBody>
       </p:sp>
+      <p:pic>
+        <p:nvPicPr>
+          <p:cNvPr id="10" name="Picture 9" descr="A close up of a map&#10;&#10;Description automatically generated">
+            <a:extLst>
+              <a:ext uri="{FF2B5EF4-FFF2-40B4-BE49-F238E27FC236}">
+                <a16:creationId xmlns:a16="http://schemas.microsoft.com/office/drawing/2014/main" id="{EC144DB5-B6AC-47C7-845C-219E90447A57}"/>
+              </a:ext>
+            </a:extLst>
+          </p:cNvPr>
+          <p:cNvPicPr>
+            <a:picLocks noChangeAspect="1"/>
+          </p:cNvPicPr>
+          <p:nvPr/>
+        </p:nvPicPr>
+        <p:blipFill>
+          <a:blip r:embed="rId2">
+            <a:extLst>
+              <a:ext uri="{28A0092B-C50C-407E-A947-70E740481C1C}">
+                <a14:useLocalDpi xmlns:a14="http://schemas.microsoft.com/office/drawing/2010/main" val="0"/>
+              </a:ext>
+            </a:extLst>
+          </a:blip>
+          <a:stretch>
+            <a:fillRect/>
+          </a:stretch>
+        </p:blipFill>
+        <p:spPr>
+          <a:xfrm>
+            <a:off x="3581400" y="3429000"/>
+            <a:ext cx="5071428" cy="2885715"/>
+          </a:xfrm>
+          <a:prstGeom prst="rect">
+            <a:avLst/>
+          </a:prstGeom>
+        </p:spPr>
+      </p:pic>
     </p:spTree>
     <p:extLst>
       <p:ext uri="{BB962C8B-B14F-4D97-AF65-F5344CB8AC3E}">
@@ -5072,13 +5692,6 @@
   <p:clrMapOvr>
     <a:masterClrMapping/>
   </p:clrMapOvr>
-  <p:timing>
-    <p:tnLst>
-      <p:par>
-        <p:cTn id="1" dur="indefinite" restart="never" nodeType="tmRoot"/>
-      </p:par>
-    </p:tnLst>
-  </p:timing>
 </p:sld>
 </file>
 
@@ -5101,7 +5714,13 @@
       </p:grpSpPr>
       <p:sp>
         <p:nvSpPr>
-          <p:cNvPr id="2" name="Title 1"/>
+          <p:cNvPr id="2" name="Title 1">
+            <a:extLst>
+              <a:ext uri="{FF2B5EF4-FFF2-40B4-BE49-F238E27FC236}">
+                <a16:creationId xmlns:a16="http://schemas.microsoft.com/office/drawing/2014/main" id="{E9416894-CAC9-4A61-A17F-4EAD67016D30}"/>
+              </a:ext>
+            </a:extLst>
+          </p:cNvPr>
           <p:cNvSpPr>
             <a:spLocks noGrp="1"/>
           </p:cNvSpPr>
@@ -5115,21 +5734,1031 @@
           <a:lstStyle/>
           <a:p>
             <a:r>
-              <a:rPr lang="en-US" dirty="0" smtClean="0"/>
-              <a:t>3. Results and Discussions</a:t>
-            </a:r>
-            <a:endParaRPr lang="en-US" dirty="0"/>
-          </a:p>
-        </p:txBody>
-      </p:sp>
-      <p:sp>
-        <p:nvSpPr>
-          <p:cNvPr id="3" name="Content Placeholder 2"/>
-          <p:cNvSpPr>
-            <a:spLocks noGrp="1"/>
-          </p:cNvSpPr>
-          <p:nvPr>
-            <p:ph idx="1"/>
+              <a:rPr lang="en-US" dirty="0"/>
+              <a:t>2. Methodologies</a:t>
+            </a:r>
+          </a:p>
+        </p:txBody>
+      </p:sp>
+      <mc:AlternateContent xmlns:mc="http://schemas.openxmlformats.org/markup-compatibility/2006">
+        <mc:Choice xmlns:a14="http://schemas.microsoft.com/office/drawing/2010/main" Requires="a14">
+          <p:sp>
+            <p:nvSpPr>
+              <p:cNvPr id="3" name="Content Placeholder 2">
+                <a:extLst>
+                  <a:ext uri="{FF2B5EF4-FFF2-40B4-BE49-F238E27FC236}">
+                    <a16:creationId xmlns:a16="http://schemas.microsoft.com/office/drawing/2014/main" id="{97711388-112E-498A-AF5F-CCA6B44167DE}"/>
+                  </a:ext>
+                </a:extLst>
+              </p:cNvPr>
+              <p:cNvSpPr>
+                <a:spLocks noGrp="1"/>
+              </p:cNvSpPr>
+              <p:nvPr>
+                <p:ph idx="1"/>
+              </p:nvPr>
+            </p:nvSpPr>
+            <p:spPr>
+              <a:xfrm>
+                <a:off x="323557" y="914398"/>
+                <a:ext cx="11535508" cy="5441951"/>
+              </a:xfrm>
+            </p:spPr>
+            <p:txBody>
+              <a:bodyPr>
+                <a:normAutofit/>
+              </a:bodyPr>
+              <a:lstStyle/>
+              <a:p>
+                <a:r>
+                  <a:rPr lang="en-US" sz="2000" dirty="0">
+                    <a:effectLst/>
+                    <a:latin typeface="Times New Roman" panose="02020603050405020304" pitchFamily="18" charset="0"/>
+                    <a:ea typeface="Calibri" panose="020F0502020204030204" pitchFamily="34" charset="0"/>
+                  </a:rPr>
+                  <a:t>Given the first case 0 ≤ </a:t>
+                </a:r>
+                <a:r>
+                  <a:rPr lang="en-US" sz="2000" i="1" dirty="0">
+                    <a:effectLst/>
+                    <a:latin typeface="Times New Roman" panose="02020603050405020304" pitchFamily="18" charset="0"/>
+                    <a:ea typeface="Calibri" panose="020F0502020204030204" pitchFamily="34" charset="0"/>
+                  </a:rPr>
+                  <a:t>α</a:t>
+                </a:r>
+                <a:r>
+                  <a:rPr lang="en-US" sz="2000" dirty="0">
+                    <a:effectLst/>
+                    <a:latin typeface="Times New Roman" panose="02020603050405020304" pitchFamily="18" charset="0"/>
+                    <a:ea typeface="Calibri" panose="020F0502020204030204" pitchFamily="34" charset="0"/>
+                  </a:rPr>
+                  <a:t> ≤ </a:t>
+                </a:r>
+                <a:r>
+                  <a:rPr lang="en-US" sz="2000" i="1" dirty="0">
+                    <a:effectLst/>
+                    <a:latin typeface="Times New Roman" panose="02020603050405020304" pitchFamily="18" charset="0"/>
+                    <a:ea typeface="Calibri" panose="020F0502020204030204" pitchFamily="34" charset="0"/>
+                  </a:rPr>
+                  <a:t>π</a:t>
+                </a:r>
+                <a:r>
+                  <a:rPr lang="en-US" sz="2000" dirty="0">
+                    <a:effectLst/>
+                    <a:latin typeface="Times New Roman" panose="02020603050405020304" pitchFamily="18" charset="0"/>
+                    <a:ea typeface="Calibri" panose="020F0502020204030204" pitchFamily="34" charset="0"/>
+                  </a:rPr>
+                  <a:t>/2, let </a:t>
+                </a:r>
+                <a:r>
+                  <a:rPr lang="en-US" sz="2000" i="1" dirty="0">
+                    <a:effectLst/>
+                    <a:latin typeface="Times New Roman" panose="02020603050405020304" pitchFamily="18" charset="0"/>
+                    <a:ea typeface="Calibri" panose="020F0502020204030204" pitchFamily="34" charset="0"/>
+                  </a:rPr>
+                  <a:t>S</a:t>
+                </a:r>
+                <a:r>
+                  <a:rPr lang="en-US" sz="2000" dirty="0">
+                    <a:effectLst/>
+                    <a:latin typeface="Times New Roman" panose="02020603050405020304" pitchFamily="18" charset="0"/>
+                    <a:ea typeface="Calibri" panose="020F0502020204030204" pitchFamily="34" charset="0"/>
+                  </a:rPr>
+                  <a:t> be area of the whole triangle OAB, let </a:t>
+                </a:r>
+                <a:r>
+                  <a:rPr lang="en-US" sz="2000" i="1" dirty="0" err="1">
+                    <a:effectLst/>
+                    <a:latin typeface="Times New Roman" panose="02020603050405020304" pitchFamily="18" charset="0"/>
+                    <a:ea typeface="Calibri" panose="020F0502020204030204" pitchFamily="34" charset="0"/>
+                  </a:rPr>
+                  <a:t>s</a:t>
+                </a:r>
+                <a:r>
+                  <a:rPr lang="en-US" sz="2000" dirty="0">
+                    <a:effectLst/>
+                    <a:latin typeface="Times New Roman" panose="02020603050405020304" pitchFamily="18" charset="0"/>
+                    <a:ea typeface="Calibri" panose="020F0502020204030204" pitchFamily="34" charset="0"/>
+                  </a:rPr>
+                  <a:t> be area of the basic triangle OAH. Reinforced factor </a:t>
+                </a:r>
+                <a:r>
+                  <a:rPr lang="en-US" sz="2000" i="1" dirty="0">
+                    <a:effectLst/>
+                    <a:latin typeface="Times New Roman" panose="02020603050405020304" pitchFamily="18" charset="0"/>
+                    <a:ea typeface="Calibri" panose="020F0502020204030204" pitchFamily="34" charset="0"/>
+                  </a:rPr>
+                  <a:t>k</a:t>
+                </a:r>
+                <a:r>
+                  <a:rPr lang="en-US" sz="2000" dirty="0">
+                    <a:effectLst/>
+                    <a:latin typeface="Times New Roman" panose="02020603050405020304" pitchFamily="18" charset="0"/>
+                    <a:ea typeface="Calibri" panose="020F0502020204030204" pitchFamily="34" charset="0"/>
+                  </a:rPr>
+                  <a:t> is defined as areal ratio: </a:t>
+                </a:r>
+                <a:r>
+                  <a:rPr lang="en-US" sz="2000" i="1" dirty="0">
+                    <a:effectLst/>
+                    <a:latin typeface="Times New Roman" panose="02020603050405020304" pitchFamily="18" charset="0"/>
+                    <a:ea typeface="Calibri" panose="020F0502020204030204" pitchFamily="34" charset="0"/>
+                  </a:rPr>
+                  <a:t>k</a:t>
+                </a:r>
+                <a:r>
+                  <a:rPr lang="en-US" sz="2000" dirty="0">
+                    <a:effectLst/>
+                    <a:latin typeface="Times New Roman" panose="02020603050405020304" pitchFamily="18" charset="0"/>
+                    <a:ea typeface="Calibri" panose="020F0502020204030204" pitchFamily="34" charset="0"/>
+                  </a:rPr>
+                  <a:t> = </a:t>
+                </a:r>
+                <a:r>
+                  <a:rPr lang="en-US" sz="2000" i="1" dirty="0">
+                    <a:effectLst/>
+                    <a:latin typeface="Times New Roman" panose="02020603050405020304" pitchFamily="18" charset="0"/>
+                    <a:ea typeface="Calibri" panose="020F0502020204030204" pitchFamily="34" charset="0"/>
+                  </a:rPr>
+                  <a:t>s</a:t>
+                </a:r>
+                <a:r>
+                  <a:rPr lang="en-US" sz="2000" dirty="0">
+                    <a:effectLst/>
+                    <a:latin typeface="Times New Roman" panose="02020603050405020304" pitchFamily="18" charset="0"/>
+                    <a:ea typeface="Calibri" panose="020F0502020204030204" pitchFamily="34" charset="0"/>
+                  </a:rPr>
+                  <a:t>/</a:t>
+                </a:r>
+                <a:r>
+                  <a:rPr lang="en-US" sz="2000" i="1" dirty="0">
+                    <a:effectLst/>
+                    <a:latin typeface="Times New Roman" panose="02020603050405020304" pitchFamily="18" charset="0"/>
+                    <a:ea typeface="Calibri" panose="020F0502020204030204" pitchFamily="34" charset="0"/>
+                  </a:rPr>
+                  <a:t>S</a:t>
+                </a:r>
+                <a:r>
+                  <a:rPr lang="en-US" sz="2000" i="1" dirty="0">
+                    <a:ea typeface="Calibri" panose="020F0502020204030204" pitchFamily="34" charset="0"/>
+                  </a:rPr>
+                  <a:t>. </a:t>
+                </a:r>
+                <a:r>
+                  <a:rPr lang="en-US" sz="2000" dirty="0"/>
+                  <a:t>Its equation </a:t>
+                </a:r>
+                <a:r>
+                  <a:rPr lang="en-US" sz="2000" dirty="0">
+                    <a:effectLst/>
+                    <a:latin typeface="Times New Roman" panose="02020603050405020304" pitchFamily="18" charset="0"/>
+                    <a:ea typeface="Calibri" panose="020F0502020204030204" pitchFamily="34" charset="0"/>
+                  </a:rPr>
+                  <a:t>is:</a:t>
+                </a:r>
+              </a:p>
+              <a:p>
+                <a:pPr marL="0" indent="0">
+                  <a:buNone/>
+                </a:pPr>
+                <a14:m>
+                  <m:oMathPara xmlns:m="http://schemas.openxmlformats.org/officeDocument/2006/math">
+                    <m:oMathParaPr>
+                      <m:jc m:val="centerGroup"/>
+                    </m:oMathParaPr>
+                    <m:oMath xmlns:m="http://schemas.openxmlformats.org/officeDocument/2006/math">
+                      <m:r>
+                        <a:rPr lang="en-US" sz="2000" i="1" smtClean="0">
+                          <a:effectLst/>
+                          <a:latin typeface="Cambria Math" panose="02040503050406030204" pitchFamily="18" charset="0"/>
+                          <a:ea typeface="Calibri" panose="020F0502020204030204" pitchFamily="34" charset="0"/>
+                          <a:cs typeface="Times New Roman" panose="02020603050405020304" pitchFamily="18" charset="0"/>
+                        </a:rPr>
+                        <m:t>0≤</m:t>
+                      </m:r>
+                      <m:r>
+                        <a:rPr lang="en-US" sz="2000" i="1" smtClean="0">
+                          <a:effectLst/>
+                          <a:latin typeface="Cambria Math" panose="02040503050406030204" pitchFamily="18" charset="0"/>
+                          <a:ea typeface="Calibri" panose="020F0502020204030204" pitchFamily="34" charset="0"/>
+                          <a:cs typeface="Times New Roman" panose="02020603050405020304" pitchFamily="18" charset="0"/>
+                        </a:rPr>
+                        <m:t>𝛼</m:t>
+                      </m:r>
+                      <m:r>
+                        <a:rPr lang="en-US" sz="2000" i="1" smtClean="0">
+                          <a:effectLst/>
+                          <a:latin typeface="Cambria Math" panose="02040503050406030204" pitchFamily="18" charset="0"/>
+                          <a:ea typeface="Calibri" panose="020F0502020204030204" pitchFamily="34" charset="0"/>
+                          <a:cs typeface="Times New Roman" panose="02020603050405020304" pitchFamily="18" charset="0"/>
+                        </a:rPr>
+                        <m:t>≤</m:t>
+                      </m:r>
+                      <m:f>
+                        <m:fPr>
+                          <m:ctrlPr>
+                            <a:rPr lang="en-US" sz="2000" i="1">
+                              <a:effectLst/>
+                              <a:latin typeface="Cambria Math" panose="02040503050406030204" pitchFamily="18" charset="0"/>
+                            </a:rPr>
+                          </m:ctrlPr>
+                        </m:fPr>
+                        <m:num>
+                          <m:r>
+                            <a:rPr lang="en-US" sz="2000" i="1">
+                              <a:effectLst/>
+                              <a:latin typeface="Cambria Math" panose="02040503050406030204" pitchFamily="18" charset="0"/>
+                              <a:ea typeface="Calibri" panose="020F0502020204030204" pitchFamily="34" charset="0"/>
+                              <a:cs typeface="Times New Roman" panose="02020603050405020304" pitchFamily="18" charset="0"/>
+                            </a:rPr>
+                            <m:t>𝜋</m:t>
+                          </m:r>
+                        </m:num>
+                        <m:den>
+                          <m:r>
+                            <a:rPr lang="en-US" sz="2000" i="1">
+                              <a:effectLst/>
+                              <a:latin typeface="Cambria Math" panose="02040503050406030204" pitchFamily="18" charset="0"/>
+                              <a:ea typeface="Calibri" panose="020F0502020204030204" pitchFamily="34" charset="0"/>
+                              <a:cs typeface="Times New Roman" panose="02020603050405020304" pitchFamily="18" charset="0"/>
+                            </a:rPr>
+                            <m:t>2</m:t>
+                          </m:r>
+                        </m:den>
+                      </m:f>
+                      <m:r>
+                        <a:rPr lang="en-US" sz="2000" i="1">
+                          <a:effectLst/>
+                          <a:latin typeface="Cambria Math" panose="02040503050406030204" pitchFamily="18" charset="0"/>
+                          <a:ea typeface="Calibri" panose="020F0502020204030204" pitchFamily="34" charset="0"/>
+                          <a:cs typeface="Times New Roman" panose="02020603050405020304" pitchFamily="18" charset="0"/>
+                        </a:rPr>
+                        <m:t>:</m:t>
+                      </m:r>
+                      <m:r>
+                        <a:rPr lang="en-US" sz="2000" i="1">
+                          <a:effectLst/>
+                          <a:latin typeface="Cambria Math" panose="02040503050406030204" pitchFamily="18" charset="0"/>
+                          <a:ea typeface="Calibri" panose="020F0502020204030204" pitchFamily="34" charset="0"/>
+                          <a:cs typeface="Times New Roman" panose="02020603050405020304" pitchFamily="18" charset="0"/>
+                        </a:rPr>
+                        <m:t>𝑘</m:t>
+                      </m:r>
+                      <m:r>
+                        <a:rPr lang="en-US" sz="2000" i="1">
+                          <a:effectLst/>
+                          <a:latin typeface="Cambria Math" panose="02040503050406030204" pitchFamily="18" charset="0"/>
+                          <a:ea typeface="Calibri" panose="020F0502020204030204" pitchFamily="34" charset="0"/>
+                          <a:cs typeface="Times New Roman" panose="02020603050405020304" pitchFamily="18" charset="0"/>
+                        </a:rPr>
+                        <m:t>=</m:t>
+                      </m:r>
+                      <m:d>
+                        <m:dPr>
+                          <m:begChr m:val="{"/>
+                          <m:endChr m:val=""/>
+                          <m:ctrlPr>
+                            <a:rPr lang="en-US" sz="2000" i="1">
+                              <a:effectLst/>
+                              <a:latin typeface="Cambria Math" panose="02040503050406030204" pitchFamily="18" charset="0"/>
+                            </a:rPr>
+                          </m:ctrlPr>
+                        </m:dPr>
+                        <m:e>
+                          <m:m>
+                            <m:mPr>
+                              <m:mcs>
+                                <m:mc>
+                                  <m:mcPr>
+                                    <m:count m:val="1"/>
+                                    <m:mcJc m:val="center"/>
+                                  </m:mcPr>
+                                </m:mc>
+                              </m:mcs>
+                              <m:ctrlPr>
+                                <a:rPr lang="en-US" sz="2000" i="1">
+                                  <a:effectLst/>
+                                  <a:latin typeface="Cambria Math" panose="02040503050406030204" pitchFamily="18" charset="0"/>
+                                </a:rPr>
+                              </m:ctrlPr>
+                            </m:mPr>
+                            <m:mr>
+                              <m:e>
+                                <m:f>
+                                  <m:fPr>
+                                    <m:ctrlPr>
+                                      <a:rPr lang="en-US" sz="2000" i="1">
+                                        <a:effectLst/>
+                                        <a:latin typeface="Cambria Math" panose="02040503050406030204" pitchFamily="18" charset="0"/>
+                                      </a:rPr>
+                                    </m:ctrlPr>
+                                  </m:fPr>
+                                  <m:num>
+                                    <m:d>
+                                      <m:dPr>
+                                        <m:begChr m:val="|"/>
+                                        <m:endChr m:val="|"/>
+                                        <m:ctrlPr>
+                                          <a:rPr lang="en-US" sz="2000" i="1">
+                                            <a:effectLst/>
+                                            <a:latin typeface="Cambria Math" panose="02040503050406030204" pitchFamily="18" charset="0"/>
+                                          </a:rPr>
+                                        </m:ctrlPr>
+                                      </m:dPr>
+                                      <m:e>
+                                        <m:sSub>
+                                          <m:sSubPr>
+                                            <m:ctrlPr>
+                                              <a:rPr lang="en-US" sz="2000" i="1">
+                                                <a:effectLst/>
+                                                <a:latin typeface="Cambria Math" panose="02040503050406030204" pitchFamily="18" charset="0"/>
+                                              </a:rPr>
+                                            </m:ctrlPr>
+                                          </m:sSubPr>
+                                          <m:e>
+                                            <m:r>
+                                              <a:rPr lang="en-US" sz="2000" i="1">
+                                                <a:effectLst/>
+                                                <a:latin typeface="Cambria Math" panose="02040503050406030204" pitchFamily="18" charset="0"/>
+                                                <a:ea typeface="Calibri" panose="020F0502020204030204" pitchFamily="34" charset="0"/>
+                                                <a:cs typeface="Times New Roman" panose="02020603050405020304" pitchFamily="18" charset="0"/>
+                                              </a:rPr>
+                                              <m:t>𝑢</m:t>
+                                            </m:r>
+                                          </m:e>
+                                          <m:sub>
+                                            <m:r>
+                                              <a:rPr lang="en-US" sz="2000" i="1">
+                                                <a:effectLst/>
+                                                <a:latin typeface="Cambria Math" panose="02040503050406030204" pitchFamily="18" charset="0"/>
+                                                <a:ea typeface="Calibri" panose="020F0502020204030204" pitchFamily="34" charset="0"/>
+                                                <a:cs typeface="Times New Roman" panose="02020603050405020304" pitchFamily="18" charset="0"/>
+                                              </a:rPr>
+                                              <m:t>1</m:t>
+                                            </m:r>
+                                          </m:sub>
+                                        </m:sSub>
+                                      </m:e>
+                                    </m:d>
+                                    <m:func>
+                                      <m:funcPr>
+                                        <m:ctrlPr>
+                                          <a:rPr lang="en-US" sz="2000" i="1">
+                                            <a:effectLst/>
+                                            <a:latin typeface="Cambria Math" panose="02040503050406030204" pitchFamily="18" charset="0"/>
+                                          </a:rPr>
+                                        </m:ctrlPr>
+                                      </m:funcPr>
+                                      <m:fName>
+                                        <m:r>
+                                          <m:rPr>
+                                            <m:sty m:val="p"/>
+                                          </m:rPr>
+                                          <a:rPr lang="en-US" sz="2000">
+                                            <a:effectLst/>
+                                            <a:latin typeface="Cambria Math" panose="02040503050406030204" pitchFamily="18" charset="0"/>
+                                            <a:ea typeface="Calibri" panose="020F0502020204030204" pitchFamily="34" charset="0"/>
+                                            <a:cs typeface="Times New Roman" panose="02020603050405020304" pitchFamily="18" charset="0"/>
+                                          </a:rPr>
+                                          <m:t>cos</m:t>
+                                        </m:r>
+                                      </m:fName>
+                                      <m:e>
+                                        <m:d>
+                                          <m:dPr>
+                                            <m:ctrlPr>
+                                              <a:rPr lang="en-US" sz="2000" i="1">
+                                                <a:effectLst/>
+                                                <a:latin typeface="Cambria Math" panose="02040503050406030204" pitchFamily="18" charset="0"/>
+                                              </a:rPr>
+                                            </m:ctrlPr>
+                                          </m:dPr>
+                                          <m:e>
+                                            <m:r>
+                                              <a:rPr lang="en-US" sz="2000" i="1">
+                                                <a:effectLst/>
+                                                <a:latin typeface="Cambria Math" panose="02040503050406030204" pitchFamily="18" charset="0"/>
+                                                <a:ea typeface="Calibri" panose="020F0502020204030204" pitchFamily="34" charset="0"/>
+                                                <a:cs typeface="Times New Roman" panose="02020603050405020304" pitchFamily="18" charset="0"/>
+                                              </a:rPr>
+                                              <m:t>𝛼</m:t>
+                                            </m:r>
+                                          </m:e>
+                                        </m:d>
+                                      </m:e>
+                                    </m:func>
+                                  </m:num>
+                                  <m:den>
+                                    <m:d>
+                                      <m:dPr>
+                                        <m:begChr m:val="|"/>
+                                        <m:endChr m:val="|"/>
+                                        <m:ctrlPr>
+                                          <a:rPr lang="en-US" sz="2000" i="1">
+                                            <a:effectLst/>
+                                            <a:latin typeface="Cambria Math" panose="02040503050406030204" pitchFamily="18" charset="0"/>
+                                          </a:rPr>
+                                        </m:ctrlPr>
+                                      </m:dPr>
+                                      <m:e>
+                                        <m:sSub>
+                                          <m:sSubPr>
+                                            <m:ctrlPr>
+                                              <a:rPr lang="en-US" sz="2000" i="1">
+                                                <a:effectLst/>
+                                                <a:latin typeface="Cambria Math" panose="02040503050406030204" pitchFamily="18" charset="0"/>
+                                              </a:rPr>
+                                            </m:ctrlPr>
+                                          </m:sSubPr>
+                                          <m:e>
+                                            <m:r>
+                                              <a:rPr lang="en-US" sz="2000" i="1">
+                                                <a:effectLst/>
+                                                <a:latin typeface="Cambria Math" panose="02040503050406030204" pitchFamily="18" charset="0"/>
+                                                <a:ea typeface="Calibri" panose="020F0502020204030204" pitchFamily="34" charset="0"/>
+                                                <a:cs typeface="Times New Roman" panose="02020603050405020304" pitchFamily="18" charset="0"/>
+                                              </a:rPr>
+                                              <m:t>𝑢</m:t>
+                                            </m:r>
+                                          </m:e>
+                                          <m:sub>
+                                            <m:r>
+                                              <a:rPr lang="en-US" sz="2000" i="1">
+                                                <a:effectLst/>
+                                                <a:latin typeface="Cambria Math" panose="02040503050406030204" pitchFamily="18" charset="0"/>
+                                                <a:ea typeface="Calibri" panose="020F0502020204030204" pitchFamily="34" charset="0"/>
+                                                <a:cs typeface="Times New Roman" panose="02020603050405020304" pitchFamily="18" charset="0"/>
+                                              </a:rPr>
+                                              <m:t>2</m:t>
+                                            </m:r>
+                                          </m:sub>
+                                        </m:sSub>
+                                      </m:e>
+                                    </m:d>
+                                  </m:den>
+                                </m:f>
+                                <m:r>
+                                  <m:rPr>
+                                    <m:sty m:val="p"/>
+                                  </m:rPr>
+                                  <a:rPr lang="en-US" sz="2000">
+                                    <a:effectLst/>
+                                    <a:latin typeface="Cambria Math" panose="02040503050406030204" pitchFamily="18" charset="0"/>
+                                    <a:ea typeface="Calibri" panose="020F0502020204030204" pitchFamily="34" charset="0"/>
+                                    <a:cs typeface="Times New Roman" panose="02020603050405020304" pitchFamily="18" charset="0"/>
+                                  </a:rPr>
+                                  <m:t>if</m:t>
+                                </m:r>
+                                <m:r>
+                                  <a:rPr lang="en-US" sz="2000" i="1">
+                                    <a:effectLst/>
+                                    <a:latin typeface="Cambria Math" panose="02040503050406030204" pitchFamily="18" charset="0"/>
+                                    <a:ea typeface="Calibri" panose="020F0502020204030204" pitchFamily="34" charset="0"/>
+                                    <a:cs typeface="Times New Roman" panose="02020603050405020304" pitchFamily="18" charset="0"/>
+                                  </a:rPr>
+                                  <m:t> </m:t>
+                                </m:r>
+                                <m:d>
+                                  <m:dPr>
+                                    <m:begChr m:val="|"/>
+                                    <m:endChr m:val="|"/>
+                                    <m:ctrlPr>
+                                      <a:rPr lang="en-US" sz="2000" i="1">
+                                        <a:effectLst/>
+                                        <a:latin typeface="Cambria Math" panose="02040503050406030204" pitchFamily="18" charset="0"/>
+                                      </a:rPr>
+                                    </m:ctrlPr>
+                                  </m:dPr>
+                                  <m:e>
+                                    <m:sSub>
+                                      <m:sSubPr>
+                                        <m:ctrlPr>
+                                          <a:rPr lang="en-US" sz="2000" i="1">
+                                            <a:effectLst/>
+                                            <a:latin typeface="Cambria Math" panose="02040503050406030204" pitchFamily="18" charset="0"/>
+                                          </a:rPr>
+                                        </m:ctrlPr>
+                                      </m:sSubPr>
+                                      <m:e>
+                                        <m:r>
+                                          <a:rPr lang="en-US" sz="2000" i="1">
+                                            <a:effectLst/>
+                                            <a:latin typeface="Cambria Math" panose="02040503050406030204" pitchFamily="18" charset="0"/>
+                                            <a:ea typeface="Calibri" panose="020F0502020204030204" pitchFamily="34" charset="0"/>
+                                            <a:cs typeface="Times New Roman" panose="02020603050405020304" pitchFamily="18" charset="0"/>
+                                          </a:rPr>
+                                          <m:t>𝑢</m:t>
+                                        </m:r>
+                                      </m:e>
+                                      <m:sub>
+                                        <m:r>
+                                          <a:rPr lang="en-US" sz="2000" i="1">
+                                            <a:effectLst/>
+                                            <a:latin typeface="Cambria Math" panose="02040503050406030204" pitchFamily="18" charset="0"/>
+                                            <a:ea typeface="Calibri" panose="020F0502020204030204" pitchFamily="34" charset="0"/>
+                                            <a:cs typeface="Times New Roman" panose="02020603050405020304" pitchFamily="18" charset="0"/>
+                                          </a:rPr>
+                                          <m:t>1</m:t>
+                                        </m:r>
+                                      </m:sub>
+                                    </m:sSub>
+                                  </m:e>
+                                </m:d>
+                                <m:r>
+                                  <a:rPr lang="en-US" sz="2000" i="1">
+                                    <a:effectLst/>
+                                    <a:latin typeface="Cambria Math" panose="02040503050406030204" pitchFamily="18" charset="0"/>
+                                    <a:ea typeface="Calibri" panose="020F0502020204030204" pitchFamily="34" charset="0"/>
+                                    <a:cs typeface="Times New Roman" panose="02020603050405020304" pitchFamily="18" charset="0"/>
+                                  </a:rPr>
+                                  <m:t>≤</m:t>
+                                </m:r>
+                                <m:d>
+                                  <m:dPr>
+                                    <m:begChr m:val="|"/>
+                                    <m:endChr m:val="|"/>
+                                    <m:ctrlPr>
+                                      <a:rPr lang="en-US" sz="2000" i="1">
+                                        <a:effectLst/>
+                                        <a:latin typeface="Cambria Math" panose="02040503050406030204" pitchFamily="18" charset="0"/>
+                                      </a:rPr>
+                                    </m:ctrlPr>
+                                  </m:dPr>
+                                  <m:e>
+                                    <m:sSub>
+                                      <m:sSubPr>
+                                        <m:ctrlPr>
+                                          <a:rPr lang="en-US" sz="2000" i="1">
+                                            <a:effectLst/>
+                                            <a:latin typeface="Cambria Math" panose="02040503050406030204" pitchFamily="18" charset="0"/>
+                                          </a:rPr>
+                                        </m:ctrlPr>
+                                      </m:sSubPr>
+                                      <m:e>
+                                        <m:r>
+                                          <a:rPr lang="en-US" sz="2000" i="1">
+                                            <a:effectLst/>
+                                            <a:latin typeface="Cambria Math" panose="02040503050406030204" pitchFamily="18" charset="0"/>
+                                            <a:ea typeface="Calibri" panose="020F0502020204030204" pitchFamily="34" charset="0"/>
+                                            <a:cs typeface="Times New Roman" panose="02020603050405020304" pitchFamily="18" charset="0"/>
+                                          </a:rPr>
+                                          <m:t>𝑢</m:t>
+                                        </m:r>
+                                      </m:e>
+                                      <m:sub>
+                                        <m:r>
+                                          <a:rPr lang="en-US" sz="2000" i="1">
+                                            <a:effectLst/>
+                                            <a:latin typeface="Cambria Math" panose="02040503050406030204" pitchFamily="18" charset="0"/>
+                                            <a:ea typeface="Calibri" panose="020F0502020204030204" pitchFamily="34" charset="0"/>
+                                            <a:cs typeface="Times New Roman" panose="02020603050405020304" pitchFamily="18" charset="0"/>
+                                          </a:rPr>
+                                          <m:t>2</m:t>
+                                        </m:r>
+                                      </m:sub>
+                                    </m:sSub>
+                                  </m:e>
+                                </m:d>
+                              </m:e>
+                            </m:mr>
+                            <m:mr>
+                              <m:e>
+                                <m:f>
+                                  <m:fPr>
+                                    <m:ctrlPr>
+                                      <a:rPr lang="en-US" sz="2000" i="1">
+                                        <a:effectLst/>
+                                        <a:latin typeface="Cambria Math" panose="02040503050406030204" pitchFamily="18" charset="0"/>
+                                      </a:rPr>
+                                    </m:ctrlPr>
+                                  </m:fPr>
+                                  <m:num>
+                                    <m:d>
+                                      <m:dPr>
+                                        <m:begChr m:val="|"/>
+                                        <m:endChr m:val="|"/>
+                                        <m:ctrlPr>
+                                          <a:rPr lang="en-US" sz="2000" i="1">
+                                            <a:effectLst/>
+                                            <a:latin typeface="Cambria Math" panose="02040503050406030204" pitchFamily="18" charset="0"/>
+                                          </a:rPr>
+                                        </m:ctrlPr>
+                                      </m:dPr>
+                                      <m:e>
+                                        <m:sSub>
+                                          <m:sSubPr>
+                                            <m:ctrlPr>
+                                              <a:rPr lang="en-US" sz="2000" i="1">
+                                                <a:effectLst/>
+                                                <a:latin typeface="Cambria Math" panose="02040503050406030204" pitchFamily="18" charset="0"/>
+                                              </a:rPr>
+                                            </m:ctrlPr>
+                                          </m:sSubPr>
+                                          <m:e>
+                                            <m:r>
+                                              <a:rPr lang="en-US" sz="2000" i="1">
+                                                <a:effectLst/>
+                                                <a:latin typeface="Cambria Math" panose="02040503050406030204" pitchFamily="18" charset="0"/>
+                                                <a:ea typeface="Calibri" panose="020F0502020204030204" pitchFamily="34" charset="0"/>
+                                                <a:cs typeface="Times New Roman" panose="02020603050405020304" pitchFamily="18" charset="0"/>
+                                              </a:rPr>
+                                              <m:t>𝑢</m:t>
+                                            </m:r>
+                                          </m:e>
+                                          <m:sub>
+                                            <m:r>
+                                              <a:rPr lang="en-US" sz="2000" i="1">
+                                                <a:effectLst/>
+                                                <a:latin typeface="Cambria Math" panose="02040503050406030204" pitchFamily="18" charset="0"/>
+                                                <a:ea typeface="Calibri" panose="020F0502020204030204" pitchFamily="34" charset="0"/>
+                                                <a:cs typeface="Times New Roman" panose="02020603050405020304" pitchFamily="18" charset="0"/>
+                                              </a:rPr>
+                                              <m:t>2</m:t>
+                                            </m:r>
+                                          </m:sub>
+                                        </m:sSub>
+                                      </m:e>
+                                    </m:d>
+                                    <m:func>
+                                      <m:funcPr>
+                                        <m:ctrlPr>
+                                          <a:rPr lang="en-US" sz="2000" i="1">
+                                            <a:effectLst/>
+                                            <a:latin typeface="Cambria Math" panose="02040503050406030204" pitchFamily="18" charset="0"/>
+                                          </a:rPr>
+                                        </m:ctrlPr>
+                                      </m:funcPr>
+                                      <m:fName>
+                                        <m:r>
+                                          <m:rPr>
+                                            <m:sty m:val="p"/>
+                                          </m:rPr>
+                                          <a:rPr lang="en-US" sz="2000">
+                                            <a:effectLst/>
+                                            <a:latin typeface="Cambria Math" panose="02040503050406030204" pitchFamily="18" charset="0"/>
+                                            <a:ea typeface="Calibri" panose="020F0502020204030204" pitchFamily="34" charset="0"/>
+                                            <a:cs typeface="Times New Roman" panose="02020603050405020304" pitchFamily="18" charset="0"/>
+                                          </a:rPr>
+                                          <m:t>cos</m:t>
+                                        </m:r>
+                                      </m:fName>
+                                      <m:e>
+                                        <m:d>
+                                          <m:dPr>
+                                            <m:ctrlPr>
+                                              <a:rPr lang="en-US" sz="2000" i="1">
+                                                <a:effectLst/>
+                                                <a:latin typeface="Cambria Math" panose="02040503050406030204" pitchFamily="18" charset="0"/>
+                                              </a:rPr>
+                                            </m:ctrlPr>
+                                          </m:dPr>
+                                          <m:e>
+                                            <m:r>
+                                              <a:rPr lang="en-US" sz="2000" i="1">
+                                                <a:effectLst/>
+                                                <a:latin typeface="Cambria Math" panose="02040503050406030204" pitchFamily="18" charset="0"/>
+                                                <a:ea typeface="Calibri" panose="020F0502020204030204" pitchFamily="34" charset="0"/>
+                                                <a:cs typeface="Times New Roman" panose="02020603050405020304" pitchFamily="18" charset="0"/>
+                                              </a:rPr>
+                                              <m:t>𝛼</m:t>
+                                            </m:r>
+                                          </m:e>
+                                        </m:d>
+                                      </m:e>
+                                    </m:func>
+                                  </m:num>
+                                  <m:den>
+                                    <m:d>
+                                      <m:dPr>
+                                        <m:begChr m:val="|"/>
+                                        <m:endChr m:val="|"/>
+                                        <m:ctrlPr>
+                                          <a:rPr lang="en-US" sz="2000" i="1">
+                                            <a:effectLst/>
+                                            <a:latin typeface="Cambria Math" panose="02040503050406030204" pitchFamily="18" charset="0"/>
+                                          </a:rPr>
+                                        </m:ctrlPr>
+                                      </m:dPr>
+                                      <m:e>
+                                        <m:sSub>
+                                          <m:sSubPr>
+                                            <m:ctrlPr>
+                                              <a:rPr lang="en-US" sz="2000" i="1">
+                                                <a:effectLst/>
+                                                <a:latin typeface="Cambria Math" panose="02040503050406030204" pitchFamily="18" charset="0"/>
+                                              </a:rPr>
+                                            </m:ctrlPr>
+                                          </m:sSubPr>
+                                          <m:e>
+                                            <m:r>
+                                              <a:rPr lang="en-US" sz="2000" i="1">
+                                                <a:effectLst/>
+                                                <a:latin typeface="Cambria Math" panose="02040503050406030204" pitchFamily="18" charset="0"/>
+                                                <a:ea typeface="Calibri" panose="020F0502020204030204" pitchFamily="34" charset="0"/>
+                                                <a:cs typeface="Times New Roman" panose="02020603050405020304" pitchFamily="18" charset="0"/>
+                                              </a:rPr>
+                                              <m:t>𝑢</m:t>
+                                            </m:r>
+                                          </m:e>
+                                          <m:sub>
+                                            <m:r>
+                                              <a:rPr lang="en-US" sz="2000" i="1">
+                                                <a:effectLst/>
+                                                <a:latin typeface="Cambria Math" panose="02040503050406030204" pitchFamily="18" charset="0"/>
+                                                <a:ea typeface="Calibri" panose="020F0502020204030204" pitchFamily="34" charset="0"/>
+                                                <a:cs typeface="Times New Roman" panose="02020603050405020304" pitchFamily="18" charset="0"/>
+                                              </a:rPr>
+                                              <m:t>1</m:t>
+                                            </m:r>
+                                          </m:sub>
+                                        </m:sSub>
+                                      </m:e>
+                                    </m:d>
+                                  </m:den>
+                                </m:f>
+                                <m:r>
+                                  <m:rPr>
+                                    <m:sty m:val="p"/>
+                                  </m:rPr>
+                                  <a:rPr lang="en-US" sz="2000">
+                                    <a:effectLst/>
+                                    <a:latin typeface="Cambria Math" panose="02040503050406030204" pitchFamily="18" charset="0"/>
+                                    <a:ea typeface="Calibri" panose="020F0502020204030204" pitchFamily="34" charset="0"/>
+                                    <a:cs typeface="Times New Roman" panose="02020603050405020304" pitchFamily="18" charset="0"/>
+                                  </a:rPr>
+                                  <m:t>if</m:t>
+                                </m:r>
+                                <m:r>
+                                  <a:rPr lang="en-US" sz="2000" i="1">
+                                    <a:effectLst/>
+                                    <a:latin typeface="Cambria Math" panose="02040503050406030204" pitchFamily="18" charset="0"/>
+                                    <a:ea typeface="Calibri" panose="020F0502020204030204" pitchFamily="34" charset="0"/>
+                                    <a:cs typeface="Times New Roman" panose="02020603050405020304" pitchFamily="18" charset="0"/>
+                                  </a:rPr>
+                                  <m:t> </m:t>
+                                </m:r>
+                                <m:d>
+                                  <m:dPr>
+                                    <m:begChr m:val="|"/>
+                                    <m:endChr m:val="|"/>
+                                    <m:ctrlPr>
+                                      <a:rPr lang="en-US" sz="2000" i="1">
+                                        <a:effectLst/>
+                                        <a:latin typeface="Cambria Math" panose="02040503050406030204" pitchFamily="18" charset="0"/>
+                                      </a:rPr>
+                                    </m:ctrlPr>
+                                  </m:dPr>
+                                  <m:e>
+                                    <m:sSub>
+                                      <m:sSubPr>
+                                        <m:ctrlPr>
+                                          <a:rPr lang="en-US" sz="2000" i="1">
+                                            <a:effectLst/>
+                                            <a:latin typeface="Cambria Math" panose="02040503050406030204" pitchFamily="18" charset="0"/>
+                                          </a:rPr>
+                                        </m:ctrlPr>
+                                      </m:sSubPr>
+                                      <m:e>
+                                        <m:r>
+                                          <a:rPr lang="en-US" sz="2000" i="1">
+                                            <a:effectLst/>
+                                            <a:latin typeface="Cambria Math" panose="02040503050406030204" pitchFamily="18" charset="0"/>
+                                            <a:ea typeface="Calibri" panose="020F0502020204030204" pitchFamily="34" charset="0"/>
+                                            <a:cs typeface="Times New Roman" panose="02020603050405020304" pitchFamily="18" charset="0"/>
+                                          </a:rPr>
+                                          <m:t>𝑢</m:t>
+                                        </m:r>
+                                      </m:e>
+                                      <m:sub>
+                                        <m:r>
+                                          <a:rPr lang="en-US" sz="2000" i="1">
+                                            <a:effectLst/>
+                                            <a:latin typeface="Cambria Math" panose="02040503050406030204" pitchFamily="18" charset="0"/>
+                                            <a:ea typeface="Calibri" panose="020F0502020204030204" pitchFamily="34" charset="0"/>
+                                            <a:cs typeface="Times New Roman" panose="02020603050405020304" pitchFamily="18" charset="0"/>
+                                          </a:rPr>
+                                          <m:t>1</m:t>
+                                        </m:r>
+                                      </m:sub>
+                                    </m:sSub>
+                                  </m:e>
+                                </m:d>
+                                <m:r>
+                                  <a:rPr lang="en-US" sz="2000" i="1">
+                                    <a:effectLst/>
+                                    <a:latin typeface="Cambria Math" panose="02040503050406030204" pitchFamily="18" charset="0"/>
+                                    <a:ea typeface="Calibri" panose="020F0502020204030204" pitchFamily="34" charset="0"/>
+                                    <a:cs typeface="Times New Roman" panose="02020603050405020304" pitchFamily="18" charset="0"/>
+                                  </a:rPr>
+                                  <m:t>&gt;</m:t>
+                                </m:r>
+                                <m:d>
+                                  <m:dPr>
+                                    <m:begChr m:val="|"/>
+                                    <m:endChr m:val="|"/>
+                                    <m:ctrlPr>
+                                      <a:rPr lang="en-US" sz="2000" i="1">
+                                        <a:effectLst/>
+                                        <a:latin typeface="Cambria Math" panose="02040503050406030204" pitchFamily="18" charset="0"/>
+                                      </a:rPr>
+                                    </m:ctrlPr>
+                                  </m:dPr>
+                                  <m:e>
+                                    <m:sSub>
+                                      <m:sSubPr>
+                                        <m:ctrlPr>
+                                          <a:rPr lang="en-US" sz="2000" i="1">
+                                            <a:effectLst/>
+                                            <a:latin typeface="Cambria Math" panose="02040503050406030204" pitchFamily="18" charset="0"/>
+                                          </a:rPr>
+                                        </m:ctrlPr>
+                                      </m:sSubPr>
+                                      <m:e>
+                                        <m:r>
+                                          <a:rPr lang="en-US" sz="2000" i="1">
+                                            <a:effectLst/>
+                                            <a:latin typeface="Cambria Math" panose="02040503050406030204" pitchFamily="18" charset="0"/>
+                                            <a:ea typeface="Calibri" panose="020F0502020204030204" pitchFamily="34" charset="0"/>
+                                            <a:cs typeface="Times New Roman" panose="02020603050405020304" pitchFamily="18" charset="0"/>
+                                          </a:rPr>
+                                          <m:t>𝑢</m:t>
+                                        </m:r>
+                                      </m:e>
+                                      <m:sub>
+                                        <m:r>
+                                          <a:rPr lang="en-US" sz="2000" i="1">
+                                            <a:effectLst/>
+                                            <a:latin typeface="Cambria Math" panose="02040503050406030204" pitchFamily="18" charset="0"/>
+                                            <a:ea typeface="Calibri" panose="020F0502020204030204" pitchFamily="34" charset="0"/>
+                                            <a:cs typeface="Times New Roman" panose="02020603050405020304" pitchFamily="18" charset="0"/>
+                                          </a:rPr>
+                                          <m:t>2</m:t>
+                                        </m:r>
+                                      </m:sub>
+                                    </m:sSub>
+                                  </m:e>
+                                </m:d>
+                              </m:e>
+                            </m:mr>
+                          </m:m>
+                        </m:e>
+                      </m:d>
+                    </m:oMath>
+                  </m:oMathPara>
+                </a14:m>
+                <a:endParaRPr lang="en-US" sz="2000" dirty="0">
+                  <a:effectLst/>
+                  <a:latin typeface="Times New Roman" panose="02020603050405020304" pitchFamily="18" charset="0"/>
+                  <a:ea typeface="Calibri" panose="020F0502020204030204" pitchFamily="34" charset="0"/>
+                </a:endParaRPr>
+              </a:p>
+              <a:p>
+                <a:r>
+                  <a:rPr lang="en-US" sz="2000" dirty="0">
+                    <a:effectLst/>
+                    <a:latin typeface="Times New Roman" panose="02020603050405020304" pitchFamily="18" charset="0"/>
+                    <a:ea typeface="Calibri" panose="020F0502020204030204" pitchFamily="34" charset="0"/>
+                  </a:rPr>
+                  <a:t>There are many points on two rays OA = </a:t>
+                </a:r>
+                <a:r>
+                  <a:rPr lang="en-US" sz="2000" i="1" dirty="0">
+                    <a:effectLst/>
+                    <a:latin typeface="Times New Roman" panose="02020603050405020304" pitchFamily="18" charset="0"/>
+                    <a:ea typeface="Calibri" panose="020F0502020204030204" pitchFamily="34" charset="0"/>
+                  </a:rPr>
+                  <a:t>u</a:t>
+                </a:r>
+                <a:r>
+                  <a:rPr lang="en-US" sz="2000" baseline="-25000" dirty="0">
+                    <a:effectLst/>
+                    <a:latin typeface="Times New Roman" panose="02020603050405020304" pitchFamily="18" charset="0"/>
+                    <a:ea typeface="Calibri" panose="020F0502020204030204" pitchFamily="34" charset="0"/>
+                  </a:rPr>
+                  <a:t>1</a:t>
+                </a:r>
+                <a:r>
+                  <a:rPr lang="en-US" sz="2000" dirty="0">
+                    <a:effectLst/>
+                    <a:latin typeface="Times New Roman" panose="02020603050405020304" pitchFamily="18" charset="0"/>
+                    <a:ea typeface="Calibri" panose="020F0502020204030204" pitchFamily="34" charset="0"/>
+                  </a:rPr>
+                  <a:t> and OB = </a:t>
+                </a:r>
+                <a:r>
+                  <a:rPr lang="en-US" sz="2000" i="1" dirty="0">
+                    <a:effectLst/>
+                    <a:latin typeface="Times New Roman" panose="02020603050405020304" pitchFamily="18" charset="0"/>
+                    <a:ea typeface="Calibri" panose="020F0502020204030204" pitchFamily="34" charset="0"/>
+                  </a:rPr>
+                  <a:t>u</a:t>
+                </a:r>
+                <a:r>
+                  <a:rPr lang="en-US" sz="2000" baseline="-25000" dirty="0">
+                    <a:effectLst/>
+                    <a:latin typeface="Times New Roman" panose="02020603050405020304" pitchFamily="18" charset="0"/>
+                    <a:ea typeface="Calibri" panose="020F0502020204030204" pitchFamily="34" charset="0"/>
+                  </a:rPr>
+                  <a:t>2</a:t>
+                </a:r>
+                <a:r>
+                  <a:rPr lang="en-US" sz="2000" dirty="0">
+                    <a:effectLst/>
+                    <a:latin typeface="Times New Roman" panose="02020603050405020304" pitchFamily="18" charset="0"/>
+                    <a:ea typeface="Calibri" panose="020F0502020204030204" pitchFamily="34" charset="0"/>
+                  </a:rPr>
+                  <a:t> so that their cosine is the same but only points A’ and B’ whose distance is shortest will obtain highest reinforced factor</a:t>
+                </a:r>
+                <a:r>
+                  <a:rPr lang="en-US" sz="2000" dirty="0">
+                    <a:ea typeface="Calibri" panose="020F0502020204030204" pitchFamily="34" charset="0"/>
+                  </a:rPr>
+                  <a:t>. </a:t>
+                </a:r>
+                <a:r>
+                  <a:rPr lang="en-US" sz="2000" i="1" dirty="0">
+                    <a:effectLst/>
+                    <a:latin typeface="Times New Roman" panose="02020603050405020304" pitchFamily="18" charset="0"/>
+                    <a:ea typeface="Calibri" panose="020F0502020204030204" pitchFamily="34" charset="0"/>
+                  </a:rPr>
+                  <a:t>Shortest distance viewpoint</a:t>
+                </a:r>
+                <a:r>
+                  <a:rPr lang="en-US" sz="2000" dirty="0">
+                    <a:effectLst/>
+                    <a:latin typeface="Times New Roman" panose="02020603050405020304" pitchFamily="18" charset="0"/>
+                    <a:ea typeface="Calibri" panose="020F0502020204030204" pitchFamily="34" charset="0"/>
+                  </a:rPr>
+                  <a:t>: Reinforced factor is optimal if distance between two vectors is shortest.</a:t>
+                </a:r>
+              </a:p>
+              <a:p>
+                <a:pPr marL="0" indent="0">
+                  <a:buNone/>
+                </a:pPr>
+                <a:endParaRPr lang="en-US" sz="2000" dirty="0"/>
+              </a:p>
+            </p:txBody>
+          </p:sp>
+        </mc:Choice>
+        <mc:Fallback>
+          <p:sp>
+            <p:nvSpPr>
+              <p:cNvPr id="3" name="Content Placeholder 2">
+                <a:extLst>
+                  <a:ext uri="{FF2B5EF4-FFF2-40B4-BE49-F238E27FC236}">
+                    <a16:creationId xmlns:a16="http://schemas.microsoft.com/office/drawing/2014/main" id="{97711388-112E-498A-AF5F-CCA6B44167DE}"/>
+                  </a:ext>
+                </a:extLst>
+              </p:cNvPr>
+              <p:cNvSpPr>
+                <a:spLocks noGrp="1" noRot="1" noChangeAspect="1" noMove="1" noResize="1" noEditPoints="1" noAdjustHandles="1" noChangeArrowheads="1" noChangeShapeType="1" noTextEdit="1"/>
+              </p:cNvSpPr>
+              <p:nvPr>
+                <p:ph idx="1"/>
+              </p:nvPr>
+            </p:nvSpPr>
+            <p:spPr>
+              <a:xfrm>
+                <a:off x="323557" y="914398"/>
+                <a:ext cx="11535508" cy="5441951"/>
+              </a:xfrm>
+              <a:blipFill>
+                <a:blip r:embed="rId2"/>
+                <a:stretch>
+                  <a:fillRect l="-476" t="-560" r="-581"/>
+                </a:stretch>
+              </a:blipFill>
+            </p:spPr>
+            <p:txBody>
+              <a:bodyPr/>
+              <a:lstStyle/>
+              <a:p>
+                <a:r>
+                  <a:rPr lang="en-US">
+                    <a:noFill/>
+                  </a:rPr>
+                  <a:t> </a:t>
+                </a:r>
+              </a:p>
+            </p:txBody>
+          </p:sp>
+        </mc:Fallback>
+      </mc:AlternateContent>
+      <p:sp>
+        <p:nvSpPr>
+          <p:cNvPr id="4" name="Date Placeholder 3">
+            <a:extLst>
+              <a:ext uri="{FF2B5EF4-FFF2-40B4-BE49-F238E27FC236}">
+                <a16:creationId xmlns:a16="http://schemas.microsoft.com/office/drawing/2014/main" id="{3205A2F2-AA68-47F1-BD91-A27259451A83}"/>
+              </a:ext>
+            </a:extLst>
+          </p:cNvPr>
+          <p:cNvSpPr>
+            <a:spLocks noGrp="1"/>
+          </p:cNvSpPr>
+          <p:nvPr>
+            <p:ph type="dt" sz="half" idx="10"/>
           </p:nvPr>
         </p:nvSpPr>
         <p:spPr/>
@@ -5138,51 +6767,26 @@
           <a:lstStyle/>
           <a:p>
             <a:r>
-              <a:rPr lang="en-US" dirty="0" smtClean="0"/>
-              <a:t>Result 1.</a:t>
-            </a:r>
-          </a:p>
-          <a:p>
-            <a:r>
-              <a:rPr lang="en-US" dirty="0" smtClean="0"/>
-              <a:t>Result 2.</a:t>
-            </a:r>
-          </a:p>
-          <a:p>
-            <a:r>
-              <a:rPr lang="en-US" dirty="0" smtClean="0"/>
-              <a:t>Result 3.</a:t>
-            </a:r>
-          </a:p>
-          <a:p>
-            <a:r>
-              <a:rPr lang="en-US" dirty="0" smtClean="0"/>
-              <a:t>Discussion 1.</a:t>
-            </a:r>
-          </a:p>
-          <a:p>
-            <a:r>
-              <a:rPr lang="en-US" dirty="0" smtClean="0"/>
-              <a:t>Discussion 2.</a:t>
-            </a:r>
-          </a:p>
-          <a:p>
-            <a:r>
-              <a:rPr lang="en-US" dirty="0" smtClean="0"/>
-              <a:t>Discussion 3.</a:t>
-            </a:r>
-            <a:endParaRPr lang="en-US" dirty="0"/>
-          </a:p>
-        </p:txBody>
-      </p:sp>
-      <p:sp>
-        <p:nvSpPr>
-          <p:cNvPr id="4" name="Date Placeholder 3"/>
-          <p:cNvSpPr>
-            <a:spLocks noGrp="1"/>
-          </p:cNvSpPr>
-          <p:nvPr>
-            <p:ph type="dt" sz="half" idx="10"/>
+              <a:rPr lang="en-US"/>
+              <a:t>7/12/2020</a:t>
+            </a:r>
+          </a:p>
+        </p:txBody>
+      </p:sp>
+      <p:sp>
+        <p:nvSpPr>
+          <p:cNvPr id="5" name="Footer Placeholder 4">
+            <a:extLst>
+              <a:ext uri="{FF2B5EF4-FFF2-40B4-BE49-F238E27FC236}">
+                <a16:creationId xmlns:a16="http://schemas.microsoft.com/office/drawing/2014/main" id="{1222299A-5E52-43E6-B56C-510AF3AB36AD}"/>
+              </a:ext>
+            </a:extLst>
+          </p:cNvPr>
+          <p:cNvSpPr>
+            <a:spLocks noGrp="1"/>
+          </p:cNvSpPr>
+          <p:nvPr>
+            <p:ph type="ftr" sz="quarter" idx="11"/>
           </p:nvPr>
         </p:nvSpPr>
         <p:spPr/>
@@ -5190,40 +6794,22 @@
           <a:bodyPr/>
           <a:lstStyle/>
           <a:p>
-            <a:fld id="{CDD985FA-700C-432C-ACDD-A3593AB11BF8}" type="datetime1">
-              <a:rPr lang="en-US" smtClean="0"/>
-              <a:t>11/2/2017</a:t>
-            </a:fld>
-            <a:endParaRPr lang="en-US"/>
-          </a:p>
-        </p:txBody>
-      </p:sp>
-      <p:sp>
-        <p:nvSpPr>
-          <p:cNvPr id="5" name="Footer Placeholder 4"/>
-          <p:cNvSpPr>
-            <a:spLocks noGrp="1"/>
-          </p:cNvSpPr>
-          <p:nvPr>
-            <p:ph type="ftr" sz="quarter" idx="11"/>
-          </p:nvPr>
-        </p:nvSpPr>
-        <p:spPr/>
-        <p:txBody>
-          <a:bodyPr/>
-          <a:lstStyle/>
-          <a:p>
-            <a:r>
-              <a:rPr lang="en-US" smtClean="0"/>
-              <a:t>Project Title</a:t>
-            </a:r>
-            <a:endParaRPr lang="en-US"/>
-          </a:p>
-        </p:txBody>
-      </p:sp>
-      <p:sp>
-        <p:nvSpPr>
-          <p:cNvPr id="6" name="Slide Number Placeholder 5"/>
+            <a:r>
+              <a:rPr lang="en-US"/>
+              <a:t>TA measure - Loc Nguyen</a:t>
+            </a:r>
+          </a:p>
+        </p:txBody>
+      </p:sp>
+      <p:sp>
+        <p:nvSpPr>
+          <p:cNvPr id="6" name="Slide Number Placeholder 5">
+            <a:extLst>
+              <a:ext uri="{FF2B5EF4-FFF2-40B4-BE49-F238E27FC236}">
+                <a16:creationId xmlns:a16="http://schemas.microsoft.com/office/drawing/2014/main" id="{097A8F71-907A-4D7B-A13A-0DA9CBD094E9}"/>
+              </a:ext>
+            </a:extLst>
+          </p:cNvPr>
           <p:cNvSpPr>
             <a:spLocks noGrp="1"/>
           </p:cNvSpPr>
@@ -5245,23 +6831,52 @@
           </a:p>
         </p:txBody>
       </p:sp>
+      <p:pic>
+        <p:nvPicPr>
+          <p:cNvPr id="10" name="Picture 9" descr="A close up of a map&#10;&#10;Description automatically generated">
+            <a:extLst>
+              <a:ext uri="{FF2B5EF4-FFF2-40B4-BE49-F238E27FC236}">
+                <a16:creationId xmlns:a16="http://schemas.microsoft.com/office/drawing/2014/main" id="{3B997524-6AE6-4382-8321-E4214D90C61F}"/>
+              </a:ext>
+            </a:extLst>
+          </p:cNvPr>
+          <p:cNvPicPr>
+            <a:picLocks noChangeAspect="1"/>
+          </p:cNvPicPr>
+          <p:nvPr/>
+        </p:nvPicPr>
+        <p:blipFill>
+          <a:blip r:embed="rId3">
+            <a:extLst>
+              <a:ext uri="{28A0092B-C50C-407E-A947-70E740481C1C}">
+                <a14:useLocalDpi xmlns:a14="http://schemas.microsoft.com/office/drawing/2010/main" val="0"/>
+              </a:ext>
+            </a:extLst>
+          </a:blip>
+          <a:stretch>
+            <a:fillRect/>
+          </a:stretch>
+        </p:blipFill>
+        <p:spPr>
+          <a:xfrm>
+            <a:off x="3940126" y="3922570"/>
+            <a:ext cx="4057142" cy="2308572"/>
+          </a:xfrm>
+          <a:prstGeom prst="rect">
+            <a:avLst/>
+          </a:prstGeom>
+        </p:spPr>
+      </p:pic>
     </p:spTree>
     <p:extLst>
       <p:ext uri="{BB962C8B-B14F-4D97-AF65-F5344CB8AC3E}">
-        <p14:creationId xmlns:p14="http://schemas.microsoft.com/office/powerpoint/2010/main" val="3424595948"/>
+        <p14:creationId xmlns:p14="http://schemas.microsoft.com/office/powerpoint/2010/main" val="2533894164"/>
       </p:ext>
     </p:extLst>
   </p:cSld>
   <p:clrMapOvr>
     <a:masterClrMapping/>
   </p:clrMapOvr>
-  <p:timing>
-    <p:tnLst>
-      <p:par>
-        <p:cTn id="1" dur="indefinite" restart="never" nodeType="tmRoot"/>
-      </p:par>
-    </p:tnLst>
-  </p:timing>
 </p:sld>
 </file>
 
@@ -5284,7 +6899,13 @@
       </p:grpSpPr>
       <p:sp>
         <p:nvSpPr>
-          <p:cNvPr id="2" name="Title 1"/>
+          <p:cNvPr id="2" name="Title 1">
+            <a:extLst>
+              <a:ext uri="{FF2B5EF4-FFF2-40B4-BE49-F238E27FC236}">
+                <a16:creationId xmlns:a16="http://schemas.microsoft.com/office/drawing/2014/main" id="{E9416894-CAC9-4A61-A17F-4EAD67016D30}"/>
+              </a:ext>
+            </a:extLst>
+          </p:cNvPr>
           <p:cNvSpPr>
             <a:spLocks noGrp="1"/>
           </p:cNvSpPr>
@@ -5298,21 +6919,682 @@
           <a:lstStyle/>
           <a:p>
             <a:r>
-              <a:rPr lang="en-US" dirty="0" smtClean="0"/>
-              <a:t>4. Conclusions</a:t>
-            </a:r>
-            <a:endParaRPr lang="en-US" dirty="0"/>
-          </a:p>
-        </p:txBody>
-      </p:sp>
-      <p:sp>
-        <p:nvSpPr>
-          <p:cNvPr id="3" name="Content Placeholder 2"/>
-          <p:cNvSpPr>
-            <a:spLocks noGrp="1"/>
-          </p:cNvSpPr>
-          <p:nvPr>
-            <p:ph idx="1"/>
+              <a:rPr lang="en-US" dirty="0"/>
+              <a:t>2. Methodologies</a:t>
+            </a:r>
+          </a:p>
+        </p:txBody>
+      </p:sp>
+      <mc:AlternateContent xmlns:mc="http://schemas.openxmlformats.org/markup-compatibility/2006">
+        <mc:Choice xmlns:a14="http://schemas.microsoft.com/office/drawing/2010/main" Requires="a14">
+          <p:sp>
+            <p:nvSpPr>
+              <p:cNvPr id="3" name="Content Placeholder 2">
+                <a:extLst>
+                  <a:ext uri="{FF2B5EF4-FFF2-40B4-BE49-F238E27FC236}">
+                    <a16:creationId xmlns:a16="http://schemas.microsoft.com/office/drawing/2014/main" id="{97711388-112E-498A-AF5F-CCA6B44167DE}"/>
+                  </a:ext>
+                </a:extLst>
+              </p:cNvPr>
+              <p:cNvSpPr>
+                <a:spLocks noGrp="1"/>
+              </p:cNvSpPr>
+              <p:nvPr>
+                <p:ph idx="1"/>
+              </p:nvPr>
+            </p:nvSpPr>
+            <p:spPr>
+              <a:xfrm>
+                <a:off x="323557" y="914399"/>
+                <a:ext cx="11535508" cy="5292438"/>
+              </a:xfrm>
+            </p:spPr>
+            <p:txBody>
+              <a:bodyPr>
+                <a:normAutofit/>
+              </a:bodyPr>
+              <a:lstStyle/>
+              <a:p>
+                <a:r>
+                  <a:rPr lang="en-US" sz="2300" dirty="0">
+                    <a:effectLst/>
+                    <a:latin typeface="Times New Roman" panose="02020603050405020304" pitchFamily="18" charset="0"/>
+                    <a:ea typeface="Calibri" panose="020F0502020204030204" pitchFamily="34" charset="0"/>
+                  </a:rPr>
+                  <a:t>Given the second case </a:t>
+                </a:r>
+                <a:r>
+                  <a:rPr lang="en-US" sz="2300" i="1" dirty="0">
+                    <a:effectLst/>
+                    <a:latin typeface="Times New Roman" panose="02020603050405020304" pitchFamily="18" charset="0"/>
+                    <a:ea typeface="Calibri" panose="020F0502020204030204" pitchFamily="34" charset="0"/>
+                  </a:rPr>
+                  <a:t>π</a:t>
+                </a:r>
+                <a:r>
+                  <a:rPr lang="en-US" sz="2300" dirty="0">
+                    <a:effectLst/>
+                    <a:latin typeface="Times New Roman" panose="02020603050405020304" pitchFamily="18" charset="0"/>
+                    <a:ea typeface="Calibri" panose="020F0502020204030204" pitchFamily="34" charset="0"/>
+                  </a:rPr>
+                  <a:t>/2 &lt; </a:t>
+                </a:r>
+                <a:r>
+                  <a:rPr lang="en-US" sz="2300" i="1" dirty="0">
+                    <a:effectLst/>
+                    <a:latin typeface="Times New Roman" panose="02020603050405020304" pitchFamily="18" charset="0"/>
+                    <a:ea typeface="Calibri" panose="020F0502020204030204" pitchFamily="34" charset="0"/>
+                  </a:rPr>
+                  <a:t>α</a:t>
+                </a:r>
+                <a:r>
+                  <a:rPr lang="en-US" sz="2300" dirty="0">
+                    <a:effectLst/>
+                    <a:latin typeface="Times New Roman" panose="02020603050405020304" pitchFamily="18" charset="0"/>
+                    <a:ea typeface="Calibri" panose="020F0502020204030204" pitchFamily="34" charset="0"/>
+                  </a:rPr>
+                  <a:t> ≤ </a:t>
+                </a:r>
+                <a:r>
+                  <a:rPr lang="en-US" sz="2300" i="1" dirty="0">
+                    <a:effectLst/>
+                    <a:latin typeface="Times New Roman" panose="02020603050405020304" pitchFamily="18" charset="0"/>
+                    <a:ea typeface="Calibri" panose="020F0502020204030204" pitchFamily="34" charset="0"/>
+                  </a:rPr>
+                  <a:t>π</a:t>
+                </a:r>
+                <a:r>
+                  <a:rPr lang="en-US" sz="2300" dirty="0">
+                    <a:effectLst/>
+                    <a:latin typeface="Times New Roman" panose="02020603050405020304" pitchFamily="18" charset="0"/>
+                    <a:ea typeface="Calibri" panose="020F0502020204030204" pitchFamily="34" charset="0"/>
+                  </a:rPr>
+                  <a:t>, let </a:t>
+                </a:r>
+                <a:r>
+                  <a:rPr lang="en-US" sz="2300" i="1" dirty="0">
+                    <a:effectLst/>
+                    <a:latin typeface="Times New Roman" panose="02020603050405020304" pitchFamily="18" charset="0"/>
+                    <a:ea typeface="Calibri" panose="020F0502020204030204" pitchFamily="34" charset="0"/>
+                  </a:rPr>
+                  <a:t>S</a:t>
+                </a:r>
+                <a:r>
+                  <a:rPr lang="en-US" sz="2300" dirty="0">
+                    <a:effectLst/>
+                    <a:latin typeface="Times New Roman" panose="02020603050405020304" pitchFamily="18" charset="0"/>
+                    <a:ea typeface="Calibri" panose="020F0502020204030204" pitchFamily="34" charset="0"/>
+                  </a:rPr>
+                  <a:t> be area of the whole triangle OAB, let </a:t>
+                </a:r>
+                <a:r>
+                  <a:rPr lang="en-US" sz="2300" i="1" dirty="0" err="1">
+                    <a:effectLst/>
+                    <a:latin typeface="Times New Roman" panose="02020603050405020304" pitchFamily="18" charset="0"/>
+                    <a:ea typeface="Calibri" panose="020F0502020204030204" pitchFamily="34" charset="0"/>
+                  </a:rPr>
+                  <a:t>s</a:t>
+                </a:r>
+                <a:r>
+                  <a:rPr lang="en-US" sz="2300" dirty="0">
+                    <a:effectLst/>
+                    <a:latin typeface="Times New Roman" panose="02020603050405020304" pitchFamily="18" charset="0"/>
+                    <a:ea typeface="Calibri" panose="020F0502020204030204" pitchFamily="34" charset="0"/>
+                  </a:rPr>
+                  <a:t> be area of the basic triangle OAH’. Reinforced factor </a:t>
+                </a:r>
+                <a:r>
+                  <a:rPr lang="en-US" sz="2300" i="1" dirty="0">
+                    <a:effectLst/>
+                    <a:latin typeface="Times New Roman" panose="02020603050405020304" pitchFamily="18" charset="0"/>
+                    <a:ea typeface="Calibri" panose="020F0502020204030204" pitchFamily="34" charset="0"/>
+                  </a:rPr>
+                  <a:t>k</a:t>
+                </a:r>
+                <a:r>
+                  <a:rPr lang="en-US" sz="2300" dirty="0">
+                    <a:effectLst/>
+                    <a:latin typeface="Times New Roman" panose="02020603050405020304" pitchFamily="18" charset="0"/>
+                    <a:ea typeface="Calibri" panose="020F0502020204030204" pitchFamily="34" charset="0"/>
+                  </a:rPr>
+                  <a:t> is defined as areal ratio: </a:t>
+                </a:r>
+                <a:r>
+                  <a:rPr lang="en-US" sz="2300" i="1" dirty="0">
+                    <a:effectLst/>
+                    <a:latin typeface="Times New Roman" panose="02020603050405020304" pitchFamily="18" charset="0"/>
+                    <a:ea typeface="Calibri" panose="020F0502020204030204" pitchFamily="34" charset="0"/>
+                  </a:rPr>
+                  <a:t>k</a:t>
+                </a:r>
+                <a:r>
+                  <a:rPr lang="en-US" sz="2300" dirty="0">
+                    <a:effectLst/>
+                    <a:latin typeface="Times New Roman" panose="02020603050405020304" pitchFamily="18" charset="0"/>
+                    <a:ea typeface="Calibri" panose="020F0502020204030204" pitchFamily="34" charset="0"/>
+                  </a:rPr>
+                  <a:t> = </a:t>
+                </a:r>
+                <a:r>
+                  <a:rPr lang="en-US" sz="2300" i="1" dirty="0">
+                    <a:effectLst/>
+                    <a:latin typeface="Times New Roman" panose="02020603050405020304" pitchFamily="18" charset="0"/>
+                    <a:ea typeface="Calibri" panose="020F0502020204030204" pitchFamily="34" charset="0"/>
+                  </a:rPr>
+                  <a:t>s</a:t>
+                </a:r>
+                <a:r>
+                  <a:rPr lang="en-US" sz="2300" dirty="0">
+                    <a:effectLst/>
+                    <a:latin typeface="Times New Roman" panose="02020603050405020304" pitchFamily="18" charset="0"/>
+                    <a:ea typeface="Calibri" panose="020F0502020204030204" pitchFamily="34" charset="0"/>
+                  </a:rPr>
+                  <a:t>/</a:t>
+                </a:r>
+                <a:r>
+                  <a:rPr lang="en-US" sz="2300" i="1" dirty="0">
+                    <a:effectLst/>
+                    <a:latin typeface="Times New Roman" panose="02020603050405020304" pitchFamily="18" charset="0"/>
+                    <a:ea typeface="Calibri" panose="020F0502020204030204" pitchFamily="34" charset="0"/>
+                  </a:rPr>
+                  <a:t>S</a:t>
+                </a:r>
+                <a:r>
+                  <a:rPr lang="en-US" sz="2300" i="1" dirty="0">
+                    <a:ea typeface="Calibri" panose="020F0502020204030204" pitchFamily="34" charset="0"/>
+                  </a:rPr>
+                  <a:t>. </a:t>
+                </a:r>
+                <a:r>
+                  <a:rPr lang="en-US" sz="2300" dirty="0"/>
+                  <a:t>Its equation </a:t>
+                </a:r>
+                <a:r>
+                  <a:rPr lang="en-US" sz="2300" dirty="0">
+                    <a:effectLst/>
+                    <a:latin typeface="Times New Roman" panose="02020603050405020304" pitchFamily="18" charset="0"/>
+                    <a:ea typeface="Calibri" panose="020F0502020204030204" pitchFamily="34" charset="0"/>
+                  </a:rPr>
+                  <a:t>is:</a:t>
+                </a:r>
+              </a:p>
+              <a:p>
+                <a:pPr marL="0" indent="0">
+                  <a:buNone/>
+                </a:pPr>
+                <a14:m>
+                  <m:oMathPara xmlns:m="http://schemas.openxmlformats.org/officeDocument/2006/math">
+                    <m:oMathParaPr>
+                      <m:jc m:val="centerGroup"/>
+                    </m:oMathParaPr>
+                    <m:oMath xmlns:m="http://schemas.openxmlformats.org/officeDocument/2006/math">
+                      <m:f>
+                        <m:fPr>
+                          <m:ctrlPr>
+                            <a:rPr lang="en-US" sz="2300" i="1"/>
+                          </m:ctrlPr>
+                        </m:fPr>
+                        <m:num>
+                          <m:r>
+                            <a:rPr lang="en-US" sz="2300" i="1"/>
+                            <m:t>𝜋</m:t>
+                          </m:r>
+                        </m:num>
+                        <m:den>
+                          <m:r>
+                            <a:rPr lang="en-US" sz="2300" i="1"/>
+                            <m:t>2</m:t>
+                          </m:r>
+                        </m:den>
+                      </m:f>
+                      <m:r>
+                        <a:rPr lang="en-US" sz="2300" i="1"/>
+                        <m:t>&lt;</m:t>
+                      </m:r>
+                      <m:r>
+                        <a:rPr lang="en-US" sz="2300" i="1"/>
+                        <m:t>𝛼</m:t>
+                      </m:r>
+                      <m:r>
+                        <a:rPr lang="en-US" sz="2300" i="1"/>
+                        <m:t>≤</m:t>
+                      </m:r>
+                      <m:r>
+                        <a:rPr lang="en-US" sz="2300" i="1"/>
+                        <m:t>𝜋</m:t>
+                      </m:r>
+                      <m:r>
+                        <a:rPr lang="en-US" sz="2300" i="1"/>
+                        <m:t>:</m:t>
+                      </m:r>
+                      <m:r>
+                        <a:rPr lang="en-US" sz="2300" i="1"/>
+                        <m:t>𝑘</m:t>
+                      </m:r>
+                      <m:r>
+                        <a:rPr lang="en-US" sz="2300" i="1"/>
+                        <m:t>=</m:t>
+                      </m:r>
+                      <m:d>
+                        <m:dPr>
+                          <m:begChr m:val="{"/>
+                          <m:endChr m:val=""/>
+                          <m:ctrlPr>
+                            <a:rPr lang="en-US" sz="2300" i="1"/>
+                          </m:ctrlPr>
+                        </m:dPr>
+                        <m:e>
+                          <m:m>
+                            <m:mPr>
+                              <m:mcs>
+                                <m:mc>
+                                  <m:mcPr>
+                                    <m:count m:val="1"/>
+                                    <m:mcJc m:val="center"/>
+                                  </m:mcPr>
+                                </m:mc>
+                              </m:mcs>
+                              <m:ctrlPr>
+                                <a:rPr lang="en-US" sz="2300" i="1"/>
+                              </m:ctrlPr>
+                            </m:mPr>
+                            <m:mr>
+                              <m:e>
+                                <m:f>
+                                  <m:fPr>
+                                    <m:ctrlPr>
+                                      <a:rPr lang="en-US" sz="2300" i="1"/>
+                                    </m:ctrlPr>
+                                  </m:fPr>
+                                  <m:num>
+                                    <m:d>
+                                      <m:dPr>
+                                        <m:begChr m:val="|"/>
+                                        <m:endChr m:val="|"/>
+                                        <m:ctrlPr>
+                                          <a:rPr lang="en-US" sz="2300" i="1"/>
+                                        </m:ctrlPr>
+                                      </m:dPr>
+                                      <m:e>
+                                        <m:sSub>
+                                          <m:sSubPr>
+                                            <m:ctrlPr>
+                                              <a:rPr lang="en-US" sz="2300" i="1"/>
+                                            </m:ctrlPr>
+                                          </m:sSubPr>
+                                          <m:e>
+                                            <m:r>
+                                              <a:rPr lang="en-US" sz="2300" i="1"/>
+                                              <m:t>𝑢</m:t>
+                                            </m:r>
+                                          </m:e>
+                                          <m:sub>
+                                            <m:r>
+                                              <a:rPr lang="en-US" sz="2300" i="1"/>
+                                              <m:t>1</m:t>
+                                            </m:r>
+                                          </m:sub>
+                                        </m:sSub>
+                                      </m:e>
+                                    </m:d>
+                                  </m:num>
+                                  <m:den>
+                                    <m:d>
+                                      <m:dPr>
+                                        <m:begChr m:val="|"/>
+                                        <m:endChr m:val="|"/>
+                                        <m:ctrlPr>
+                                          <a:rPr lang="en-US" sz="2300" i="1"/>
+                                        </m:ctrlPr>
+                                      </m:dPr>
+                                      <m:e>
+                                        <m:sSub>
+                                          <m:sSubPr>
+                                            <m:ctrlPr>
+                                              <a:rPr lang="en-US" sz="2300" i="1"/>
+                                            </m:ctrlPr>
+                                          </m:sSubPr>
+                                          <m:e>
+                                            <m:r>
+                                              <a:rPr lang="en-US" sz="2300" i="1"/>
+                                              <m:t>𝑢</m:t>
+                                            </m:r>
+                                          </m:e>
+                                          <m:sub>
+                                            <m:r>
+                                              <a:rPr lang="en-US" sz="2300" i="1"/>
+                                              <m:t>2</m:t>
+                                            </m:r>
+                                          </m:sub>
+                                        </m:sSub>
+                                      </m:e>
+                                    </m:d>
+                                  </m:den>
+                                </m:f>
+                                <m:r>
+                                  <m:rPr>
+                                    <m:sty m:val="p"/>
+                                  </m:rPr>
+                                  <a:rPr lang="en-US" sz="2300"/>
+                                  <m:t>if</m:t>
+                                </m:r>
+                                <m:r>
+                                  <a:rPr lang="en-US" sz="2300" i="1"/>
+                                  <m:t> </m:t>
+                                </m:r>
+                                <m:d>
+                                  <m:dPr>
+                                    <m:begChr m:val="|"/>
+                                    <m:endChr m:val="|"/>
+                                    <m:ctrlPr>
+                                      <a:rPr lang="en-US" sz="2300" i="1"/>
+                                    </m:ctrlPr>
+                                  </m:dPr>
+                                  <m:e>
+                                    <m:sSub>
+                                      <m:sSubPr>
+                                        <m:ctrlPr>
+                                          <a:rPr lang="en-US" sz="2300" i="1"/>
+                                        </m:ctrlPr>
+                                      </m:sSubPr>
+                                      <m:e>
+                                        <m:r>
+                                          <a:rPr lang="en-US" sz="2300" i="1"/>
+                                          <m:t>𝑢</m:t>
+                                        </m:r>
+                                      </m:e>
+                                      <m:sub>
+                                        <m:r>
+                                          <a:rPr lang="en-US" sz="2300" i="1"/>
+                                          <m:t>1</m:t>
+                                        </m:r>
+                                      </m:sub>
+                                    </m:sSub>
+                                  </m:e>
+                                </m:d>
+                                <m:r>
+                                  <a:rPr lang="en-US" sz="2300" i="1"/>
+                                  <m:t>≤</m:t>
+                                </m:r>
+                                <m:d>
+                                  <m:dPr>
+                                    <m:begChr m:val="|"/>
+                                    <m:endChr m:val="|"/>
+                                    <m:ctrlPr>
+                                      <a:rPr lang="en-US" sz="2300" i="1"/>
+                                    </m:ctrlPr>
+                                  </m:dPr>
+                                  <m:e>
+                                    <m:sSub>
+                                      <m:sSubPr>
+                                        <m:ctrlPr>
+                                          <a:rPr lang="en-US" sz="2300" i="1"/>
+                                        </m:ctrlPr>
+                                      </m:sSubPr>
+                                      <m:e>
+                                        <m:r>
+                                          <a:rPr lang="en-US" sz="2300" i="1"/>
+                                          <m:t>𝑢</m:t>
+                                        </m:r>
+                                      </m:e>
+                                      <m:sub>
+                                        <m:r>
+                                          <a:rPr lang="en-US" sz="2300" i="1"/>
+                                          <m:t>2</m:t>
+                                        </m:r>
+                                      </m:sub>
+                                    </m:sSub>
+                                  </m:e>
+                                </m:d>
+                              </m:e>
+                            </m:mr>
+                            <m:mr>
+                              <m:e>
+                                <m:f>
+                                  <m:fPr>
+                                    <m:ctrlPr>
+                                      <a:rPr lang="en-US" sz="2300" i="1"/>
+                                    </m:ctrlPr>
+                                  </m:fPr>
+                                  <m:num>
+                                    <m:d>
+                                      <m:dPr>
+                                        <m:begChr m:val="|"/>
+                                        <m:endChr m:val="|"/>
+                                        <m:ctrlPr>
+                                          <a:rPr lang="en-US" sz="2300" i="1"/>
+                                        </m:ctrlPr>
+                                      </m:dPr>
+                                      <m:e>
+                                        <m:sSub>
+                                          <m:sSubPr>
+                                            <m:ctrlPr>
+                                              <a:rPr lang="en-US" sz="2300" i="1"/>
+                                            </m:ctrlPr>
+                                          </m:sSubPr>
+                                          <m:e>
+                                            <m:r>
+                                              <a:rPr lang="en-US" sz="2300" i="1"/>
+                                              <m:t>𝑢</m:t>
+                                            </m:r>
+                                          </m:e>
+                                          <m:sub>
+                                            <m:r>
+                                              <a:rPr lang="en-US" sz="2300" i="1"/>
+                                              <m:t>2</m:t>
+                                            </m:r>
+                                          </m:sub>
+                                        </m:sSub>
+                                      </m:e>
+                                    </m:d>
+                                  </m:num>
+                                  <m:den>
+                                    <m:d>
+                                      <m:dPr>
+                                        <m:begChr m:val="|"/>
+                                        <m:endChr m:val="|"/>
+                                        <m:ctrlPr>
+                                          <a:rPr lang="en-US" sz="2300" i="1"/>
+                                        </m:ctrlPr>
+                                      </m:dPr>
+                                      <m:e>
+                                        <m:sSub>
+                                          <m:sSubPr>
+                                            <m:ctrlPr>
+                                              <a:rPr lang="en-US" sz="2300" i="1"/>
+                                            </m:ctrlPr>
+                                          </m:sSubPr>
+                                          <m:e>
+                                            <m:r>
+                                              <a:rPr lang="en-US" sz="2300" i="1"/>
+                                              <m:t>𝑢</m:t>
+                                            </m:r>
+                                          </m:e>
+                                          <m:sub>
+                                            <m:r>
+                                              <a:rPr lang="en-US" sz="2300" i="1"/>
+                                              <m:t>1</m:t>
+                                            </m:r>
+                                          </m:sub>
+                                        </m:sSub>
+                                      </m:e>
+                                    </m:d>
+                                  </m:den>
+                                </m:f>
+                                <m:r>
+                                  <m:rPr>
+                                    <m:sty m:val="p"/>
+                                  </m:rPr>
+                                  <a:rPr lang="en-US" sz="2300"/>
+                                  <m:t>if</m:t>
+                                </m:r>
+                                <m:r>
+                                  <a:rPr lang="en-US" sz="2300" i="1"/>
+                                  <m:t> </m:t>
+                                </m:r>
+                                <m:d>
+                                  <m:dPr>
+                                    <m:begChr m:val="|"/>
+                                    <m:endChr m:val="|"/>
+                                    <m:ctrlPr>
+                                      <a:rPr lang="en-US" sz="2300" i="1"/>
+                                    </m:ctrlPr>
+                                  </m:dPr>
+                                  <m:e>
+                                    <m:sSub>
+                                      <m:sSubPr>
+                                        <m:ctrlPr>
+                                          <a:rPr lang="en-US" sz="2300" i="1"/>
+                                        </m:ctrlPr>
+                                      </m:sSubPr>
+                                      <m:e>
+                                        <m:r>
+                                          <a:rPr lang="en-US" sz="2300" i="1"/>
+                                          <m:t>𝑢</m:t>
+                                        </m:r>
+                                      </m:e>
+                                      <m:sub>
+                                        <m:r>
+                                          <a:rPr lang="en-US" sz="2300" i="1"/>
+                                          <m:t>1</m:t>
+                                        </m:r>
+                                      </m:sub>
+                                    </m:sSub>
+                                  </m:e>
+                                </m:d>
+                                <m:r>
+                                  <a:rPr lang="en-US" sz="2300" i="1"/>
+                                  <m:t>&gt;</m:t>
+                                </m:r>
+                                <m:d>
+                                  <m:dPr>
+                                    <m:begChr m:val="|"/>
+                                    <m:endChr m:val="|"/>
+                                    <m:ctrlPr>
+                                      <a:rPr lang="en-US" sz="2300" i="1"/>
+                                    </m:ctrlPr>
+                                  </m:dPr>
+                                  <m:e>
+                                    <m:sSub>
+                                      <m:sSubPr>
+                                        <m:ctrlPr>
+                                          <a:rPr lang="en-US" sz="2300" i="1"/>
+                                        </m:ctrlPr>
+                                      </m:sSubPr>
+                                      <m:e>
+                                        <m:r>
+                                          <a:rPr lang="en-US" sz="2300" i="1"/>
+                                          <m:t>𝑢</m:t>
+                                        </m:r>
+                                      </m:e>
+                                      <m:sub>
+                                        <m:r>
+                                          <a:rPr lang="en-US" sz="2300" i="1"/>
+                                          <m:t>2</m:t>
+                                        </m:r>
+                                      </m:sub>
+                                    </m:sSub>
+                                  </m:e>
+                                </m:d>
+                              </m:e>
+                            </m:mr>
+                          </m:m>
+                        </m:e>
+                      </m:d>
+                    </m:oMath>
+                  </m:oMathPara>
+                </a14:m>
+                <a:endParaRPr lang="en-US" sz="2300" dirty="0">
+                  <a:effectLst/>
+                  <a:latin typeface="Times New Roman" panose="02020603050405020304" pitchFamily="18" charset="0"/>
+                  <a:ea typeface="Calibri" panose="020F0502020204030204" pitchFamily="34" charset="0"/>
+                </a:endParaRPr>
+              </a:p>
+              <a:p>
+                <a:r>
+                  <a:rPr lang="en-US" sz="2300" i="1" dirty="0">
+                    <a:effectLst/>
+                    <a:latin typeface="Times New Roman" panose="02020603050405020304" pitchFamily="18" charset="0"/>
+                    <a:ea typeface="Calibri" panose="020F0502020204030204" pitchFamily="34" charset="0"/>
+                  </a:rPr>
+                  <a:t>Equal vector-length viewpoint</a:t>
+                </a:r>
+                <a:r>
+                  <a:rPr lang="en-US" sz="2300" dirty="0">
+                    <a:effectLst/>
+                    <a:latin typeface="Times New Roman" panose="02020603050405020304" pitchFamily="18" charset="0"/>
+                    <a:ea typeface="Calibri" panose="020F0502020204030204" pitchFamily="34" charset="0"/>
+                  </a:rPr>
+                  <a:t>: Reinforced factor is optimal if two vectors have equal length within the same angle.</a:t>
+                </a:r>
+              </a:p>
+              <a:p>
+                <a:pPr marL="0" indent="0">
+                  <a:buNone/>
+                </a:pPr>
+                <a:endParaRPr lang="en-US" sz="2300" dirty="0"/>
+              </a:p>
+            </p:txBody>
+          </p:sp>
+        </mc:Choice>
+        <mc:Fallback>
+          <p:sp>
+            <p:nvSpPr>
+              <p:cNvPr id="3" name="Content Placeholder 2">
+                <a:extLst>
+                  <a:ext uri="{FF2B5EF4-FFF2-40B4-BE49-F238E27FC236}">
+                    <a16:creationId xmlns:a16="http://schemas.microsoft.com/office/drawing/2014/main" id="{97711388-112E-498A-AF5F-CCA6B44167DE}"/>
+                  </a:ext>
+                </a:extLst>
+              </p:cNvPr>
+              <p:cNvSpPr>
+                <a:spLocks noGrp="1" noRot="1" noChangeAspect="1" noMove="1" noResize="1" noEditPoints="1" noAdjustHandles="1" noChangeArrowheads="1" noChangeShapeType="1" noTextEdit="1"/>
+              </p:cNvSpPr>
+              <p:nvPr>
+                <p:ph idx="1"/>
+              </p:nvPr>
+            </p:nvSpPr>
+            <p:spPr>
+              <a:xfrm>
+                <a:off x="323557" y="914399"/>
+                <a:ext cx="11535508" cy="5292438"/>
+              </a:xfrm>
+              <a:blipFill>
+                <a:blip r:embed="rId2"/>
+                <a:stretch>
+                  <a:fillRect l="-634" t="-922" r="-793"/>
+                </a:stretch>
+              </a:blipFill>
+            </p:spPr>
+            <p:txBody>
+              <a:bodyPr/>
+              <a:lstStyle/>
+              <a:p>
+                <a:r>
+                  <a:rPr lang="en-US">
+                    <a:noFill/>
+                  </a:rPr>
+                  <a:t> </a:t>
+                </a:r>
+              </a:p>
+            </p:txBody>
+          </p:sp>
+        </mc:Fallback>
+      </mc:AlternateContent>
+      <p:sp>
+        <p:nvSpPr>
+          <p:cNvPr id="4" name="Date Placeholder 3">
+            <a:extLst>
+              <a:ext uri="{FF2B5EF4-FFF2-40B4-BE49-F238E27FC236}">
+                <a16:creationId xmlns:a16="http://schemas.microsoft.com/office/drawing/2014/main" id="{3205A2F2-AA68-47F1-BD91-A27259451A83}"/>
+              </a:ext>
+            </a:extLst>
+          </p:cNvPr>
+          <p:cNvSpPr>
+            <a:spLocks noGrp="1"/>
+          </p:cNvSpPr>
+          <p:nvPr>
+            <p:ph type="dt" sz="half" idx="10"/>
           </p:nvPr>
         </p:nvSpPr>
         <p:spPr/>
@@ -5321,33 +7603,26 @@
           <a:lstStyle/>
           <a:p>
             <a:r>
-              <a:rPr lang="en-US" dirty="0" smtClean="0"/>
-              <a:t>Conclusion 1.</a:t>
-            </a:r>
-          </a:p>
-          <a:p>
-            <a:r>
-              <a:rPr lang="en-US" dirty="0" smtClean="0"/>
-              <a:t>Conclusion 2.</a:t>
-            </a:r>
-          </a:p>
-          <a:p>
-            <a:r>
-              <a:rPr lang="en-US" dirty="0" smtClean="0"/>
-              <a:t>Conclusion 3.</a:t>
-            </a:r>
-            <a:endParaRPr lang="en-US" dirty="0"/>
-          </a:p>
-        </p:txBody>
-      </p:sp>
-      <p:sp>
-        <p:nvSpPr>
-          <p:cNvPr id="4" name="Date Placeholder 3"/>
-          <p:cNvSpPr>
-            <a:spLocks noGrp="1"/>
-          </p:cNvSpPr>
-          <p:nvPr>
-            <p:ph type="dt" sz="half" idx="10"/>
+              <a:rPr lang="en-US"/>
+              <a:t>7/12/2020</a:t>
+            </a:r>
+          </a:p>
+        </p:txBody>
+      </p:sp>
+      <p:sp>
+        <p:nvSpPr>
+          <p:cNvPr id="5" name="Footer Placeholder 4">
+            <a:extLst>
+              <a:ext uri="{FF2B5EF4-FFF2-40B4-BE49-F238E27FC236}">
+                <a16:creationId xmlns:a16="http://schemas.microsoft.com/office/drawing/2014/main" id="{1222299A-5E52-43E6-B56C-510AF3AB36AD}"/>
+              </a:ext>
+            </a:extLst>
+          </p:cNvPr>
+          <p:cNvSpPr>
+            <a:spLocks noGrp="1"/>
+          </p:cNvSpPr>
+          <p:nvPr>
+            <p:ph type="ftr" sz="quarter" idx="11"/>
           </p:nvPr>
         </p:nvSpPr>
         <p:spPr/>
@@ -5355,40 +7630,22 @@
           <a:bodyPr/>
           <a:lstStyle/>
           <a:p>
-            <a:fld id="{4C080C8B-5F0B-457A-99AD-CAFD1879423D}" type="datetime1">
-              <a:rPr lang="en-US" smtClean="0"/>
-              <a:t>11/2/2017</a:t>
-            </a:fld>
-            <a:endParaRPr lang="en-US"/>
-          </a:p>
-        </p:txBody>
-      </p:sp>
-      <p:sp>
-        <p:nvSpPr>
-          <p:cNvPr id="5" name="Footer Placeholder 4"/>
-          <p:cNvSpPr>
-            <a:spLocks noGrp="1"/>
-          </p:cNvSpPr>
-          <p:nvPr>
-            <p:ph type="ftr" sz="quarter" idx="11"/>
-          </p:nvPr>
-        </p:nvSpPr>
-        <p:spPr/>
-        <p:txBody>
-          <a:bodyPr/>
-          <a:lstStyle/>
-          <a:p>
-            <a:r>
-              <a:rPr lang="en-US" smtClean="0"/>
-              <a:t>Project Title</a:t>
-            </a:r>
-            <a:endParaRPr lang="en-US"/>
-          </a:p>
-        </p:txBody>
-      </p:sp>
-      <p:sp>
-        <p:nvSpPr>
-          <p:cNvPr id="6" name="Slide Number Placeholder 5"/>
+            <a:r>
+              <a:rPr lang="en-US"/>
+              <a:t>TA measure - Loc Nguyen</a:t>
+            </a:r>
+          </a:p>
+        </p:txBody>
+      </p:sp>
+      <p:sp>
+        <p:nvSpPr>
+          <p:cNvPr id="6" name="Slide Number Placeholder 5">
+            <a:extLst>
+              <a:ext uri="{FF2B5EF4-FFF2-40B4-BE49-F238E27FC236}">
+                <a16:creationId xmlns:a16="http://schemas.microsoft.com/office/drawing/2014/main" id="{097A8F71-907A-4D7B-A13A-0DA9CBD094E9}"/>
+              </a:ext>
+            </a:extLst>
+          </p:cNvPr>
           <p:cNvSpPr>
             <a:spLocks noGrp="1"/>
           </p:cNvSpPr>
@@ -5410,23 +7667,52 @@
           </a:p>
         </p:txBody>
       </p:sp>
+      <p:pic>
+        <p:nvPicPr>
+          <p:cNvPr id="8" name="Picture 7" descr="A screenshot of a cell phone&#10;&#10;Description automatically generated">
+            <a:extLst>
+              <a:ext uri="{FF2B5EF4-FFF2-40B4-BE49-F238E27FC236}">
+                <a16:creationId xmlns:a16="http://schemas.microsoft.com/office/drawing/2014/main" id="{99DFEA34-FC9B-453D-A4E7-1ED51E985248}"/>
+              </a:ext>
+            </a:extLst>
+          </p:cNvPr>
+          <p:cNvPicPr>
+            <a:picLocks noChangeAspect="1"/>
+          </p:cNvPicPr>
+          <p:nvPr/>
+        </p:nvPicPr>
+        <p:blipFill>
+          <a:blip r:embed="rId3">
+            <a:extLst>
+              <a:ext uri="{28A0092B-C50C-407E-A947-70E740481C1C}">
+                <a14:useLocalDpi xmlns:a14="http://schemas.microsoft.com/office/drawing/2010/main" val="0"/>
+              </a:ext>
+            </a:extLst>
+          </a:blip>
+          <a:stretch>
+            <a:fillRect/>
+          </a:stretch>
+        </p:blipFill>
+        <p:spPr>
+          <a:xfrm>
+            <a:off x="4735466" y="3978828"/>
+            <a:ext cx="3642857" cy="2114286"/>
+          </a:xfrm>
+          <a:prstGeom prst="rect">
+            <a:avLst/>
+          </a:prstGeom>
+        </p:spPr>
+      </p:pic>
     </p:spTree>
     <p:extLst>
       <p:ext uri="{BB962C8B-B14F-4D97-AF65-F5344CB8AC3E}">
-        <p14:creationId xmlns:p14="http://schemas.microsoft.com/office/powerpoint/2010/main" val="3414256873"/>
+        <p14:creationId xmlns:p14="http://schemas.microsoft.com/office/powerpoint/2010/main" val="604618551"/>
       </p:ext>
     </p:extLst>
   </p:cSld>
   <p:clrMapOvr>
     <a:masterClrMapping/>
   </p:clrMapOvr>
-  <p:timing>
-    <p:tnLst>
-      <p:par>
-        <p:cTn id="1" dur="indefinite" restart="never" nodeType="tmRoot"/>
-      </p:par>
-    </p:tnLst>
-  </p:timing>
 </p:sld>
 </file>
 
@@ -5449,7 +7735,13 @@
       </p:grpSpPr>
       <p:sp>
         <p:nvSpPr>
-          <p:cNvPr id="2" name="Title 1"/>
+          <p:cNvPr id="2" name="Title 1">
+            <a:extLst>
+              <a:ext uri="{FF2B5EF4-FFF2-40B4-BE49-F238E27FC236}">
+                <a16:creationId xmlns:a16="http://schemas.microsoft.com/office/drawing/2014/main" id="{C402F57A-95C3-4A9D-820D-E30CB8F35A5C}"/>
+              </a:ext>
+            </a:extLst>
+          </p:cNvPr>
           <p:cNvSpPr>
             <a:spLocks noGrp="1"/>
           </p:cNvSpPr>
@@ -5457,30 +7749,2471 @@
             <p:ph type="title"/>
           </p:nvPr>
         </p:nvSpPr>
-        <p:spPr>
-          <a:xfrm>
-            <a:off x="838200" y="2748159"/>
-            <a:ext cx="10515600" cy="660486"/>
-          </a:xfrm>
-        </p:spPr>
-        <p:txBody>
-          <a:bodyPr>
-            <a:noAutofit/>
-          </a:bodyPr>
+        <p:spPr/>
+        <p:txBody>
+          <a:bodyPr/>
           <a:lstStyle/>
           <a:p>
-            <a:pPr algn="ctr"/>
-            <a:r>
-              <a:rPr lang="en-US" sz="5000" dirty="0" smtClean="0"/>
-              <a:t>Thank you for attention</a:t>
-            </a:r>
-            <a:endParaRPr lang="en-US" sz="5000" dirty="0"/>
-          </a:p>
-        </p:txBody>
-      </p:sp>
-      <p:sp>
-        <p:nvSpPr>
-          <p:cNvPr id="4" name="Slide Number Placeholder 3"/>
+            <a:r>
+              <a:rPr lang="en-US" dirty="0"/>
+              <a:t>2. Methodologies</a:t>
+            </a:r>
+          </a:p>
+        </p:txBody>
+      </p:sp>
+      <mc:AlternateContent xmlns:mc="http://schemas.openxmlformats.org/markup-compatibility/2006">
+        <mc:Choice xmlns:a14="http://schemas.microsoft.com/office/drawing/2010/main" Requires="a14">
+          <p:sp>
+            <p:nvSpPr>
+              <p:cNvPr id="3" name="Content Placeholder 2">
+                <a:extLst>
+                  <a:ext uri="{FF2B5EF4-FFF2-40B4-BE49-F238E27FC236}">
+                    <a16:creationId xmlns:a16="http://schemas.microsoft.com/office/drawing/2014/main" id="{452E82C1-16D7-46E9-9F18-75B931D7A635}"/>
+                  </a:ext>
+                </a:extLst>
+              </p:cNvPr>
+              <p:cNvSpPr>
+                <a:spLocks noGrp="1"/>
+              </p:cNvSpPr>
+              <p:nvPr>
+                <p:ph idx="1"/>
+              </p:nvPr>
+            </p:nvSpPr>
+            <p:spPr/>
+            <p:txBody>
+              <a:bodyPr>
+                <a:noAutofit/>
+              </a:bodyPr>
+              <a:lstStyle/>
+              <a:p>
+                <a:r>
+                  <a:rPr lang="en-US" sz="2200" dirty="0">
+                    <a:effectLst/>
+                    <a:latin typeface="Times New Roman" panose="02020603050405020304" pitchFamily="18" charset="0"/>
+                    <a:ea typeface="Calibri" panose="020F0502020204030204" pitchFamily="34" charset="0"/>
+                  </a:rPr>
+                  <a:t>TA measure is defined as product of cosine value and reinforced factor: TA(</a:t>
+                </a:r>
+                <a:r>
+                  <a:rPr lang="en-US" sz="2200" i="1" dirty="0">
+                    <a:effectLst/>
+                    <a:latin typeface="Times New Roman" panose="02020603050405020304" pitchFamily="18" charset="0"/>
+                    <a:ea typeface="Calibri" panose="020F0502020204030204" pitchFamily="34" charset="0"/>
+                  </a:rPr>
+                  <a:t>u</a:t>
+                </a:r>
+                <a:r>
+                  <a:rPr lang="en-US" sz="2200" baseline="-25000" dirty="0">
+                    <a:effectLst/>
+                    <a:latin typeface="Times New Roman" panose="02020603050405020304" pitchFamily="18" charset="0"/>
+                    <a:ea typeface="Calibri" panose="020F0502020204030204" pitchFamily="34" charset="0"/>
+                  </a:rPr>
+                  <a:t>1</a:t>
+                </a:r>
+                <a:r>
+                  <a:rPr lang="en-US" sz="2200" dirty="0">
+                    <a:effectLst/>
+                    <a:latin typeface="Times New Roman" panose="02020603050405020304" pitchFamily="18" charset="0"/>
+                    <a:ea typeface="Calibri" panose="020F0502020204030204" pitchFamily="34" charset="0"/>
+                  </a:rPr>
+                  <a:t>, </a:t>
+                </a:r>
+                <a:r>
+                  <a:rPr lang="en-US" sz="2200" i="1" dirty="0">
+                    <a:effectLst/>
+                    <a:latin typeface="Times New Roman" panose="02020603050405020304" pitchFamily="18" charset="0"/>
+                    <a:ea typeface="Calibri" panose="020F0502020204030204" pitchFamily="34" charset="0"/>
+                  </a:rPr>
+                  <a:t>u</a:t>
+                </a:r>
+                <a:r>
+                  <a:rPr lang="en-US" sz="2200" baseline="-25000" dirty="0">
+                    <a:effectLst/>
+                    <a:latin typeface="Times New Roman" panose="02020603050405020304" pitchFamily="18" charset="0"/>
+                    <a:ea typeface="Calibri" panose="020F0502020204030204" pitchFamily="34" charset="0"/>
+                  </a:rPr>
+                  <a:t>2</a:t>
+                </a:r>
+                <a:r>
+                  <a:rPr lang="en-US" sz="2200" dirty="0">
+                    <a:effectLst/>
+                    <a:latin typeface="Times New Roman" panose="02020603050405020304" pitchFamily="18" charset="0"/>
+                    <a:ea typeface="Calibri" panose="020F0502020204030204" pitchFamily="34" charset="0"/>
+                  </a:rPr>
+                  <a:t>) = </a:t>
+                </a:r>
+                <a:r>
+                  <a:rPr lang="en-US" sz="2200" i="1" dirty="0">
+                    <a:effectLst/>
+                    <a:latin typeface="Times New Roman" panose="02020603050405020304" pitchFamily="18" charset="0"/>
+                    <a:ea typeface="Calibri" panose="020F0502020204030204" pitchFamily="34" charset="0"/>
+                  </a:rPr>
+                  <a:t>k</a:t>
+                </a:r>
+                <a:r>
+                  <a:rPr lang="en-US" sz="2200" dirty="0">
+                    <a:effectLst/>
+                    <a:latin typeface="Times New Roman" panose="02020603050405020304" pitchFamily="18" charset="0"/>
+                    <a:ea typeface="Calibri" panose="020F0502020204030204" pitchFamily="34" charset="0"/>
+                  </a:rPr>
+                  <a:t>*cos(</a:t>
+                </a:r>
+                <a:r>
+                  <a:rPr lang="en-US" sz="2200" i="1" dirty="0">
+                    <a:effectLst/>
+                    <a:latin typeface="Times New Roman" panose="02020603050405020304" pitchFamily="18" charset="0"/>
+                    <a:ea typeface="Calibri" panose="020F0502020204030204" pitchFamily="34" charset="0"/>
+                  </a:rPr>
+                  <a:t>u</a:t>
+                </a:r>
+                <a:r>
+                  <a:rPr lang="en-US" sz="2200" baseline="-25000" dirty="0">
+                    <a:effectLst/>
+                    <a:latin typeface="Times New Roman" panose="02020603050405020304" pitchFamily="18" charset="0"/>
+                    <a:ea typeface="Calibri" panose="020F0502020204030204" pitchFamily="34" charset="0"/>
+                  </a:rPr>
+                  <a:t>1</a:t>
+                </a:r>
+                <a:r>
+                  <a:rPr lang="en-US" sz="2200" dirty="0">
+                    <a:effectLst/>
+                    <a:latin typeface="Times New Roman" panose="02020603050405020304" pitchFamily="18" charset="0"/>
+                    <a:ea typeface="Calibri" panose="020F0502020204030204" pitchFamily="34" charset="0"/>
+                  </a:rPr>
+                  <a:t>, </a:t>
+                </a:r>
+                <a:r>
+                  <a:rPr lang="en-US" sz="2200" i="1" dirty="0">
+                    <a:effectLst/>
+                    <a:latin typeface="Times New Roman" panose="02020603050405020304" pitchFamily="18" charset="0"/>
+                    <a:ea typeface="Calibri" panose="020F0502020204030204" pitchFamily="34" charset="0"/>
+                  </a:rPr>
+                  <a:t>u</a:t>
+                </a:r>
+                <a:r>
+                  <a:rPr lang="en-US" sz="2200" baseline="-25000" dirty="0">
+                    <a:effectLst/>
+                    <a:latin typeface="Times New Roman" panose="02020603050405020304" pitchFamily="18" charset="0"/>
+                    <a:ea typeface="Calibri" panose="020F0502020204030204" pitchFamily="34" charset="0"/>
+                  </a:rPr>
+                  <a:t>2</a:t>
+                </a:r>
+                <a:r>
+                  <a:rPr lang="en-US" sz="2200" dirty="0">
+                    <a:effectLst/>
+                    <a:latin typeface="Times New Roman" panose="02020603050405020304" pitchFamily="18" charset="0"/>
+                    <a:ea typeface="Calibri" panose="020F0502020204030204" pitchFamily="34" charset="0"/>
+                  </a:rPr>
+                  <a:t>). </a:t>
+                </a:r>
+                <a:r>
+                  <a:rPr lang="en-US" sz="2200" dirty="0">
+                    <a:ea typeface="Calibri" panose="020F0502020204030204" pitchFamily="34" charset="0"/>
+                  </a:rPr>
+                  <a:t>Let </a:t>
+                </a:r>
+                <a:r>
+                  <a:rPr lang="en-US" sz="2200" dirty="0">
+                    <a:effectLst/>
+                    <a:latin typeface="Times New Roman" panose="02020603050405020304" pitchFamily="18" charset="0"/>
+                    <a:ea typeface="Calibri" panose="020F0502020204030204" pitchFamily="34" charset="0"/>
+                  </a:rPr>
+                  <a:t>•</a:t>
+                </a:r>
+                <a:r>
+                  <a:rPr lang="en-US" sz="2200" dirty="0">
+                    <a:ea typeface="Calibri" panose="020F0502020204030204" pitchFamily="34" charset="0"/>
+                  </a:rPr>
+                  <a:t> denote dot product and let |</a:t>
+                </a:r>
+                <a:r>
+                  <a:rPr lang="en-US" sz="2200" i="1" dirty="0">
+                    <a:ea typeface="Calibri" panose="020F0502020204030204" pitchFamily="34" charset="0"/>
+                  </a:rPr>
+                  <a:t>x</a:t>
+                </a:r>
+                <a:r>
+                  <a:rPr lang="en-US" sz="2200" dirty="0">
+                    <a:ea typeface="Calibri" panose="020F0502020204030204" pitchFamily="34" charset="0"/>
+                  </a:rPr>
+                  <a:t>| denote length of vector, the full equation of TA is:</a:t>
+                </a:r>
+              </a:p>
+              <a:p>
+                <a:pPr marL="0" indent="0">
+                  <a:buNone/>
+                </a:pPr>
+                <a14:m>
+                  <m:oMathPara xmlns:m="http://schemas.openxmlformats.org/officeDocument/2006/math">
+                    <m:oMathParaPr>
+                      <m:jc m:val="centerGroup"/>
+                    </m:oMathParaPr>
+                    <m:oMath xmlns:m="http://schemas.openxmlformats.org/officeDocument/2006/math">
+                      <m:m>
+                        <m:mPr>
+                          <m:mcs>
+                            <m:mc>
+                              <m:mcPr>
+                                <m:count m:val="1"/>
+                                <m:mcJc m:val="center"/>
+                              </m:mcPr>
+                            </m:mc>
+                          </m:mcs>
+                          <m:ctrlPr>
+                            <a:rPr lang="en-US" sz="2200" i="1" smtClean="0">
+                              <a:effectLst/>
+                              <a:latin typeface="Cambria Math" panose="02040503050406030204" pitchFamily="18" charset="0"/>
+                            </a:rPr>
+                          </m:ctrlPr>
+                        </m:mPr>
+                        <m:mr>
+                          <m:e>
+                            <m:sSub>
+                              <m:sSubPr>
+                                <m:ctrlPr>
+                                  <a:rPr lang="en-US" sz="2200" i="1">
+                                    <a:effectLst/>
+                                    <a:latin typeface="Cambria Math" panose="02040503050406030204" pitchFamily="18" charset="0"/>
+                                  </a:rPr>
+                                </m:ctrlPr>
+                              </m:sSubPr>
+                              <m:e>
+                                <m:r>
+                                  <a:rPr lang="en-US" sz="2200" i="1">
+                                    <a:effectLst/>
+                                    <a:latin typeface="Cambria Math" panose="02040503050406030204" pitchFamily="18" charset="0"/>
+                                    <a:ea typeface="Calibri" panose="020F0502020204030204" pitchFamily="34" charset="0"/>
+                                    <a:cs typeface="Times New Roman" panose="02020603050405020304" pitchFamily="18" charset="0"/>
+                                  </a:rPr>
+                                  <m:t>𝑢</m:t>
+                                </m:r>
+                              </m:e>
+                              <m:sub>
+                                <m:r>
+                                  <a:rPr lang="en-US" sz="2200" i="1">
+                                    <a:effectLst/>
+                                    <a:latin typeface="Cambria Math" panose="02040503050406030204" pitchFamily="18" charset="0"/>
+                                    <a:ea typeface="Calibri" panose="020F0502020204030204" pitchFamily="34" charset="0"/>
+                                    <a:cs typeface="Times New Roman" panose="02020603050405020304" pitchFamily="18" charset="0"/>
+                                  </a:rPr>
+                                  <m:t>1</m:t>
+                                </m:r>
+                              </m:sub>
+                            </m:sSub>
+                            <m:r>
+                              <a:rPr lang="en-US" sz="2200" i="1">
+                                <a:effectLst/>
+                                <a:latin typeface="Cambria Math" panose="02040503050406030204" pitchFamily="18" charset="0"/>
+                                <a:ea typeface="Calibri" panose="020F0502020204030204" pitchFamily="34" charset="0"/>
+                                <a:cs typeface="Times New Roman" panose="02020603050405020304" pitchFamily="18" charset="0"/>
+                              </a:rPr>
+                              <m:t>⋅</m:t>
+                            </m:r>
+                            <m:sSub>
+                              <m:sSubPr>
+                                <m:ctrlPr>
+                                  <a:rPr lang="en-US" sz="2200" i="1">
+                                    <a:effectLst/>
+                                    <a:latin typeface="Cambria Math" panose="02040503050406030204" pitchFamily="18" charset="0"/>
+                                  </a:rPr>
+                                </m:ctrlPr>
+                              </m:sSubPr>
+                              <m:e>
+                                <m:r>
+                                  <a:rPr lang="en-US" sz="2200" i="1">
+                                    <a:effectLst/>
+                                    <a:latin typeface="Cambria Math" panose="02040503050406030204" pitchFamily="18" charset="0"/>
+                                    <a:ea typeface="Calibri" panose="020F0502020204030204" pitchFamily="34" charset="0"/>
+                                    <a:cs typeface="Times New Roman" panose="02020603050405020304" pitchFamily="18" charset="0"/>
+                                  </a:rPr>
+                                  <m:t>𝑢</m:t>
+                                </m:r>
+                              </m:e>
+                              <m:sub>
+                                <m:r>
+                                  <a:rPr lang="en-US" sz="2200" i="1">
+                                    <a:effectLst/>
+                                    <a:latin typeface="Cambria Math" panose="02040503050406030204" pitchFamily="18" charset="0"/>
+                                    <a:ea typeface="Calibri" panose="020F0502020204030204" pitchFamily="34" charset="0"/>
+                                    <a:cs typeface="Times New Roman" panose="02020603050405020304" pitchFamily="18" charset="0"/>
+                                  </a:rPr>
+                                  <m:t>2</m:t>
+                                </m:r>
+                              </m:sub>
+                            </m:sSub>
+                            <m:r>
+                              <a:rPr lang="en-US" sz="2200" i="1">
+                                <a:effectLst/>
+                                <a:latin typeface="Cambria Math" panose="02040503050406030204" pitchFamily="18" charset="0"/>
+                                <a:ea typeface="Calibri" panose="020F0502020204030204" pitchFamily="34" charset="0"/>
+                                <a:cs typeface="Times New Roman" panose="02020603050405020304" pitchFamily="18" charset="0"/>
+                              </a:rPr>
+                              <m:t>≥0:</m:t>
+                            </m:r>
+                            <m:r>
+                              <m:rPr>
+                                <m:sty m:val="p"/>
+                              </m:rPr>
+                              <a:rPr lang="en-US" sz="2200">
+                                <a:effectLst/>
+                                <a:latin typeface="Cambria Math" panose="02040503050406030204" pitchFamily="18" charset="0"/>
+                                <a:ea typeface="Calibri" panose="020F0502020204030204" pitchFamily="34" charset="0"/>
+                                <a:cs typeface="Times New Roman" panose="02020603050405020304" pitchFamily="18" charset="0"/>
+                              </a:rPr>
+                              <m:t>TA</m:t>
+                            </m:r>
+                            <m:d>
+                              <m:dPr>
+                                <m:ctrlPr>
+                                  <a:rPr lang="en-US" sz="2200" i="1">
+                                    <a:effectLst/>
+                                    <a:latin typeface="Cambria Math" panose="02040503050406030204" pitchFamily="18" charset="0"/>
+                                  </a:rPr>
+                                </m:ctrlPr>
+                              </m:dPr>
+                              <m:e>
+                                <m:sSub>
+                                  <m:sSubPr>
+                                    <m:ctrlPr>
+                                      <a:rPr lang="en-US" sz="2200" i="1">
+                                        <a:effectLst/>
+                                        <a:latin typeface="Cambria Math" panose="02040503050406030204" pitchFamily="18" charset="0"/>
+                                      </a:rPr>
+                                    </m:ctrlPr>
+                                  </m:sSubPr>
+                                  <m:e>
+                                    <m:r>
+                                      <a:rPr lang="en-US" sz="2200" i="1">
+                                        <a:effectLst/>
+                                        <a:latin typeface="Cambria Math" panose="02040503050406030204" pitchFamily="18" charset="0"/>
+                                        <a:ea typeface="Calibri" panose="020F0502020204030204" pitchFamily="34" charset="0"/>
+                                        <a:cs typeface="Times New Roman" panose="02020603050405020304" pitchFamily="18" charset="0"/>
+                                      </a:rPr>
+                                      <m:t>𝑢</m:t>
+                                    </m:r>
+                                  </m:e>
+                                  <m:sub>
+                                    <m:r>
+                                      <a:rPr lang="en-US" sz="2200" i="1">
+                                        <a:effectLst/>
+                                        <a:latin typeface="Cambria Math" panose="02040503050406030204" pitchFamily="18" charset="0"/>
+                                        <a:ea typeface="Calibri" panose="020F0502020204030204" pitchFamily="34" charset="0"/>
+                                        <a:cs typeface="Times New Roman" panose="02020603050405020304" pitchFamily="18" charset="0"/>
+                                      </a:rPr>
+                                      <m:t>1</m:t>
+                                    </m:r>
+                                  </m:sub>
+                                </m:sSub>
+                                <m:r>
+                                  <a:rPr lang="en-US" sz="2200" i="1">
+                                    <a:effectLst/>
+                                    <a:latin typeface="Cambria Math" panose="02040503050406030204" pitchFamily="18" charset="0"/>
+                                    <a:ea typeface="Calibri" panose="020F0502020204030204" pitchFamily="34" charset="0"/>
+                                    <a:cs typeface="Times New Roman" panose="02020603050405020304" pitchFamily="18" charset="0"/>
+                                  </a:rPr>
+                                  <m:t>,</m:t>
+                                </m:r>
+                                <m:sSub>
+                                  <m:sSubPr>
+                                    <m:ctrlPr>
+                                      <a:rPr lang="en-US" sz="2200" i="1">
+                                        <a:effectLst/>
+                                        <a:latin typeface="Cambria Math" panose="02040503050406030204" pitchFamily="18" charset="0"/>
+                                      </a:rPr>
+                                    </m:ctrlPr>
+                                  </m:sSubPr>
+                                  <m:e>
+                                    <m:r>
+                                      <a:rPr lang="en-US" sz="2200" i="1">
+                                        <a:effectLst/>
+                                        <a:latin typeface="Cambria Math" panose="02040503050406030204" pitchFamily="18" charset="0"/>
+                                        <a:ea typeface="Calibri" panose="020F0502020204030204" pitchFamily="34" charset="0"/>
+                                        <a:cs typeface="Times New Roman" panose="02020603050405020304" pitchFamily="18" charset="0"/>
+                                      </a:rPr>
+                                      <m:t>𝑢</m:t>
+                                    </m:r>
+                                  </m:e>
+                                  <m:sub>
+                                    <m:r>
+                                      <a:rPr lang="en-US" sz="2200" i="1">
+                                        <a:effectLst/>
+                                        <a:latin typeface="Cambria Math" panose="02040503050406030204" pitchFamily="18" charset="0"/>
+                                        <a:ea typeface="Calibri" panose="020F0502020204030204" pitchFamily="34" charset="0"/>
+                                        <a:cs typeface="Times New Roman" panose="02020603050405020304" pitchFamily="18" charset="0"/>
+                                      </a:rPr>
+                                      <m:t>2</m:t>
+                                    </m:r>
+                                  </m:sub>
+                                </m:sSub>
+                              </m:e>
+                            </m:d>
+                            <m:r>
+                              <a:rPr lang="en-US" sz="2200" i="1">
+                                <a:effectLst/>
+                                <a:latin typeface="Cambria Math" panose="02040503050406030204" pitchFamily="18" charset="0"/>
+                                <a:ea typeface="Calibri" panose="020F0502020204030204" pitchFamily="34" charset="0"/>
+                                <a:cs typeface="Times New Roman" panose="02020603050405020304" pitchFamily="18" charset="0"/>
+                              </a:rPr>
+                              <m:t>=</m:t>
+                            </m:r>
+                            <m:d>
+                              <m:dPr>
+                                <m:begChr m:val="{"/>
+                                <m:endChr m:val=""/>
+                                <m:ctrlPr>
+                                  <a:rPr lang="en-US" sz="2200" i="1">
+                                    <a:effectLst/>
+                                    <a:latin typeface="Cambria Math" panose="02040503050406030204" pitchFamily="18" charset="0"/>
+                                  </a:rPr>
+                                </m:ctrlPr>
+                              </m:dPr>
+                              <m:e>
+                                <m:m>
+                                  <m:mPr>
+                                    <m:mcs>
+                                      <m:mc>
+                                        <m:mcPr>
+                                          <m:count m:val="1"/>
+                                          <m:mcJc m:val="center"/>
+                                        </m:mcPr>
+                                      </m:mc>
+                                    </m:mcs>
+                                    <m:ctrlPr>
+                                      <a:rPr lang="en-US" sz="2200" i="1">
+                                        <a:effectLst/>
+                                        <a:latin typeface="Cambria Math" panose="02040503050406030204" pitchFamily="18" charset="0"/>
+                                      </a:rPr>
+                                    </m:ctrlPr>
+                                  </m:mPr>
+                                  <m:mr>
+                                    <m:e>
+                                      <m:f>
+                                        <m:fPr>
+                                          <m:ctrlPr>
+                                            <a:rPr lang="en-US" sz="2200" i="1">
+                                              <a:effectLst/>
+                                              <a:latin typeface="Cambria Math" panose="02040503050406030204" pitchFamily="18" charset="0"/>
+                                            </a:rPr>
+                                          </m:ctrlPr>
+                                        </m:fPr>
+                                        <m:num>
+                                          <m:sSup>
+                                            <m:sSupPr>
+                                              <m:ctrlPr>
+                                                <a:rPr lang="en-US" sz="2200" i="1">
+                                                  <a:effectLst/>
+                                                  <a:latin typeface="Cambria Math" panose="02040503050406030204" pitchFamily="18" charset="0"/>
+                                                </a:rPr>
+                                              </m:ctrlPr>
+                                            </m:sSupPr>
+                                            <m:e>
+                                              <m:d>
+                                                <m:dPr>
+                                                  <m:ctrlPr>
+                                                    <a:rPr lang="en-US" sz="2200" i="1">
+                                                      <a:effectLst/>
+                                                      <a:latin typeface="Cambria Math" panose="02040503050406030204" pitchFamily="18" charset="0"/>
+                                                    </a:rPr>
+                                                  </m:ctrlPr>
+                                                </m:dPr>
+                                                <m:e>
+                                                  <m:sSub>
+                                                    <m:sSubPr>
+                                                      <m:ctrlPr>
+                                                        <a:rPr lang="en-US" sz="2200" i="1">
+                                                          <a:effectLst/>
+                                                          <a:latin typeface="Cambria Math" panose="02040503050406030204" pitchFamily="18" charset="0"/>
+                                                        </a:rPr>
+                                                      </m:ctrlPr>
+                                                    </m:sSubPr>
+                                                    <m:e>
+                                                      <m:r>
+                                                        <a:rPr lang="en-US" sz="2200" i="1">
+                                                          <a:effectLst/>
+                                                          <a:latin typeface="Cambria Math" panose="02040503050406030204" pitchFamily="18" charset="0"/>
+                                                          <a:ea typeface="Calibri" panose="020F0502020204030204" pitchFamily="34" charset="0"/>
+                                                          <a:cs typeface="Times New Roman" panose="02020603050405020304" pitchFamily="18" charset="0"/>
+                                                        </a:rPr>
+                                                        <m:t>𝑢</m:t>
+                                                      </m:r>
+                                                    </m:e>
+                                                    <m:sub>
+                                                      <m:r>
+                                                        <a:rPr lang="en-US" sz="2200" i="1">
+                                                          <a:effectLst/>
+                                                          <a:latin typeface="Cambria Math" panose="02040503050406030204" pitchFamily="18" charset="0"/>
+                                                          <a:ea typeface="Calibri" panose="020F0502020204030204" pitchFamily="34" charset="0"/>
+                                                          <a:cs typeface="Times New Roman" panose="02020603050405020304" pitchFamily="18" charset="0"/>
+                                                        </a:rPr>
+                                                        <m:t>1</m:t>
+                                                      </m:r>
+                                                    </m:sub>
+                                                  </m:sSub>
+                                                  <m:r>
+                                                    <a:rPr lang="en-US" sz="2200" i="1">
+                                                      <a:effectLst/>
+                                                      <a:latin typeface="Cambria Math" panose="02040503050406030204" pitchFamily="18" charset="0"/>
+                                                      <a:ea typeface="Calibri" panose="020F0502020204030204" pitchFamily="34" charset="0"/>
+                                                      <a:cs typeface="Times New Roman" panose="02020603050405020304" pitchFamily="18" charset="0"/>
+                                                    </a:rPr>
+                                                    <m:t>⋅</m:t>
+                                                  </m:r>
+                                                  <m:sSub>
+                                                    <m:sSubPr>
+                                                      <m:ctrlPr>
+                                                        <a:rPr lang="en-US" sz="2200" i="1">
+                                                          <a:effectLst/>
+                                                          <a:latin typeface="Cambria Math" panose="02040503050406030204" pitchFamily="18" charset="0"/>
+                                                        </a:rPr>
+                                                      </m:ctrlPr>
+                                                    </m:sSubPr>
+                                                    <m:e>
+                                                      <m:r>
+                                                        <a:rPr lang="en-US" sz="2200" i="1">
+                                                          <a:effectLst/>
+                                                          <a:latin typeface="Cambria Math" panose="02040503050406030204" pitchFamily="18" charset="0"/>
+                                                          <a:ea typeface="Calibri" panose="020F0502020204030204" pitchFamily="34" charset="0"/>
+                                                          <a:cs typeface="Times New Roman" panose="02020603050405020304" pitchFamily="18" charset="0"/>
+                                                        </a:rPr>
+                                                        <m:t>𝑢</m:t>
+                                                      </m:r>
+                                                    </m:e>
+                                                    <m:sub>
+                                                      <m:r>
+                                                        <a:rPr lang="en-US" sz="2200" i="1">
+                                                          <a:effectLst/>
+                                                          <a:latin typeface="Cambria Math" panose="02040503050406030204" pitchFamily="18" charset="0"/>
+                                                          <a:ea typeface="Calibri" panose="020F0502020204030204" pitchFamily="34" charset="0"/>
+                                                          <a:cs typeface="Times New Roman" panose="02020603050405020304" pitchFamily="18" charset="0"/>
+                                                        </a:rPr>
+                                                        <m:t>2</m:t>
+                                                      </m:r>
+                                                    </m:sub>
+                                                  </m:sSub>
+                                                </m:e>
+                                              </m:d>
+                                            </m:e>
+                                            <m:sup>
+                                              <m:r>
+                                                <a:rPr lang="en-US" sz="2200" i="1">
+                                                  <a:effectLst/>
+                                                  <a:latin typeface="Cambria Math" panose="02040503050406030204" pitchFamily="18" charset="0"/>
+                                                  <a:ea typeface="Calibri" panose="020F0502020204030204" pitchFamily="34" charset="0"/>
+                                                  <a:cs typeface="Times New Roman" panose="02020603050405020304" pitchFamily="18" charset="0"/>
+                                                </a:rPr>
+                                                <m:t>2</m:t>
+                                              </m:r>
+                                            </m:sup>
+                                          </m:sSup>
+                                        </m:num>
+                                        <m:den>
+                                          <m:d>
+                                            <m:dPr>
+                                              <m:begChr m:val="|"/>
+                                              <m:endChr m:val="|"/>
+                                              <m:ctrlPr>
+                                                <a:rPr lang="en-US" sz="2200" i="1">
+                                                  <a:effectLst/>
+                                                  <a:latin typeface="Cambria Math" panose="02040503050406030204" pitchFamily="18" charset="0"/>
+                                                </a:rPr>
+                                              </m:ctrlPr>
+                                            </m:dPr>
+                                            <m:e>
+                                              <m:sSub>
+                                                <m:sSubPr>
+                                                  <m:ctrlPr>
+                                                    <a:rPr lang="en-US" sz="2200" i="1">
+                                                      <a:effectLst/>
+                                                      <a:latin typeface="Cambria Math" panose="02040503050406030204" pitchFamily="18" charset="0"/>
+                                                    </a:rPr>
+                                                  </m:ctrlPr>
+                                                </m:sSubPr>
+                                                <m:e>
+                                                  <m:r>
+                                                    <a:rPr lang="en-US" sz="2200" i="1">
+                                                      <a:effectLst/>
+                                                      <a:latin typeface="Cambria Math" panose="02040503050406030204" pitchFamily="18" charset="0"/>
+                                                      <a:ea typeface="Calibri" panose="020F0502020204030204" pitchFamily="34" charset="0"/>
+                                                      <a:cs typeface="Times New Roman" panose="02020603050405020304" pitchFamily="18" charset="0"/>
+                                                    </a:rPr>
+                                                    <m:t>𝑢</m:t>
+                                                  </m:r>
+                                                </m:e>
+                                                <m:sub>
+                                                  <m:r>
+                                                    <a:rPr lang="en-US" sz="2200" i="1">
+                                                      <a:effectLst/>
+                                                      <a:latin typeface="Cambria Math" panose="02040503050406030204" pitchFamily="18" charset="0"/>
+                                                      <a:ea typeface="Calibri" panose="020F0502020204030204" pitchFamily="34" charset="0"/>
+                                                      <a:cs typeface="Times New Roman" panose="02020603050405020304" pitchFamily="18" charset="0"/>
+                                                    </a:rPr>
+                                                    <m:t>1</m:t>
+                                                  </m:r>
+                                                </m:sub>
+                                              </m:sSub>
+                                            </m:e>
+                                          </m:d>
+                                          <m:sSup>
+                                            <m:sSupPr>
+                                              <m:ctrlPr>
+                                                <a:rPr lang="en-US" sz="2200" i="1">
+                                                  <a:effectLst/>
+                                                  <a:latin typeface="Cambria Math" panose="02040503050406030204" pitchFamily="18" charset="0"/>
+                                                </a:rPr>
+                                              </m:ctrlPr>
+                                            </m:sSupPr>
+                                            <m:e>
+                                              <m:d>
+                                                <m:dPr>
+                                                  <m:ctrlPr>
+                                                    <a:rPr lang="en-US" sz="2200" i="1">
+                                                      <a:effectLst/>
+                                                      <a:latin typeface="Cambria Math" panose="02040503050406030204" pitchFamily="18" charset="0"/>
+                                                    </a:rPr>
+                                                  </m:ctrlPr>
+                                                </m:dPr>
+                                                <m:e>
+                                                  <m:d>
+                                                    <m:dPr>
+                                                      <m:begChr m:val="|"/>
+                                                      <m:endChr m:val="|"/>
+                                                      <m:ctrlPr>
+                                                        <a:rPr lang="en-US" sz="2200" i="1">
+                                                          <a:effectLst/>
+                                                          <a:latin typeface="Cambria Math" panose="02040503050406030204" pitchFamily="18" charset="0"/>
+                                                        </a:rPr>
+                                                      </m:ctrlPr>
+                                                    </m:dPr>
+                                                    <m:e>
+                                                      <m:sSub>
+                                                        <m:sSubPr>
+                                                          <m:ctrlPr>
+                                                            <a:rPr lang="en-US" sz="2200" i="1">
+                                                              <a:effectLst/>
+                                                              <a:latin typeface="Cambria Math" panose="02040503050406030204" pitchFamily="18" charset="0"/>
+                                                            </a:rPr>
+                                                          </m:ctrlPr>
+                                                        </m:sSubPr>
+                                                        <m:e>
+                                                          <m:r>
+                                                            <a:rPr lang="en-US" sz="2200" i="1">
+                                                              <a:effectLst/>
+                                                              <a:latin typeface="Cambria Math" panose="02040503050406030204" pitchFamily="18" charset="0"/>
+                                                              <a:ea typeface="Calibri" panose="020F0502020204030204" pitchFamily="34" charset="0"/>
+                                                              <a:cs typeface="Times New Roman" panose="02020603050405020304" pitchFamily="18" charset="0"/>
+                                                            </a:rPr>
+                                                            <m:t>𝑢</m:t>
+                                                          </m:r>
+                                                        </m:e>
+                                                        <m:sub>
+                                                          <m:r>
+                                                            <a:rPr lang="en-US" sz="2200" i="1">
+                                                              <a:effectLst/>
+                                                              <a:latin typeface="Cambria Math" panose="02040503050406030204" pitchFamily="18" charset="0"/>
+                                                              <a:ea typeface="Calibri" panose="020F0502020204030204" pitchFamily="34" charset="0"/>
+                                                              <a:cs typeface="Times New Roman" panose="02020603050405020304" pitchFamily="18" charset="0"/>
+                                                            </a:rPr>
+                                                            <m:t>2</m:t>
+                                                          </m:r>
+                                                        </m:sub>
+                                                      </m:sSub>
+                                                    </m:e>
+                                                  </m:d>
+                                                </m:e>
+                                              </m:d>
+                                            </m:e>
+                                            <m:sup>
+                                              <m:r>
+                                                <a:rPr lang="en-US" sz="2200" i="1">
+                                                  <a:effectLst/>
+                                                  <a:latin typeface="Cambria Math" panose="02040503050406030204" pitchFamily="18" charset="0"/>
+                                                  <a:ea typeface="Calibri" panose="020F0502020204030204" pitchFamily="34" charset="0"/>
+                                                  <a:cs typeface="Times New Roman" panose="02020603050405020304" pitchFamily="18" charset="0"/>
+                                                </a:rPr>
+                                                <m:t>3</m:t>
+                                              </m:r>
+                                            </m:sup>
+                                          </m:sSup>
+                                        </m:den>
+                                      </m:f>
+                                      <m:r>
+                                        <m:rPr>
+                                          <m:sty m:val="p"/>
+                                        </m:rPr>
+                                        <a:rPr lang="en-US" sz="2200">
+                                          <a:effectLst/>
+                                          <a:latin typeface="Cambria Math" panose="02040503050406030204" pitchFamily="18" charset="0"/>
+                                          <a:ea typeface="Calibri" panose="020F0502020204030204" pitchFamily="34" charset="0"/>
+                                          <a:cs typeface="Times New Roman" panose="02020603050405020304" pitchFamily="18" charset="0"/>
+                                        </a:rPr>
+                                        <m:t>if</m:t>
+                                      </m:r>
+                                      <m:r>
+                                        <a:rPr lang="en-US" sz="2200" i="1">
+                                          <a:effectLst/>
+                                          <a:latin typeface="Cambria Math" panose="02040503050406030204" pitchFamily="18" charset="0"/>
+                                          <a:ea typeface="Calibri" panose="020F0502020204030204" pitchFamily="34" charset="0"/>
+                                          <a:cs typeface="Times New Roman" panose="02020603050405020304" pitchFamily="18" charset="0"/>
+                                        </a:rPr>
+                                        <m:t> </m:t>
+                                      </m:r>
+                                      <m:d>
+                                        <m:dPr>
+                                          <m:begChr m:val="|"/>
+                                          <m:endChr m:val="|"/>
+                                          <m:ctrlPr>
+                                            <a:rPr lang="en-US" sz="2200" i="1">
+                                              <a:effectLst/>
+                                              <a:latin typeface="Cambria Math" panose="02040503050406030204" pitchFamily="18" charset="0"/>
+                                            </a:rPr>
+                                          </m:ctrlPr>
+                                        </m:dPr>
+                                        <m:e>
+                                          <m:sSub>
+                                            <m:sSubPr>
+                                              <m:ctrlPr>
+                                                <a:rPr lang="en-US" sz="2200" i="1">
+                                                  <a:effectLst/>
+                                                  <a:latin typeface="Cambria Math" panose="02040503050406030204" pitchFamily="18" charset="0"/>
+                                                </a:rPr>
+                                              </m:ctrlPr>
+                                            </m:sSubPr>
+                                            <m:e>
+                                              <m:r>
+                                                <a:rPr lang="en-US" sz="2200" i="1">
+                                                  <a:effectLst/>
+                                                  <a:latin typeface="Cambria Math" panose="02040503050406030204" pitchFamily="18" charset="0"/>
+                                                  <a:ea typeface="Calibri" panose="020F0502020204030204" pitchFamily="34" charset="0"/>
+                                                  <a:cs typeface="Times New Roman" panose="02020603050405020304" pitchFamily="18" charset="0"/>
+                                                </a:rPr>
+                                                <m:t>𝑢</m:t>
+                                              </m:r>
+                                            </m:e>
+                                            <m:sub>
+                                              <m:r>
+                                                <a:rPr lang="en-US" sz="2200" i="1">
+                                                  <a:effectLst/>
+                                                  <a:latin typeface="Cambria Math" panose="02040503050406030204" pitchFamily="18" charset="0"/>
+                                                  <a:ea typeface="Calibri" panose="020F0502020204030204" pitchFamily="34" charset="0"/>
+                                                  <a:cs typeface="Times New Roman" panose="02020603050405020304" pitchFamily="18" charset="0"/>
+                                                </a:rPr>
+                                                <m:t>1</m:t>
+                                              </m:r>
+                                            </m:sub>
+                                          </m:sSub>
+                                        </m:e>
+                                      </m:d>
+                                      <m:r>
+                                        <a:rPr lang="en-US" sz="2200" i="1">
+                                          <a:effectLst/>
+                                          <a:latin typeface="Cambria Math" panose="02040503050406030204" pitchFamily="18" charset="0"/>
+                                          <a:ea typeface="Calibri" panose="020F0502020204030204" pitchFamily="34" charset="0"/>
+                                          <a:cs typeface="Times New Roman" panose="02020603050405020304" pitchFamily="18" charset="0"/>
+                                        </a:rPr>
+                                        <m:t>≤</m:t>
+                                      </m:r>
+                                      <m:d>
+                                        <m:dPr>
+                                          <m:begChr m:val="|"/>
+                                          <m:endChr m:val="|"/>
+                                          <m:ctrlPr>
+                                            <a:rPr lang="en-US" sz="2200" i="1">
+                                              <a:effectLst/>
+                                              <a:latin typeface="Cambria Math" panose="02040503050406030204" pitchFamily="18" charset="0"/>
+                                            </a:rPr>
+                                          </m:ctrlPr>
+                                        </m:dPr>
+                                        <m:e>
+                                          <m:sSub>
+                                            <m:sSubPr>
+                                              <m:ctrlPr>
+                                                <a:rPr lang="en-US" sz="2200" i="1">
+                                                  <a:effectLst/>
+                                                  <a:latin typeface="Cambria Math" panose="02040503050406030204" pitchFamily="18" charset="0"/>
+                                                </a:rPr>
+                                              </m:ctrlPr>
+                                            </m:sSubPr>
+                                            <m:e>
+                                              <m:r>
+                                                <a:rPr lang="en-US" sz="2200" i="1">
+                                                  <a:effectLst/>
+                                                  <a:latin typeface="Cambria Math" panose="02040503050406030204" pitchFamily="18" charset="0"/>
+                                                  <a:ea typeface="Calibri" panose="020F0502020204030204" pitchFamily="34" charset="0"/>
+                                                  <a:cs typeface="Times New Roman" panose="02020603050405020304" pitchFamily="18" charset="0"/>
+                                                </a:rPr>
+                                                <m:t>𝑢</m:t>
+                                              </m:r>
+                                            </m:e>
+                                            <m:sub>
+                                              <m:r>
+                                                <a:rPr lang="en-US" sz="2200" i="1">
+                                                  <a:effectLst/>
+                                                  <a:latin typeface="Cambria Math" panose="02040503050406030204" pitchFamily="18" charset="0"/>
+                                                  <a:ea typeface="Calibri" panose="020F0502020204030204" pitchFamily="34" charset="0"/>
+                                                  <a:cs typeface="Times New Roman" panose="02020603050405020304" pitchFamily="18" charset="0"/>
+                                                </a:rPr>
+                                                <m:t>2</m:t>
+                                              </m:r>
+                                            </m:sub>
+                                          </m:sSub>
+                                        </m:e>
+                                      </m:d>
+                                    </m:e>
+                                  </m:mr>
+                                  <m:mr>
+                                    <m:e>
+                                      <m:f>
+                                        <m:fPr>
+                                          <m:ctrlPr>
+                                            <a:rPr lang="en-US" sz="2200" i="1">
+                                              <a:effectLst/>
+                                              <a:latin typeface="Cambria Math" panose="02040503050406030204" pitchFamily="18" charset="0"/>
+                                            </a:rPr>
+                                          </m:ctrlPr>
+                                        </m:fPr>
+                                        <m:num>
+                                          <m:sSup>
+                                            <m:sSupPr>
+                                              <m:ctrlPr>
+                                                <a:rPr lang="en-US" sz="2200" i="1">
+                                                  <a:effectLst/>
+                                                  <a:latin typeface="Cambria Math" panose="02040503050406030204" pitchFamily="18" charset="0"/>
+                                                </a:rPr>
+                                              </m:ctrlPr>
+                                            </m:sSupPr>
+                                            <m:e>
+                                              <m:d>
+                                                <m:dPr>
+                                                  <m:ctrlPr>
+                                                    <a:rPr lang="en-US" sz="2200" i="1">
+                                                      <a:effectLst/>
+                                                      <a:latin typeface="Cambria Math" panose="02040503050406030204" pitchFamily="18" charset="0"/>
+                                                    </a:rPr>
+                                                  </m:ctrlPr>
+                                                </m:dPr>
+                                                <m:e>
+                                                  <m:sSub>
+                                                    <m:sSubPr>
+                                                      <m:ctrlPr>
+                                                        <a:rPr lang="en-US" sz="2200" i="1">
+                                                          <a:effectLst/>
+                                                          <a:latin typeface="Cambria Math" panose="02040503050406030204" pitchFamily="18" charset="0"/>
+                                                        </a:rPr>
+                                                      </m:ctrlPr>
+                                                    </m:sSubPr>
+                                                    <m:e>
+                                                      <m:r>
+                                                        <a:rPr lang="en-US" sz="2200" i="1">
+                                                          <a:effectLst/>
+                                                          <a:latin typeface="Cambria Math" panose="02040503050406030204" pitchFamily="18" charset="0"/>
+                                                          <a:ea typeface="Calibri" panose="020F0502020204030204" pitchFamily="34" charset="0"/>
+                                                          <a:cs typeface="Times New Roman" panose="02020603050405020304" pitchFamily="18" charset="0"/>
+                                                        </a:rPr>
+                                                        <m:t>𝑢</m:t>
+                                                      </m:r>
+                                                    </m:e>
+                                                    <m:sub>
+                                                      <m:r>
+                                                        <a:rPr lang="en-US" sz="2200" i="1">
+                                                          <a:effectLst/>
+                                                          <a:latin typeface="Cambria Math" panose="02040503050406030204" pitchFamily="18" charset="0"/>
+                                                          <a:ea typeface="Calibri" panose="020F0502020204030204" pitchFamily="34" charset="0"/>
+                                                          <a:cs typeface="Times New Roman" panose="02020603050405020304" pitchFamily="18" charset="0"/>
+                                                        </a:rPr>
+                                                        <m:t>1</m:t>
+                                                      </m:r>
+                                                    </m:sub>
+                                                  </m:sSub>
+                                                  <m:r>
+                                                    <a:rPr lang="en-US" sz="2200" i="1">
+                                                      <a:effectLst/>
+                                                      <a:latin typeface="Cambria Math" panose="02040503050406030204" pitchFamily="18" charset="0"/>
+                                                      <a:ea typeface="Calibri" panose="020F0502020204030204" pitchFamily="34" charset="0"/>
+                                                      <a:cs typeface="Times New Roman" panose="02020603050405020304" pitchFamily="18" charset="0"/>
+                                                    </a:rPr>
+                                                    <m:t>⋅</m:t>
+                                                  </m:r>
+                                                  <m:sSub>
+                                                    <m:sSubPr>
+                                                      <m:ctrlPr>
+                                                        <a:rPr lang="en-US" sz="2200" i="1">
+                                                          <a:effectLst/>
+                                                          <a:latin typeface="Cambria Math" panose="02040503050406030204" pitchFamily="18" charset="0"/>
+                                                        </a:rPr>
+                                                      </m:ctrlPr>
+                                                    </m:sSubPr>
+                                                    <m:e>
+                                                      <m:r>
+                                                        <a:rPr lang="en-US" sz="2200" i="1">
+                                                          <a:effectLst/>
+                                                          <a:latin typeface="Cambria Math" panose="02040503050406030204" pitchFamily="18" charset="0"/>
+                                                          <a:ea typeface="Calibri" panose="020F0502020204030204" pitchFamily="34" charset="0"/>
+                                                          <a:cs typeface="Times New Roman" panose="02020603050405020304" pitchFamily="18" charset="0"/>
+                                                        </a:rPr>
+                                                        <m:t>𝑢</m:t>
+                                                      </m:r>
+                                                    </m:e>
+                                                    <m:sub>
+                                                      <m:r>
+                                                        <a:rPr lang="en-US" sz="2200" i="1">
+                                                          <a:effectLst/>
+                                                          <a:latin typeface="Cambria Math" panose="02040503050406030204" pitchFamily="18" charset="0"/>
+                                                          <a:ea typeface="Calibri" panose="020F0502020204030204" pitchFamily="34" charset="0"/>
+                                                          <a:cs typeface="Times New Roman" panose="02020603050405020304" pitchFamily="18" charset="0"/>
+                                                        </a:rPr>
+                                                        <m:t>2</m:t>
+                                                      </m:r>
+                                                    </m:sub>
+                                                  </m:sSub>
+                                                </m:e>
+                                              </m:d>
+                                            </m:e>
+                                            <m:sup>
+                                              <m:r>
+                                                <a:rPr lang="en-US" sz="2200" i="1">
+                                                  <a:effectLst/>
+                                                  <a:latin typeface="Cambria Math" panose="02040503050406030204" pitchFamily="18" charset="0"/>
+                                                  <a:ea typeface="Calibri" panose="020F0502020204030204" pitchFamily="34" charset="0"/>
+                                                  <a:cs typeface="Times New Roman" panose="02020603050405020304" pitchFamily="18" charset="0"/>
+                                                </a:rPr>
+                                                <m:t>2</m:t>
+                                              </m:r>
+                                            </m:sup>
+                                          </m:sSup>
+                                        </m:num>
+                                        <m:den>
+                                          <m:sSup>
+                                            <m:sSupPr>
+                                              <m:ctrlPr>
+                                                <a:rPr lang="en-US" sz="2200" i="1">
+                                                  <a:effectLst/>
+                                                  <a:latin typeface="Cambria Math" panose="02040503050406030204" pitchFamily="18" charset="0"/>
+                                                </a:rPr>
+                                              </m:ctrlPr>
+                                            </m:sSupPr>
+                                            <m:e>
+                                              <m:d>
+                                                <m:dPr>
+                                                  <m:ctrlPr>
+                                                    <a:rPr lang="en-US" sz="2200" i="1">
+                                                      <a:effectLst/>
+                                                      <a:latin typeface="Cambria Math" panose="02040503050406030204" pitchFamily="18" charset="0"/>
+                                                    </a:rPr>
+                                                  </m:ctrlPr>
+                                                </m:dPr>
+                                                <m:e>
+                                                  <m:d>
+                                                    <m:dPr>
+                                                      <m:begChr m:val="|"/>
+                                                      <m:endChr m:val="|"/>
+                                                      <m:ctrlPr>
+                                                        <a:rPr lang="en-US" sz="2200" i="1">
+                                                          <a:effectLst/>
+                                                          <a:latin typeface="Cambria Math" panose="02040503050406030204" pitchFamily="18" charset="0"/>
+                                                        </a:rPr>
+                                                      </m:ctrlPr>
+                                                    </m:dPr>
+                                                    <m:e>
+                                                      <m:sSub>
+                                                        <m:sSubPr>
+                                                          <m:ctrlPr>
+                                                            <a:rPr lang="en-US" sz="2200" i="1">
+                                                              <a:effectLst/>
+                                                              <a:latin typeface="Cambria Math" panose="02040503050406030204" pitchFamily="18" charset="0"/>
+                                                            </a:rPr>
+                                                          </m:ctrlPr>
+                                                        </m:sSubPr>
+                                                        <m:e>
+                                                          <m:r>
+                                                            <a:rPr lang="en-US" sz="2200" i="1">
+                                                              <a:effectLst/>
+                                                              <a:latin typeface="Cambria Math" panose="02040503050406030204" pitchFamily="18" charset="0"/>
+                                                              <a:ea typeface="Calibri" panose="020F0502020204030204" pitchFamily="34" charset="0"/>
+                                                              <a:cs typeface="Times New Roman" panose="02020603050405020304" pitchFamily="18" charset="0"/>
+                                                            </a:rPr>
+                                                            <m:t>𝑢</m:t>
+                                                          </m:r>
+                                                        </m:e>
+                                                        <m:sub>
+                                                          <m:r>
+                                                            <a:rPr lang="en-US" sz="2200" i="1">
+                                                              <a:effectLst/>
+                                                              <a:latin typeface="Cambria Math" panose="02040503050406030204" pitchFamily="18" charset="0"/>
+                                                              <a:ea typeface="Calibri" panose="020F0502020204030204" pitchFamily="34" charset="0"/>
+                                                              <a:cs typeface="Times New Roman" panose="02020603050405020304" pitchFamily="18" charset="0"/>
+                                                            </a:rPr>
+                                                            <m:t>1</m:t>
+                                                          </m:r>
+                                                        </m:sub>
+                                                      </m:sSub>
+                                                    </m:e>
+                                                  </m:d>
+                                                </m:e>
+                                              </m:d>
+                                            </m:e>
+                                            <m:sup>
+                                              <m:r>
+                                                <a:rPr lang="en-US" sz="2200" i="1">
+                                                  <a:effectLst/>
+                                                  <a:latin typeface="Cambria Math" panose="02040503050406030204" pitchFamily="18" charset="0"/>
+                                                  <a:ea typeface="Calibri" panose="020F0502020204030204" pitchFamily="34" charset="0"/>
+                                                  <a:cs typeface="Times New Roman" panose="02020603050405020304" pitchFamily="18" charset="0"/>
+                                                </a:rPr>
+                                                <m:t>3</m:t>
+                                              </m:r>
+                                            </m:sup>
+                                          </m:sSup>
+                                          <m:d>
+                                            <m:dPr>
+                                              <m:begChr m:val="|"/>
+                                              <m:endChr m:val="|"/>
+                                              <m:ctrlPr>
+                                                <a:rPr lang="en-US" sz="2200" i="1">
+                                                  <a:effectLst/>
+                                                  <a:latin typeface="Cambria Math" panose="02040503050406030204" pitchFamily="18" charset="0"/>
+                                                </a:rPr>
+                                              </m:ctrlPr>
+                                            </m:dPr>
+                                            <m:e>
+                                              <m:sSub>
+                                                <m:sSubPr>
+                                                  <m:ctrlPr>
+                                                    <a:rPr lang="en-US" sz="2200" i="1">
+                                                      <a:effectLst/>
+                                                      <a:latin typeface="Cambria Math" panose="02040503050406030204" pitchFamily="18" charset="0"/>
+                                                    </a:rPr>
+                                                  </m:ctrlPr>
+                                                </m:sSubPr>
+                                                <m:e>
+                                                  <m:r>
+                                                    <a:rPr lang="en-US" sz="2200" i="1">
+                                                      <a:effectLst/>
+                                                      <a:latin typeface="Cambria Math" panose="02040503050406030204" pitchFamily="18" charset="0"/>
+                                                      <a:ea typeface="Calibri" panose="020F0502020204030204" pitchFamily="34" charset="0"/>
+                                                      <a:cs typeface="Times New Roman" panose="02020603050405020304" pitchFamily="18" charset="0"/>
+                                                    </a:rPr>
+                                                    <m:t>𝑢</m:t>
+                                                  </m:r>
+                                                </m:e>
+                                                <m:sub>
+                                                  <m:r>
+                                                    <a:rPr lang="en-US" sz="2200" i="1">
+                                                      <a:effectLst/>
+                                                      <a:latin typeface="Cambria Math" panose="02040503050406030204" pitchFamily="18" charset="0"/>
+                                                      <a:ea typeface="Calibri" panose="020F0502020204030204" pitchFamily="34" charset="0"/>
+                                                      <a:cs typeface="Times New Roman" panose="02020603050405020304" pitchFamily="18" charset="0"/>
+                                                    </a:rPr>
+                                                    <m:t>2</m:t>
+                                                  </m:r>
+                                                </m:sub>
+                                              </m:sSub>
+                                            </m:e>
+                                          </m:d>
+                                        </m:den>
+                                      </m:f>
+                                      <m:r>
+                                        <m:rPr>
+                                          <m:sty m:val="p"/>
+                                        </m:rPr>
+                                        <a:rPr lang="en-US" sz="2200">
+                                          <a:effectLst/>
+                                          <a:latin typeface="Cambria Math" panose="02040503050406030204" pitchFamily="18" charset="0"/>
+                                          <a:ea typeface="Calibri" panose="020F0502020204030204" pitchFamily="34" charset="0"/>
+                                          <a:cs typeface="Times New Roman" panose="02020603050405020304" pitchFamily="18" charset="0"/>
+                                        </a:rPr>
+                                        <m:t>if</m:t>
+                                      </m:r>
+                                      <m:r>
+                                        <a:rPr lang="en-US" sz="2200" i="1">
+                                          <a:effectLst/>
+                                          <a:latin typeface="Cambria Math" panose="02040503050406030204" pitchFamily="18" charset="0"/>
+                                          <a:ea typeface="Calibri" panose="020F0502020204030204" pitchFamily="34" charset="0"/>
+                                          <a:cs typeface="Times New Roman" panose="02020603050405020304" pitchFamily="18" charset="0"/>
+                                        </a:rPr>
+                                        <m:t> </m:t>
+                                      </m:r>
+                                      <m:d>
+                                        <m:dPr>
+                                          <m:begChr m:val="|"/>
+                                          <m:endChr m:val="|"/>
+                                          <m:ctrlPr>
+                                            <a:rPr lang="en-US" sz="2200" i="1">
+                                              <a:effectLst/>
+                                              <a:latin typeface="Cambria Math" panose="02040503050406030204" pitchFamily="18" charset="0"/>
+                                            </a:rPr>
+                                          </m:ctrlPr>
+                                        </m:dPr>
+                                        <m:e>
+                                          <m:sSub>
+                                            <m:sSubPr>
+                                              <m:ctrlPr>
+                                                <a:rPr lang="en-US" sz="2200" i="1">
+                                                  <a:effectLst/>
+                                                  <a:latin typeface="Cambria Math" panose="02040503050406030204" pitchFamily="18" charset="0"/>
+                                                </a:rPr>
+                                              </m:ctrlPr>
+                                            </m:sSubPr>
+                                            <m:e>
+                                              <m:r>
+                                                <a:rPr lang="en-US" sz="2200" i="1">
+                                                  <a:effectLst/>
+                                                  <a:latin typeface="Cambria Math" panose="02040503050406030204" pitchFamily="18" charset="0"/>
+                                                  <a:ea typeface="Calibri" panose="020F0502020204030204" pitchFamily="34" charset="0"/>
+                                                  <a:cs typeface="Times New Roman" panose="02020603050405020304" pitchFamily="18" charset="0"/>
+                                                </a:rPr>
+                                                <m:t>𝑢</m:t>
+                                              </m:r>
+                                            </m:e>
+                                            <m:sub>
+                                              <m:r>
+                                                <a:rPr lang="en-US" sz="2200" i="1">
+                                                  <a:effectLst/>
+                                                  <a:latin typeface="Cambria Math" panose="02040503050406030204" pitchFamily="18" charset="0"/>
+                                                  <a:ea typeface="Calibri" panose="020F0502020204030204" pitchFamily="34" charset="0"/>
+                                                  <a:cs typeface="Times New Roman" panose="02020603050405020304" pitchFamily="18" charset="0"/>
+                                                </a:rPr>
+                                                <m:t>1</m:t>
+                                              </m:r>
+                                            </m:sub>
+                                          </m:sSub>
+                                        </m:e>
+                                      </m:d>
+                                      <m:r>
+                                        <a:rPr lang="en-US" sz="2200" i="1">
+                                          <a:effectLst/>
+                                          <a:latin typeface="Cambria Math" panose="02040503050406030204" pitchFamily="18" charset="0"/>
+                                          <a:ea typeface="Calibri" panose="020F0502020204030204" pitchFamily="34" charset="0"/>
+                                          <a:cs typeface="Times New Roman" panose="02020603050405020304" pitchFamily="18" charset="0"/>
+                                        </a:rPr>
+                                        <m:t>&gt;</m:t>
+                                      </m:r>
+                                      <m:d>
+                                        <m:dPr>
+                                          <m:begChr m:val="|"/>
+                                          <m:endChr m:val="|"/>
+                                          <m:ctrlPr>
+                                            <a:rPr lang="en-US" sz="2200" i="1">
+                                              <a:effectLst/>
+                                              <a:latin typeface="Cambria Math" panose="02040503050406030204" pitchFamily="18" charset="0"/>
+                                            </a:rPr>
+                                          </m:ctrlPr>
+                                        </m:dPr>
+                                        <m:e>
+                                          <m:sSub>
+                                            <m:sSubPr>
+                                              <m:ctrlPr>
+                                                <a:rPr lang="en-US" sz="2200" i="1">
+                                                  <a:effectLst/>
+                                                  <a:latin typeface="Cambria Math" panose="02040503050406030204" pitchFamily="18" charset="0"/>
+                                                </a:rPr>
+                                              </m:ctrlPr>
+                                            </m:sSubPr>
+                                            <m:e>
+                                              <m:r>
+                                                <a:rPr lang="en-US" sz="2200" i="1">
+                                                  <a:effectLst/>
+                                                  <a:latin typeface="Cambria Math" panose="02040503050406030204" pitchFamily="18" charset="0"/>
+                                                  <a:ea typeface="Calibri" panose="020F0502020204030204" pitchFamily="34" charset="0"/>
+                                                  <a:cs typeface="Times New Roman" panose="02020603050405020304" pitchFamily="18" charset="0"/>
+                                                </a:rPr>
+                                                <m:t>𝑢</m:t>
+                                              </m:r>
+                                            </m:e>
+                                            <m:sub>
+                                              <m:r>
+                                                <a:rPr lang="en-US" sz="2200" i="1">
+                                                  <a:effectLst/>
+                                                  <a:latin typeface="Cambria Math" panose="02040503050406030204" pitchFamily="18" charset="0"/>
+                                                  <a:ea typeface="Calibri" panose="020F0502020204030204" pitchFamily="34" charset="0"/>
+                                                  <a:cs typeface="Times New Roman" panose="02020603050405020304" pitchFamily="18" charset="0"/>
+                                                </a:rPr>
+                                                <m:t>2</m:t>
+                                              </m:r>
+                                            </m:sub>
+                                          </m:sSub>
+                                        </m:e>
+                                      </m:d>
+                                    </m:e>
+                                  </m:mr>
+                                </m:m>
+                              </m:e>
+                            </m:d>
+                          </m:e>
+                        </m:mr>
+                        <m:mr>
+                          <m:e>
+                            <m:sSub>
+                              <m:sSubPr>
+                                <m:ctrlPr>
+                                  <a:rPr lang="en-US" sz="2200" i="1">
+                                    <a:effectLst/>
+                                    <a:latin typeface="Cambria Math" panose="02040503050406030204" pitchFamily="18" charset="0"/>
+                                  </a:rPr>
+                                </m:ctrlPr>
+                              </m:sSubPr>
+                              <m:e>
+                                <m:r>
+                                  <a:rPr lang="en-US" sz="2200" i="1">
+                                    <a:effectLst/>
+                                    <a:latin typeface="Cambria Math" panose="02040503050406030204" pitchFamily="18" charset="0"/>
+                                    <a:ea typeface="Calibri" panose="020F0502020204030204" pitchFamily="34" charset="0"/>
+                                    <a:cs typeface="Times New Roman" panose="02020603050405020304" pitchFamily="18" charset="0"/>
+                                  </a:rPr>
+                                  <m:t>𝑢</m:t>
+                                </m:r>
+                              </m:e>
+                              <m:sub>
+                                <m:r>
+                                  <a:rPr lang="en-US" sz="2200" i="1">
+                                    <a:effectLst/>
+                                    <a:latin typeface="Cambria Math" panose="02040503050406030204" pitchFamily="18" charset="0"/>
+                                    <a:ea typeface="Calibri" panose="020F0502020204030204" pitchFamily="34" charset="0"/>
+                                    <a:cs typeface="Times New Roman" panose="02020603050405020304" pitchFamily="18" charset="0"/>
+                                  </a:rPr>
+                                  <m:t>1</m:t>
+                                </m:r>
+                              </m:sub>
+                            </m:sSub>
+                            <m:r>
+                              <a:rPr lang="en-US" sz="2200" i="1">
+                                <a:effectLst/>
+                                <a:latin typeface="Cambria Math" panose="02040503050406030204" pitchFamily="18" charset="0"/>
+                                <a:ea typeface="Calibri" panose="020F0502020204030204" pitchFamily="34" charset="0"/>
+                                <a:cs typeface="Times New Roman" panose="02020603050405020304" pitchFamily="18" charset="0"/>
+                              </a:rPr>
+                              <m:t>⋅</m:t>
+                            </m:r>
+                            <m:sSub>
+                              <m:sSubPr>
+                                <m:ctrlPr>
+                                  <a:rPr lang="en-US" sz="2200" i="1">
+                                    <a:effectLst/>
+                                    <a:latin typeface="Cambria Math" panose="02040503050406030204" pitchFamily="18" charset="0"/>
+                                  </a:rPr>
+                                </m:ctrlPr>
+                              </m:sSubPr>
+                              <m:e>
+                                <m:r>
+                                  <a:rPr lang="en-US" sz="2200" i="1">
+                                    <a:effectLst/>
+                                    <a:latin typeface="Cambria Math" panose="02040503050406030204" pitchFamily="18" charset="0"/>
+                                    <a:ea typeface="Calibri" panose="020F0502020204030204" pitchFamily="34" charset="0"/>
+                                    <a:cs typeface="Times New Roman" panose="02020603050405020304" pitchFamily="18" charset="0"/>
+                                  </a:rPr>
+                                  <m:t>𝑢</m:t>
+                                </m:r>
+                              </m:e>
+                              <m:sub>
+                                <m:r>
+                                  <a:rPr lang="en-US" sz="2200" i="1">
+                                    <a:effectLst/>
+                                    <a:latin typeface="Cambria Math" panose="02040503050406030204" pitchFamily="18" charset="0"/>
+                                    <a:ea typeface="Calibri" panose="020F0502020204030204" pitchFamily="34" charset="0"/>
+                                    <a:cs typeface="Times New Roman" panose="02020603050405020304" pitchFamily="18" charset="0"/>
+                                  </a:rPr>
+                                  <m:t>2</m:t>
+                                </m:r>
+                              </m:sub>
+                            </m:sSub>
+                            <m:r>
+                              <a:rPr lang="en-US" sz="2200" i="1">
+                                <a:effectLst/>
+                                <a:latin typeface="Cambria Math" panose="02040503050406030204" pitchFamily="18" charset="0"/>
+                                <a:ea typeface="Calibri" panose="020F0502020204030204" pitchFamily="34" charset="0"/>
+                                <a:cs typeface="Times New Roman" panose="02020603050405020304" pitchFamily="18" charset="0"/>
+                              </a:rPr>
+                              <m:t>&lt;0:</m:t>
+                            </m:r>
+                            <m:r>
+                              <m:rPr>
+                                <m:sty m:val="p"/>
+                              </m:rPr>
+                              <a:rPr lang="en-US" sz="2200">
+                                <a:effectLst/>
+                                <a:latin typeface="Cambria Math" panose="02040503050406030204" pitchFamily="18" charset="0"/>
+                                <a:ea typeface="Calibri" panose="020F0502020204030204" pitchFamily="34" charset="0"/>
+                                <a:cs typeface="Times New Roman" panose="02020603050405020304" pitchFamily="18" charset="0"/>
+                              </a:rPr>
+                              <m:t>TA</m:t>
+                            </m:r>
+                            <m:d>
+                              <m:dPr>
+                                <m:ctrlPr>
+                                  <a:rPr lang="en-US" sz="2200" i="1">
+                                    <a:effectLst/>
+                                    <a:latin typeface="Cambria Math" panose="02040503050406030204" pitchFamily="18" charset="0"/>
+                                  </a:rPr>
+                                </m:ctrlPr>
+                              </m:dPr>
+                              <m:e>
+                                <m:sSub>
+                                  <m:sSubPr>
+                                    <m:ctrlPr>
+                                      <a:rPr lang="en-US" sz="2200" i="1">
+                                        <a:effectLst/>
+                                        <a:latin typeface="Cambria Math" panose="02040503050406030204" pitchFamily="18" charset="0"/>
+                                      </a:rPr>
+                                    </m:ctrlPr>
+                                  </m:sSubPr>
+                                  <m:e>
+                                    <m:r>
+                                      <a:rPr lang="en-US" sz="2200" i="1">
+                                        <a:effectLst/>
+                                        <a:latin typeface="Cambria Math" panose="02040503050406030204" pitchFamily="18" charset="0"/>
+                                        <a:ea typeface="Calibri" panose="020F0502020204030204" pitchFamily="34" charset="0"/>
+                                        <a:cs typeface="Times New Roman" panose="02020603050405020304" pitchFamily="18" charset="0"/>
+                                      </a:rPr>
+                                      <m:t>𝑢</m:t>
+                                    </m:r>
+                                  </m:e>
+                                  <m:sub>
+                                    <m:r>
+                                      <a:rPr lang="en-US" sz="2200" i="1">
+                                        <a:effectLst/>
+                                        <a:latin typeface="Cambria Math" panose="02040503050406030204" pitchFamily="18" charset="0"/>
+                                        <a:ea typeface="Calibri" panose="020F0502020204030204" pitchFamily="34" charset="0"/>
+                                        <a:cs typeface="Times New Roman" panose="02020603050405020304" pitchFamily="18" charset="0"/>
+                                      </a:rPr>
+                                      <m:t>1</m:t>
+                                    </m:r>
+                                  </m:sub>
+                                </m:sSub>
+                                <m:r>
+                                  <a:rPr lang="en-US" sz="2200" i="1">
+                                    <a:effectLst/>
+                                    <a:latin typeface="Cambria Math" panose="02040503050406030204" pitchFamily="18" charset="0"/>
+                                    <a:ea typeface="Calibri" panose="020F0502020204030204" pitchFamily="34" charset="0"/>
+                                    <a:cs typeface="Times New Roman" panose="02020603050405020304" pitchFamily="18" charset="0"/>
+                                  </a:rPr>
+                                  <m:t>,</m:t>
+                                </m:r>
+                                <m:sSub>
+                                  <m:sSubPr>
+                                    <m:ctrlPr>
+                                      <a:rPr lang="en-US" sz="2200" i="1">
+                                        <a:effectLst/>
+                                        <a:latin typeface="Cambria Math" panose="02040503050406030204" pitchFamily="18" charset="0"/>
+                                      </a:rPr>
+                                    </m:ctrlPr>
+                                  </m:sSubPr>
+                                  <m:e>
+                                    <m:r>
+                                      <a:rPr lang="en-US" sz="2200" i="1">
+                                        <a:effectLst/>
+                                        <a:latin typeface="Cambria Math" panose="02040503050406030204" pitchFamily="18" charset="0"/>
+                                        <a:ea typeface="Calibri" panose="020F0502020204030204" pitchFamily="34" charset="0"/>
+                                        <a:cs typeface="Times New Roman" panose="02020603050405020304" pitchFamily="18" charset="0"/>
+                                      </a:rPr>
+                                      <m:t>𝑢</m:t>
+                                    </m:r>
+                                  </m:e>
+                                  <m:sub>
+                                    <m:r>
+                                      <a:rPr lang="en-US" sz="2200" i="1">
+                                        <a:effectLst/>
+                                        <a:latin typeface="Cambria Math" panose="02040503050406030204" pitchFamily="18" charset="0"/>
+                                        <a:ea typeface="Calibri" panose="020F0502020204030204" pitchFamily="34" charset="0"/>
+                                        <a:cs typeface="Times New Roman" panose="02020603050405020304" pitchFamily="18" charset="0"/>
+                                      </a:rPr>
+                                      <m:t>2</m:t>
+                                    </m:r>
+                                  </m:sub>
+                                </m:sSub>
+                              </m:e>
+                            </m:d>
+                            <m:r>
+                              <a:rPr lang="en-US" sz="2200" i="1">
+                                <a:effectLst/>
+                                <a:latin typeface="Cambria Math" panose="02040503050406030204" pitchFamily="18" charset="0"/>
+                                <a:ea typeface="Calibri" panose="020F0502020204030204" pitchFamily="34" charset="0"/>
+                                <a:cs typeface="Times New Roman" panose="02020603050405020304" pitchFamily="18" charset="0"/>
+                              </a:rPr>
+                              <m:t>=</m:t>
+                            </m:r>
+                            <m:d>
+                              <m:dPr>
+                                <m:begChr m:val="{"/>
+                                <m:endChr m:val=""/>
+                                <m:ctrlPr>
+                                  <a:rPr lang="en-US" sz="2200" i="1">
+                                    <a:effectLst/>
+                                    <a:latin typeface="Cambria Math" panose="02040503050406030204" pitchFamily="18" charset="0"/>
+                                  </a:rPr>
+                                </m:ctrlPr>
+                              </m:dPr>
+                              <m:e>
+                                <m:m>
+                                  <m:mPr>
+                                    <m:mcs>
+                                      <m:mc>
+                                        <m:mcPr>
+                                          <m:count m:val="1"/>
+                                          <m:mcJc m:val="center"/>
+                                        </m:mcPr>
+                                      </m:mc>
+                                    </m:mcs>
+                                    <m:ctrlPr>
+                                      <a:rPr lang="en-US" sz="2200" i="1">
+                                        <a:effectLst/>
+                                        <a:latin typeface="Cambria Math" panose="02040503050406030204" pitchFamily="18" charset="0"/>
+                                      </a:rPr>
+                                    </m:ctrlPr>
+                                  </m:mPr>
+                                  <m:mr>
+                                    <m:e>
+                                      <m:f>
+                                        <m:fPr>
+                                          <m:ctrlPr>
+                                            <a:rPr lang="en-US" sz="2200" i="1">
+                                              <a:effectLst/>
+                                              <a:latin typeface="Cambria Math" panose="02040503050406030204" pitchFamily="18" charset="0"/>
+                                            </a:rPr>
+                                          </m:ctrlPr>
+                                        </m:fPr>
+                                        <m:num>
+                                          <m:sSub>
+                                            <m:sSubPr>
+                                              <m:ctrlPr>
+                                                <a:rPr lang="en-US" sz="2200" i="1">
+                                                  <a:effectLst/>
+                                                  <a:latin typeface="Cambria Math" panose="02040503050406030204" pitchFamily="18" charset="0"/>
+                                                </a:rPr>
+                                              </m:ctrlPr>
+                                            </m:sSubPr>
+                                            <m:e>
+                                              <m:r>
+                                                <a:rPr lang="en-US" sz="2200" i="1">
+                                                  <a:effectLst/>
+                                                  <a:latin typeface="Cambria Math" panose="02040503050406030204" pitchFamily="18" charset="0"/>
+                                                  <a:ea typeface="Calibri" panose="020F0502020204030204" pitchFamily="34" charset="0"/>
+                                                  <a:cs typeface="Times New Roman" panose="02020603050405020304" pitchFamily="18" charset="0"/>
+                                                </a:rPr>
+                                                <m:t>𝑢</m:t>
+                                              </m:r>
+                                            </m:e>
+                                            <m:sub>
+                                              <m:r>
+                                                <a:rPr lang="en-US" sz="2200" i="1">
+                                                  <a:effectLst/>
+                                                  <a:latin typeface="Cambria Math" panose="02040503050406030204" pitchFamily="18" charset="0"/>
+                                                  <a:ea typeface="Calibri" panose="020F0502020204030204" pitchFamily="34" charset="0"/>
+                                                  <a:cs typeface="Times New Roman" panose="02020603050405020304" pitchFamily="18" charset="0"/>
+                                                </a:rPr>
+                                                <m:t>1</m:t>
+                                              </m:r>
+                                            </m:sub>
+                                          </m:sSub>
+                                          <m:r>
+                                            <a:rPr lang="en-US" sz="2200" i="1">
+                                              <a:effectLst/>
+                                              <a:latin typeface="Cambria Math" panose="02040503050406030204" pitchFamily="18" charset="0"/>
+                                              <a:ea typeface="Calibri" panose="020F0502020204030204" pitchFamily="34" charset="0"/>
+                                              <a:cs typeface="Times New Roman" panose="02020603050405020304" pitchFamily="18" charset="0"/>
+                                            </a:rPr>
+                                            <m:t>⋅</m:t>
+                                          </m:r>
+                                          <m:sSub>
+                                            <m:sSubPr>
+                                              <m:ctrlPr>
+                                                <a:rPr lang="en-US" sz="2200" i="1">
+                                                  <a:effectLst/>
+                                                  <a:latin typeface="Cambria Math" panose="02040503050406030204" pitchFamily="18" charset="0"/>
+                                                </a:rPr>
+                                              </m:ctrlPr>
+                                            </m:sSubPr>
+                                            <m:e>
+                                              <m:r>
+                                                <a:rPr lang="en-US" sz="2200" i="1">
+                                                  <a:effectLst/>
+                                                  <a:latin typeface="Cambria Math" panose="02040503050406030204" pitchFamily="18" charset="0"/>
+                                                  <a:ea typeface="Calibri" panose="020F0502020204030204" pitchFamily="34" charset="0"/>
+                                                  <a:cs typeface="Times New Roman" panose="02020603050405020304" pitchFamily="18" charset="0"/>
+                                                </a:rPr>
+                                                <m:t>𝑢</m:t>
+                                              </m:r>
+                                            </m:e>
+                                            <m:sub>
+                                              <m:r>
+                                                <a:rPr lang="en-US" sz="2200" i="1">
+                                                  <a:effectLst/>
+                                                  <a:latin typeface="Cambria Math" panose="02040503050406030204" pitchFamily="18" charset="0"/>
+                                                  <a:ea typeface="Calibri" panose="020F0502020204030204" pitchFamily="34" charset="0"/>
+                                                  <a:cs typeface="Times New Roman" panose="02020603050405020304" pitchFamily="18" charset="0"/>
+                                                </a:rPr>
+                                                <m:t>2</m:t>
+                                              </m:r>
+                                            </m:sub>
+                                          </m:sSub>
+                                        </m:num>
+                                        <m:den>
+                                          <m:sSup>
+                                            <m:sSupPr>
+                                              <m:ctrlPr>
+                                                <a:rPr lang="en-US" sz="2200" i="1">
+                                                  <a:effectLst/>
+                                                  <a:latin typeface="Cambria Math" panose="02040503050406030204" pitchFamily="18" charset="0"/>
+                                                </a:rPr>
+                                              </m:ctrlPr>
+                                            </m:sSupPr>
+                                            <m:e>
+                                              <m:d>
+                                                <m:dPr>
+                                                  <m:ctrlPr>
+                                                    <a:rPr lang="en-US" sz="2200" i="1">
+                                                      <a:effectLst/>
+                                                      <a:latin typeface="Cambria Math" panose="02040503050406030204" pitchFamily="18" charset="0"/>
+                                                    </a:rPr>
+                                                  </m:ctrlPr>
+                                                </m:dPr>
+                                                <m:e>
+                                                  <m:d>
+                                                    <m:dPr>
+                                                      <m:begChr m:val="|"/>
+                                                      <m:endChr m:val="|"/>
+                                                      <m:ctrlPr>
+                                                        <a:rPr lang="en-US" sz="2200" i="1">
+                                                          <a:effectLst/>
+                                                          <a:latin typeface="Cambria Math" panose="02040503050406030204" pitchFamily="18" charset="0"/>
+                                                        </a:rPr>
+                                                      </m:ctrlPr>
+                                                    </m:dPr>
+                                                    <m:e>
+                                                      <m:sSub>
+                                                        <m:sSubPr>
+                                                          <m:ctrlPr>
+                                                            <a:rPr lang="en-US" sz="2200" i="1">
+                                                              <a:effectLst/>
+                                                              <a:latin typeface="Cambria Math" panose="02040503050406030204" pitchFamily="18" charset="0"/>
+                                                            </a:rPr>
+                                                          </m:ctrlPr>
+                                                        </m:sSubPr>
+                                                        <m:e>
+                                                          <m:r>
+                                                            <a:rPr lang="en-US" sz="2200" i="1">
+                                                              <a:effectLst/>
+                                                              <a:latin typeface="Cambria Math" panose="02040503050406030204" pitchFamily="18" charset="0"/>
+                                                              <a:ea typeface="Calibri" panose="020F0502020204030204" pitchFamily="34" charset="0"/>
+                                                              <a:cs typeface="Times New Roman" panose="02020603050405020304" pitchFamily="18" charset="0"/>
+                                                            </a:rPr>
+                                                            <m:t>𝑢</m:t>
+                                                          </m:r>
+                                                        </m:e>
+                                                        <m:sub>
+                                                          <m:r>
+                                                            <a:rPr lang="en-US" sz="2200" i="1">
+                                                              <a:effectLst/>
+                                                              <a:latin typeface="Cambria Math" panose="02040503050406030204" pitchFamily="18" charset="0"/>
+                                                              <a:ea typeface="Calibri" panose="020F0502020204030204" pitchFamily="34" charset="0"/>
+                                                              <a:cs typeface="Times New Roman" panose="02020603050405020304" pitchFamily="18" charset="0"/>
+                                                            </a:rPr>
+                                                            <m:t>2</m:t>
+                                                          </m:r>
+                                                        </m:sub>
+                                                      </m:sSub>
+                                                    </m:e>
+                                                  </m:d>
+                                                </m:e>
+                                              </m:d>
+                                            </m:e>
+                                            <m:sup>
+                                              <m:r>
+                                                <a:rPr lang="en-US" sz="2200" i="1">
+                                                  <a:effectLst/>
+                                                  <a:latin typeface="Cambria Math" panose="02040503050406030204" pitchFamily="18" charset="0"/>
+                                                  <a:ea typeface="Calibri" panose="020F0502020204030204" pitchFamily="34" charset="0"/>
+                                                  <a:cs typeface="Times New Roman" panose="02020603050405020304" pitchFamily="18" charset="0"/>
+                                                </a:rPr>
+                                                <m:t>2</m:t>
+                                              </m:r>
+                                            </m:sup>
+                                          </m:sSup>
+                                        </m:den>
+                                      </m:f>
+                                      <m:r>
+                                        <m:rPr>
+                                          <m:sty m:val="p"/>
+                                        </m:rPr>
+                                        <a:rPr lang="en-US" sz="2200">
+                                          <a:effectLst/>
+                                          <a:latin typeface="Cambria Math" panose="02040503050406030204" pitchFamily="18" charset="0"/>
+                                          <a:ea typeface="Calibri" panose="020F0502020204030204" pitchFamily="34" charset="0"/>
+                                          <a:cs typeface="Times New Roman" panose="02020603050405020304" pitchFamily="18" charset="0"/>
+                                        </a:rPr>
+                                        <m:t>if</m:t>
+                                      </m:r>
+                                      <m:r>
+                                        <a:rPr lang="en-US" sz="2200" i="1">
+                                          <a:effectLst/>
+                                          <a:latin typeface="Cambria Math" panose="02040503050406030204" pitchFamily="18" charset="0"/>
+                                          <a:ea typeface="Calibri" panose="020F0502020204030204" pitchFamily="34" charset="0"/>
+                                          <a:cs typeface="Times New Roman" panose="02020603050405020304" pitchFamily="18" charset="0"/>
+                                        </a:rPr>
+                                        <m:t> </m:t>
+                                      </m:r>
+                                      <m:d>
+                                        <m:dPr>
+                                          <m:begChr m:val="|"/>
+                                          <m:endChr m:val="|"/>
+                                          <m:ctrlPr>
+                                            <a:rPr lang="en-US" sz="2200" i="1">
+                                              <a:effectLst/>
+                                              <a:latin typeface="Cambria Math" panose="02040503050406030204" pitchFamily="18" charset="0"/>
+                                            </a:rPr>
+                                          </m:ctrlPr>
+                                        </m:dPr>
+                                        <m:e>
+                                          <m:sSub>
+                                            <m:sSubPr>
+                                              <m:ctrlPr>
+                                                <a:rPr lang="en-US" sz="2200" i="1">
+                                                  <a:effectLst/>
+                                                  <a:latin typeface="Cambria Math" panose="02040503050406030204" pitchFamily="18" charset="0"/>
+                                                </a:rPr>
+                                              </m:ctrlPr>
+                                            </m:sSubPr>
+                                            <m:e>
+                                              <m:r>
+                                                <a:rPr lang="en-US" sz="2200" i="1">
+                                                  <a:effectLst/>
+                                                  <a:latin typeface="Cambria Math" panose="02040503050406030204" pitchFamily="18" charset="0"/>
+                                                  <a:ea typeface="Calibri" panose="020F0502020204030204" pitchFamily="34" charset="0"/>
+                                                  <a:cs typeface="Times New Roman" panose="02020603050405020304" pitchFamily="18" charset="0"/>
+                                                </a:rPr>
+                                                <m:t>𝑢</m:t>
+                                              </m:r>
+                                            </m:e>
+                                            <m:sub>
+                                              <m:r>
+                                                <a:rPr lang="en-US" sz="2200" i="1">
+                                                  <a:effectLst/>
+                                                  <a:latin typeface="Cambria Math" panose="02040503050406030204" pitchFamily="18" charset="0"/>
+                                                  <a:ea typeface="Calibri" panose="020F0502020204030204" pitchFamily="34" charset="0"/>
+                                                  <a:cs typeface="Times New Roman" panose="02020603050405020304" pitchFamily="18" charset="0"/>
+                                                </a:rPr>
+                                                <m:t>1</m:t>
+                                              </m:r>
+                                            </m:sub>
+                                          </m:sSub>
+                                        </m:e>
+                                      </m:d>
+                                      <m:r>
+                                        <a:rPr lang="en-US" sz="2200" i="1">
+                                          <a:effectLst/>
+                                          <a:latin typeface="Cambria Math" panose="02040503050406030204" pitchFamily="18" charset="0"/>
+                                          <a:ea typeface="Calibri" panose="020F0502020204030204" pitchFamily="34" charset="0"/>
+                                          <a:cs typeface="Times New Roman" panose="02020603050405020304" pitchFamily="18" charset="0"/>
+                                        </a:rPr>
+                                        <m:t>≤</m:t>
+                                      </m:r>
+                                      <m:d>
+                                        <m:dPr>
+                                          <m:begChr m:val="|"/>
+                                          <m:endChr m:val="|"/>
+                                          <m:ctrlPr>
+                                            <a:rPr lang="en-US" sz="2200" i="1">
+                                              <a:effectLst/>
+                                              <a:latin typeface="Cambria Math" panose="02040503050406030204" pitchFamily="18" charset="0"/>
+                                            </a:rPr>
+                                          </m:ctrlPr>
+                                        </m:dPr>
+                                        <m:e>
+                                          <m:sSub>
+                                            <m:sSubPr>
+                                              <m:ctrlPr>
+                                                <a:rPr lang="en-US" sz="2200" i="1">
+                                                  <a:effectLst/>
+                                                  <a:latin typeface="Cambria Math" panose="02040503050406030204" pitchFamily="18" charset="0"/>
+                                                </a:rPr>
+                                              </m:ctrlPr>
+                                            </m:sSubPr>
+                                            <m:e>
+                                              <m:r>
+                                                <a:rPr lang="en-US" sz="2200" i="1">
+                                                  <a:effectLst/>
+                                                  <a:latin typeface="Cambria Math" panose="02040503050406030204" pitchFamily="18" charset="0"/>
+                                                  <a:ea typeface="Calibri" panose="020F0502020204030204" pitchFamily="34" charset="0"/>
+                                                  <a:cs typeface="Times New Roman" panose="02020603050405020304" pitchFamily="18" charset="0"/>
+                                                </a:rPr>
+                                                <m:t>𝑢</m:t>
+                                              </m:r>
+                                            </m:e>
+                                            <m:sub>
+                                              <m:r>
+                                                <a:rPr lang="en-US" sz="2200" i="1">
+                                                  <a:effectLst/>
+                                                  <a:latin typeface="Cambria Math" panose="02040503050406030204" pitchFamily="18" charset="0"/>
+                                                  <a:ea typeface="Calibri" panose="020F0502020204030204" pitchFamily="34" charset="0"/>
+                                                  <a:cs typeface="Times New Roman" panose="02020603050405020304" pitchFamily="18" charset="0"/>
+                                                </a:rPr>
+                                                <m:t>2</m:t>
+                                              </m:r>
+                                            </m:sub>
+                                          </m:sSub>
+                                        </m:e>
+                                      </m:d>
+                                    </m:e>
+                                  </m:mr>
+                                  <m:mr>
+                                    <m:e>
+                                      <m:f>
+                                        <m:fPr>
+                                          <m:ctrlPr>
+                                            <a:rPr lang="en-US" sz="2200" i="1">
+                                              <a:effectLst/>
+                                              <a:latin typeface="Cambria Math" panose="02040503050406030204" pitchFamily="18" charset="0"/>
+                                            </a:rPr>
+                                          </m:ctrlPr>
+                                        </m:fPr>
+                                        <m:num>
+                                          <m:sSub>
+                                            <m:sSubPr>
+                                              <m:ctrlPr>
+                                                <a:rPr lang="en-US" sz="2200" i="1">
+                                                  <a:effectLst/>
+                                                  <a:latin typeface="Cambria Math" panose="02040503050406030204" pitchFamily="18" charset="0"/>
+                                                </a:rPr>
+                                              </m:ctrlPr>
+                                            </m:sSubPr>
+                                            <m:e>
+                                              <m:r>
+                                                <a:rPr lang="en-US" sz="2200" i="1">
+                                                  <a:effectLst/>
+                                                  <a:latin typeface="Cambria Math" panose="02040503050406030204" pitchFamily="18" charset="0"/>
+                                                  <a:ea typeface="Calibri" panose="020F0502020204030204" pitchFamily="34" charset="0"/>
+                                                  <a:cs typeface="Times New Roman" panose="02020603050405020304" pitchFamily="18" charset="0"/>
+                                                </a:rPr>
+                                                <m:t>𝑢</m:t>
+                                              </m:r>
+                                            </m:e>
+                                            <m:sub>
+                                              <m:r>
+                                                <a:rPr lang="en-US" sz="2200" i="1">
+                                                  <a:effectLst/>
+                                                  <a:latin typeface="Cambria Math" panose="02040503050406030204" pitchFamily="18" charset="0"/>
+                                                  <a:ea typeface="Calibri" panose="020F0502020204030204" pitchFamily="34" charset="0"/>
+                                                  <a:cs typeface="Times New Roman" panose="02020603050405020304" pitchFamily="18" charset="0"/>
+                                                </a:rPr>
+                                                <m:t>1</m:t>
+                                              </m:r>
+                                            </m:sub>
+                                          </m:sSub>
+                                          <m:r>
+                                            <a:rPr lang="en-US" sz="2200" i="1">
+                                              <a:effectLst/>
+                                              <a:latin typeface="Cambria Math" panose="02040503050406030204" pitchFamily="18" charset="0"/>
+                                              <a:ea typeface="Calibri" panose="020F0502020204030204" pitchFamily="34" charset="0"/>
+                                              <a:cs typeface="Times New Roman" panose="02020603050405020304" pitchFamily="18" charset="0"/>
+                                            </a:rPr>
+                                            <m:t>⋅</m:t>
+                                          </m:r>
+                                          <m:sSub>
+                                            <m:sSubPr>
+                                              <m:ctrlPr>
+                                                <a:rPr lang="en-US" sz="2200" i="1">
+                                                  <a:effectLst/>
+                                                  <a:latin typeface="Cambria Math" panose="02040503050406030204" pitchFamily="18" charset="0"/>
+                                                </a:rPr>
+                                              </m:ctrlPr>
+                                            </m:sSubPr>
+                                            <m:e>
+                                              <m:r>
+                                                <a:rPr lang="en-US" sz="2200" i="1">
+                                                  <a:effectLst/>
+                                                  <a:latin typeface="Cambria Math" panose="02040503050406030204" pitchFamily="18" charset="0"/>
+                                                  <a:ea typeface="Calibri" panose="020F0502020204030204" pitchFamily="34" charset="0"/>
+                                                  <a:cs typeface="Times New Roman" panose="02020603050405020304" pitchFamily="18" charset="0"/>
+                                                </a:rPr>
+                                                <m:t>𝑢</m:t>
+                                              </m:r>
+                                            </m:e>
+                                            <m:sub>
+                                              <m:r>
+                                                <a:rPr lang="en-US" sz="2200" i="1">
+                                                  <a:effectLst/>
+                                                  <a:latin typeface="Cambria Math" panose="02040503050406030204" pitchFamily="18" charset="0"/>
+                                                  <a:ea typeface="Calibri" panose="020F0502020204030204" pitchFamily="34" charset="0"/>
+                                                  <a:cs typeface="Times New Roman" panose="02020603050405020304" pitchFamily="18" charset="0"/>
+                                                </a:rPr>
+                                                <m:t>2</m:t>
+                                              </m:r>
+                                            </m:sub>
+                                          </m:sSub>
+                                        </m:num>
+                                        <m:den>
+                                          <m:sSup>
+                                            <m:sSupPr>
+                                              <m:ctrlPr>
+                                                <a:rPr lang="en-US" sz="2200" i="1">
+                                                  <a:effectLst/>
+                                                  <a:latin typeface="Cambria Math" panose="02040503050406030204" pitchFamily="18" charset="0"/>
+                                                </a:rPr>
+                                              </m:ctrlPr>
+                                            </m:sSupPr>
+                                            <m:e>
+                                              <m:d>
+                                                <m:dPr>
+                                                  <m:ctrlPr>
+                                                    <a:rPr lang="en-US" sz="2200" i="1">
+                                                      <a:effectLst/>
+                                                      <a:latin typeface="Cambria Math" panose="02040503050406030204" pitchFamily="18" charset="0"/>
+                                                    </a:rPr>
+                                                  </m:ctrlPr>
+                                                </m:dPr>
+                                                <m:e>
+                                                  <m:d>
+                                                    <m:dPr>
+                                                      <m:begChr m:val="|"/>
+                                                      <m:endChr m:val="|"/>
+                                                      <m:ctrlPr>
+                                                        <a:rPr lang="en-US" sz="2200" i="1">
+                                                          <a:effectLst/>
+                                                          <a:latin typeface="Cambria Math" panose="02040503050406030204" pitchFamily="18" charset="0"/>
+                                                        </a:rPr>
+                                                      </m:ctrlPr>
+                                                    </m:dPr>
+                                                    <m:e>
+                                                      <m:sSub>
+                                                        <m:sSubPr>
+                                                          <m:ctrlPr>
+                                                            <a:rPr lang="en-US" sz="2200" i="1">
+                                                              <a:effectLst/>
+                                                              <a:latin typeface="Cambria Math" panose="02040503050406030204" pitchFamily="18" charset="0"/>
+                                                            </a:rPr>
+                                                          </m:ctrlPr>
+                                                        </m:sSubPr>
+                                                        <m:e>
+                                                          <m:r>
+                                                            <a:rPr lang="en-US" sz="2200" i="1">
+                                                              <a:effectLst/>
+                                                              <a:latin typeface="Cambria Math" panose="02040503050406030204" pitchFamily="18" charset="0"/>
+                                                              <a:ea typeface="Calibri" panose="020F0502020204030204" pitchFamily="34" charset="0"/>
+                                                              <a:cs typeface="Times New Roman" panose="02020603050405020304" pitchFamily="18" charset="0"/>
+                                                            </a:rPr>
+                                                            <m:t>𝑢</m:t>
+                                                          </m:r>
+                                                        </m:e>
+                                                        <m:sub>
+                                                          <m:r>
+                                                            <a:rPr lang="en-US" sz="2200" i="1">
+                                                              <a:effectLst/>
+                                                              <a:latin typeface="Cambria Math" panose="02040503050406030204" pitchFamily="18" charset="0"/>
+                                                              <a:ea typeface="Calibri" panose="020F0502020204030204" pitchFamily="34" charset="0"/>
+                                                              <a:cs typeface="Times New Roman" panose="02020603050405020304" pitchFamily="18" charset="0"/>
+                                                            </a:rPr>
+                                                            <m:t>1</m:t>
+                                                          </m:r>
+                                                        </m:sub>
+                                                      </m:sSub>
+                                                    </m:e>
+                                                  </m:d>
+                                                </m:e>
+                                              </m:d>
+                                            </m:e>
+                                            <m:sup>
+                                              <m:r>
+                                                <a:rPr lang="en-US" sz="2200" i="1">
+                                                  <a:effectLst/>
+                                                  <a:latin typeface="Cambria Math" panose="02040503050406030204" pitchFamily="18" charset="0"/>
+                                                  <a:ea typeface="Calibri" panose="020F0502020204030204" pitchFamily="34" charset="0"/>
+                                                  <a:cs typeface="Times New Roman" panose="02020603050405020304" pitchFamily="18" charset="0"/>
+                                                </a:rPr>
+                                                <m:t>2</m:t>
+                                              </m:r>
+                                            </m:sup>
+                                          </m:sSup>
+                                        </m:den>
+                                      </m:f>
+                                      <m:r>
+                                        <m:rPr>
+                                          <m:sty m:val="p"/>
+                                        </m:rPr>
+                                        <a:rPr lang="en-US" sz="2200">
+                                          <a:effectLst/>
+                                          <a:latin typeface="Cambria Math" panose="02040503050406030204" pitchFamily="18" charset="0"/>
+                                          <a:ea typeface="Calibri" panose="020F0502020204030204" pitchFamily="34" charset="0"/>
+                                          <a:cs typeface="Times New Roman" panose="02020603050405020304" pitchFamily="18" charset="0"/>
+                                        </a:rPr>
+                                        <m:t>if</m:t>
+                                      </m:r>
+                                      <m:r>
+                                        <a:rPr lang="en-US" sz="2200" i="1">
+                                          <a:effectLst/>
+                                          <a:latin typeface="Cambria Math" panose="02040503050406030204" pitchFamily="18" charset="0"/>
+                                          <a:ea typeface="Calibri" panose="020F0502020204030204" pitchFamily="34" charset="0"/>
+                                          <a:cs typeface="Times New Roman" panose="02020603050405020304" pitchFamily="18" charset="0"/>
+                                        </a:rPr>
+                                        <m:t> </m:t>
+                                      </m:r>
+                                      <m:d>
+                                        <m:dPr>
+                                          <m:begChr m:val="|"/>
+                                          <m:endChr m:val="|"/>
+                                          <m:ctrlPr>
+                                            <a:rPr lang="en-US" sz="2200" i="1">
+                                              <a:effectLst/>
+                                              <a:latin typeface="Cambria Math" panose="02040503050406030204" pitchFamily="18" charset="0"/>
+                                            </a:rPr>
+                                          </m:ctrlPr>
+                                        </m:dPr>
+                                        <m:e>
+                                          <m:sSub>
+                                            <m:sSubPr>
+                                              <m:ctrlPr>
+                                                <a:rPr lang="en-US" sz="2200" i="1">
+                                                  <a:effectLst/>
+                                                  <a:latin typeface="Cambria Math" panose="02040503050406030204" pitchFamily="18" charset="0"/>
+                                                </a:rPr>
+                                              </m:ctrlPr>
+                                            </m:sSubPr>
+                                            <m:e>
+                                              <m:r>
+                                                <a:rPr lang="en-US" sz="2200" i="1">
+                                                  <a:effectLst/>
+                                                  <a:latin typeface="Cambria Math" panose="02040503050406030204" pitchFamily="18" charset="0"/>
+                                                  <a:ea typeface="Calibri" panose="020F0502020204030204" pitchFamily="34" charset="0"/>
+                                                  <a:cs typeface="Times New Roman" panose="02020603050405020304" pitchFamily="18" charset="0"/>
+                                                </a:rPr>
+                                                <m:t>𝑢</m:t>
+                                              </m:r>
+                                            </m:e>
+                                            <m:sub>
+                                              <m:r>
+                                                <a:rPr lang="en-US" sz="2200" i="1">
+                                                  <a:effectLst/>
+                                                  <a:latin typeface="Cambria Math" panose="02040503050406030204" pitchFamily="18" charset="0"/>
+                                                  <a:ea typeface="Calibri" panose="020F0502020204030204" pitchFamily="34" charset="0"/>
+                                                  <a:cs typeface="Times New Roman" panose="02020603050405020304" pitchFamily="18" charset="0"/>
+                                                </a:rPr>
+                                                <m:t>1</m:t>
+                                              </m:r>
+                                            </m:sub>
+                                          </m:sSub>
+                                        </m:e>
+                                      </m:d>
+                                      <m:r>
+                                        <a:rPr lang="en-US" sz="2200" i="1">
+                                          <a:effectLst/>
+                                          <a:latin typeface="Cambria Math" panose="02040503050406030204" pitchFamily="18" charset="0"/>
+                                          <a:ea typeface="Calibri" panose="020F0502020204030204" pitchFamily="34" charset="0"/>
+                                          <a:cs typeface="Times New Roman" panose="02020603050405020304" pitchFamily="18" charset="0"/>
+                                        </a:rPr>
+                                        <m:t>&gt;</m:t>
+                                      </m:r>
+                                      <m:d>
+                                        <m:dPr>
+                                          <m:begChr m:val="|"/>
+                                          <m:endChr m:val="|"/>
+                                          <m:ctrlPr>
+                                            <a:rPr lang="en-US" sz="2200" i="1">
+                                              <a:effectLst/>
+                                              <a:latin typeface="Cambria Math" panose="02040503050406030204" pitchFamily="18" charset="0"/>
+                                            </a:rPr>
+                                          </m:ctrlPr>
+                                        </m:dPr>
+                                        <m:e>
+                                          <m:sSub>
+                                            <m:sSubPr>
+                                              <m:ctrlPr>
+                                                <a:rPr lang="en-US" sz="2200" i="1">
+                                                  <a:effectLst/>
+                                                  <a:latin typeface="Cambria Math" panose="02040503050406030204" pitchFamily="18" charset="0"/>
+                                                </a:rPr>
+                                              </m:ctrlPr>
+                                            </m:sSubPr>
+                                            <m:e>
+                                              <m:r>
+                                                <a:rPr lang="en-US" sz="2200" i="1">
+                                                  <a:effectLst/>
+                                                  <a:latin typeface="Cambria Math" panose="02040503050406030204" pitchFamily="18" charset="0"/>
+                                                  <a:ea typeface="Calibri" panose="020F0502020204030204" pitchFamily="34" charset="0"/>
+                                                  <a:cs typeface="Times New Roman" panose="02020603050405020304" pitchFamily="18" charset="0"/>
+                                                </a:rPr>
+                                                <m:t>𝑢</m:t>
+                                              </m:r>
+                                            </m:e>
+                                            <m:sub>
+                                              <m:r>
+                                                <a:rPr lang="en-US" sz="2200" i="1">
+                                                  <a:effectLst/>
+                                                  <a:latin typeface="Cambria Math" panose="02040503050406030204" pitchFamily="18" charset="0"/>
+                                                  <a:ea typeface="Calibri" panose="020F0502020204030204" pitchFamily="34" charset="0"/>
+                                                  <a:cs typeface="Times New Roman" panose="02020603050405020304" pitchFamily="18" charset="0"/>
+                                                </a:rPr>
+                                                <m:t>2</m:t>
+                                              </m:r>
+                                            </m:sub>
+                                          </m:sSub>
+                                        </m:e>
+                                      </m:d>
+                                    </m:e>
+                                  </m:mr>
+                                </m:m>
+                              </m:e>
+                            </m:d>
+                          </m:e>
+                        </m:mr>
+                      </m:m>
+                    </m:oMath>
+                  </m:oMathPara>
+                </a14:m>
+                <a:endParaRPr lang="en-US" sz="2200" dirty="0">
+                  <a:effectLst/>
+                  <a:latin typeface="Times New Roman" panose="02020603050405020304" pitchFamily="18" charset="0"/>
+                  <a:ea typeface="Calibri" panose="020F0502020204030204" pitchFamily="34" charset="0"/>
+                </a:endParaRPr>
+              </a:p>
+              <a:p>
+                <a:r>
+                  <a:rPr lang="en-US" sz="2200" dirty="0">
+                    <a:effectLst/>
+                    <a:latin typeface="Times New Roman" panose="02020603050405020304" pitchFamily="18" charset="0"/>
+                    <a:ea typeface="Times New Roman" panose="02020603050405020304" pitchFamily="18" charset="0"/>
+                  </a:rPr>
+                  <a:t>TAJ is the combined measure which combines TA and Jaccard as follows:</a:t>
+                </a:r>
+              </a:p>
+              <a:p>
+                <a:pPr marL="0" indent="0">
+                  <a:buNone/>
+                </a:pPr>
+                <a14:m>
+                  <m:oMathPara xmlns:m="http://schemas.openxmlformats.org/officeDocument/2006/math">
+                    <m:oMathParaPr>
+                      <m:jc m:val="centerGroup"/>
+                    </m:oMathParaPr>
+                    <m:oMath xmlns:m="http://schemas.openxmlformats.org/officeDocument/2006/math">
+                      <m:r>
+                        <m:rPr>
+                          <m:sty m:val="p"/>
+                        </m:rPr>
+                        <a:rPr lang="en-US" sz="2200" smtClean="0">
+                          <a:effectLst/>
+                          <a:latin typeface="Cambria Math" panose="02040503050406030204" pitchFamily="18" charset="0"/>
+                          <a:ea typeface="Calibri" panose="020F0502020204030204" pitchFamily="34" charset="0"/>
+                          <a:cs typeface="Times New Roman" panose="02020603050405020304" pitchFamily="18" charset="0"/>
+                        </a:rPr>
+                        <m:t>TAJ</m:t>
+                      </m:r>
+                      <m:d>
+                        <m:dPr>
+                          <m:ctrlPr>
+                            <a:rPr lang="en-US" sz="2200" i="1">
+                              <a:effectLst/>
+                              <a:latin typeface="Cambria Math" panose="02040503050406030204" pitchFamily="18" charset="0"/>
+                            </a:rPr>
+                          </m:ctrlPr>
+                        </m:dPr>
+                        <m:e>
+                          <m:sSub>
+                            <m:sSubPr>
+                              <m:ctrlPr>
+                                <a:rPr lang="en-US" sz="2200" i="1">
+                                  <a:effectLst/>
+                                  <a:latin typeface="Cambria Math" panose="02040503050406030204" pitchFamily="18" charset="0"/>
+                                </a:rPr>
+                              </m:ctrlPr>
+                            </m:sSubPr>
+                            <m:e>
+                              <m:r>
+                                <a:rPr lang="en-US" sz="2200" i="1">
+                                  <a:effectLst/>
+                                  <a:latin typeface="Cambria Math" panose="02040503050406030204" pitchFamily="18" charset="0"/>
+                                  <a:ea typeface="Calibri" panose="020F0502020204030204" pitchFamily="34" charset="0"/>
+                                  <a:cs typeface="Times New Roman" panose="02020603050405020304" pitchFamily="18" charset="0"/>
+                                </a:rPr>
+                                <m:t>𝑢</m:t>
+                              </m:r>
+                            </m:e>
+                            <m:sub>
+                              <m:r>
+                                <a:rPr lang="en-US" sz="2200" i="1">
+                                  <a:effectLst/>
+                                  <a:latin typeface="Cambria Math" panose="02040503050406030204" pitchFamily="18" charset="0"/>
+                                  <a:ea typeface="Calibri" panose="020F0502020204030204" pitchFamily="34" charset="0"/>
+                                  <a:cs typeface="Times New Roman" panose="02020603050405020304" pitchFamily="18" charset="0"/>
+                                </a:rPr>
+                                <m:t>1</m:t>
+                              </m:r>
+                            </m:sub>
+                          </m:sSub>
+                          <m:r>
+                            <a:rPr lang="en-US" sz="2200" i="1">
+                              <a:effectLst/>
+                              <a:latin typeface="Cambria Math" panose="02040503050406030204" pitchFamily="18" charset="0"/>
+                              <a:ea typeface="Calibri" panose="020F0502020204030204" pitchFamily="34" charset="0"/>
+                              <a:cs typeface="Times New Roman" panose="02020603050405020304" pitchFamily="18" charset="0"/>
+                            </a:rPr>
+                            <m:t>,</m:t>
+                          </m:r>
+                          <m:sSub>
+                            <m:sSubPr>
+                              <m:ctrlPr>
+                                <a:rPr lang="en-US" sz="2200" i="1">
+                                  <a:effectLst/>
+                                  <a:latin typeface="Cambria Math" panose="02040503050406030204" pitchFamily="18" charset="0"/>
+                                </a:rPr>
+                              </m:ctrlPr>
+                            </m:sSubPr>
+                            <m:e>
+                              <m:r>
+                                <a:rPr lang="en-US" sz="2200" i="1">
+                                  <a:effectLst/>
+                                  <a:latin typeface="Cambria Math" panose="02040503050406030204" pitchFamily="18" charset="0"/>
+                                  <a:ea typeface="Calibri" panose="020F0502020204030204" pitchFamily="34" charset="0"/>
+                                  <a:cs typeface="Times New Roman" panose="02020603050405020304" pitchFamily="18" charset="0"/>
+                                </a:rPr>
+                                <m:t>𝑢</m:t>
+                              </m:r>
+                            </m:e>
+                            <m:sub>
+                              <m:r>
+                                <a:rPr lang="en-US" sz="2200" i="1">
+                                  <a:effectLst/>
+                                  <a:latin typeface="Cambria Math" panose="02040503050406030204" pitchFamily="18" charset="0"/>
+                                  <a:ea typeface="Calibri" panose="020F0502020204030204" pitchFamily="34" charset="0"/>
+                                  <a:cs typeface="Times New Roman" panose="02020603050405020304" pitchFamily="18" charset="0"/>
+                                </a:rPr>
+                                <m:t>2</m:t>
+                              </m:r>
+                            </m:sub>
+                          </m:sSub>
+                        </m:e>
+                      </m:d>
+                      <m:r>
+                        <a:rPr lang="en-US" sz="2200" i="1">
+                          <a:effectLst/>
+                          <a:latin typeface="Cambria Math" panose="02040503050406030204" pitchFamily="18" charset="0"/>
+                          <a:ea typeface="Calibri" panose="020F0502020204030204" pitchFamily="34" charset="0"/>
+                          <a:cs typeface="Times New Roman" panose="02020603050405020304" pitchFamily="18" charset="0"/>
+                        </a:rPr>
+                        <m:t>=</m:t>
+                      </m:r>
+                      <m:r>
+                        <m:rPr>
+                          <m:sty m:val="p"/>
+                        </m:rPr>
+                        <a:rPr lang="en-US" sz="2200">
+                          <a:effectLst/>
+                          <a:latin typeface="Cambria Math" panose="02040503050406030204" pitchFamily="18" charset="0"/>
+                          <a:ea typeface="Calibri" panose="020F0502020204030204" pitchFamily="34" charset="0"/>
+                          <a:cs typeface="Times New Roman" panose="02020603050405020304" pitchFamily="18" charset="0"/>
+                        </a:rPr>
+                        <m:t>TA</m:t>
+                      </m:r>
+                      <m:d>
+                        <m:dPr>
+                          <m:ctrlPr>
+                            <a:rPr lang="en-US" sz="2200" i="1">
+                              <a:effectLst/>
+                              <a:latin typeface="Cambria Math" panose="02040503050406030204" pitchFamily="18" charset="0"/>
+                            </a:rPr>
+                          </m:ctrlPr>
+                        </m:dPr>
+                        <m:e>
+                          <m:sSub>
+                            <m:sSubPr>
+                              <m:ctrlPr>
+                                <a:rPr lang="en-US" sz="2200" i="1">
+                                  <a:effectLst/>
+                                  <a:latin typeface="Cambria Math" panose="02040503050406030204" pitchFamily="18" charset="0"/>
+                                </a:rPr>
+                              </m:ctrlPr>
+                            </m:sSubPr>
+                            <m:e>
+                              <m:r>
+                                <a:rPr lang="en-US" sz="2200" i="1">
+                                  <a:effectLst/>
+                                  <a:latin typeface="Cambria Math" panose="02040503050406030204" pitchFamily="18" charset="0"/>
+                                  <a:ea typeface="Calibri" panose="020F0502020204030204" pitchFamily="34" charset="0"/>
+                                  <a:cs typeface="Times New Roman" panose="02020603050405020304" pitchFamily="18" charset="0"/>
+                                </a:rPr>
+                                <m:t>𝑢</m:t>
+                              </m:r>
+                            </m:e>
+                            <m:sub>
+                              <m:r>
+                                <a:rPr lang="en-US" sz="2200" i="1">
+                                  <a:effectLst/>
+                                  <a:latin typeface="Cambria Math" panose="02040503050406030204" pitchFamily="18" charset="0"/>
+                                  <a:ea typeface="Calibri" panose="020F0502020204030204" pitchFamily="34" charset="0"/>
+                                  <a:cs typeface="Times New Roman" panose="02020603050405020304" pitchFamily="18" charset="0"/>
+                                </a:rPr>
+                                <m:t>1</m:t>
+                              </m:r>
+                            </m:sub>
+                          </m:sSub>
+                          <m:r>
+                            <a:rPr lang="en-US" sz="2200" i="1">
+                              <a:effectLst/>
+                              <a:latin typeface="Cambria Math" panose="02040503050406030204" pitchFamily="18" charset="0"/>
+                              <a:ea typeface="Calibri" panose="020F0502020204030204" pitchFamily="34" charset="0"/>
+                              <a:cs typeface="Times New Roman" panose="02020603050405020304" pitchFamily="18" charset="0"/>
+                            </a:rPr>
+                            <m:t>,</m:t>
+                          </m:r>
+                          <m:sSub>
+                            <m:sSubPr>
+                              <m:ctrlPr>
+                                <a:rPr lang="en-US" sz="2200" i="1">
+                                  <a:effectLst/>
+                                  <a:latin typeface="Cambria Math" panose="02040503050406030204" pitchFamily="18" charset="0"/>
+                                </a:rPr>
+                              </m:ctrlPr>
+                            </m:sSubPr>
+                            <m:e>
+                              <m:r>
+                                <a:rPr lang="en-US" sz="2200" i="1">
+                                  <a:effectLst/>
+                                  <a:latin typeface="Cambria Math" panose="02040503050406030204" pitchFamily="18" charset="0"/>
+                                  <a:ea typeface="Calibri" panose="020F0502020204030204" pitchFamily="34" charset="0"/>
+                                  <a:cs typeface="Times New Roman" panose="02020603050405020304" pitchFamily="18" charset="0"/>
+                                </a:rPr>
+                                <m:t>𝑢</m:t>
+                              </m:r>
+                            </m:e>
+                            <m:sub>
+                              <m:r>
+                                <a:rPr lang="en-US" sz="2200" i="1">
+                                  <a:effectLst/>
+                                  <a:latin typeface="Cambria Math" panose="02040503050406030204" pitchFamily="18" charset="0"/>
+                                  <a:ea typeface="Calibri" panose="020F0502020204030204" pitchFamily="34" charset="0"/>
+                                  <a:cs typeface="Times New Roman" panose="02020603050405020304" pitchFamily="18" charset="0"/>
+                                </a:rPr>
+                                <m:t>2</m:t>
+                              </m:r>
+                            </m:sub>
+                          </m:sSub>
+                        </m:e>
+                      </m:d>
+                      <m:r>
+                        <a:rPr lang="en-US" sz="2200" i="1">
+                          <a:effectLst/>
+                          <a:latin typeface="Cambria Math" panose="02040503050406030204" pitchFamily="18" charset="0"/>
+                          <a:ea typeface="Calibri" panose="020F0502020204030204" pitchFamily="34" charset="0"/>
+                          <a:cs typeface="Times New Roman" panose="02020603050405020304" pitchFamily="18" charset="0"/>
+                        </a:rPr>
+                        <m:t>∗</m:t>
+                      </m:r>
+                      <m:r>
+                        <m:rPr>
+                          <m:sty m:val="p"/>
+                        </m:rPr>
+                        <a:rPr lang="en-US" sz="2200" i="0">
+                          <a:effectLst/>
+                          <a:latin typeface="Cambria Math" panose="02040503050406030204" pitchFamily="18" charset="0"/>
+                          <a:ea typeface="Calibri" panose="020F0502020204030204" pitchFamily="34" charset="0"/>
+                          <a:cs typeface="Times New Roman" panose="02020603050405020304" pitchFamily="18" charset="0"/>
+                        </a:rPr>
+                        <m:t>Jaccard</m:t>
+                      </m:r>
+                      <m:d>
+                        <m:dPr>
+                          <m:ctrlPr>
+                            <a:rPr lang="en-US" sz="2200" i="1">
+                              <a:effectLst/>
+                              <a:latin typeface="Cambria Math" panose="02040503050406030204" pitchFamily="18" charset="0"/>
+                            </a:rPr>
+                          </m:ctrlPr>
+                        </m:dPr>
+                        <m:e>
+                          <m:sSub>
+                            <m:sSubPr>
+                              <m:ctrlPr>
+                                <a:rPr lang="en-US" sz="2200" i="1">
+                                  <a:effectLst/>
+                                  <a:latin typeface="Cambria Math" panose="02040503050406030204" pitchFamily="18" charset="0"/>
+                                </a:rPr>
+                              </m:ctrlPr>
+                            </m:sSubPr>
+                            <m:e>
+                              <m:r>
+                                <a:rPr lang="en-US" sz="2200" i="1">
+                                  <a:effectLst/>
+                                  <a:latin typeface="Cambria Math" panose="02040503050406030204" pitchFamily="18" charset="0"/>
+                                  <a:ea typeface="Calibri" panose="020F0502020204030204" pitchFamily="34" charset="0"/>
+                                  <a:cs typeface="Times New Roman" panose="02020603050405020304" pitchFamily="18" charset="0"/>
+                                </a:rPr>
+                                <m:t>𝑢</m:t>
+                              </m:r>
+                            </m:e>
+                            <m:sub>
+                              <m:r>
+                                <a:rPr lang="en-US" sz="2200" i="1">
+                                  <a:effectLst/>
+                                  <a:latin typeface="Cambria Math" panose="02040503050406030204" pitchFamily="18" charset="0"/>
+                                  <a:ea typeface="Calibri" panose="020F0502020204030204" pitchFamily="34" charset="0"/>
+                                  <a:cs typeface="Times New Roman" panose="02020603050405020304" pitchFamily="18" charset="0"/>
+                                </a:rPr>
+                                <m:t>1</m:t>
+                              </m:r>
+                            </m:sub>
+                          </m:sSub>
+                          <m:r>
+                            <a:rPr lang="en-US" sz="2200" i="1">
+                              <a:effectLst/>
+                              <a:latin typeface="Cambria Math" panose="02040503050406030204" pitchFamily="18" charset="0"/>
+                              <a:ea typeface="Calibri" panose="020F0502020204030204" pitchFamily="34" charset="0"/>
+                              <a:cs typeface="Times New Roman" panose="02020603050405020304" pitchFamily="18" charset="0"/>
+                            </a:rPr>
+                            <m:t>,</m:t>
+                          </m:r>
+                          <m:sSub>
+                            <m:sSubPr>
+                              <m:ctrlPr>
+                                <a:rPr lang="en-US" sz="2200" i="1">
+                                  <a:effectLst/>
+                                  <a:latin typeface="Cambria Math" panose="02040503050406030204" pitchFamily="18" charset="0"/>
+                                </a:rPr>
+                              </m:ctrlPr>
+                            </m:sSubPr>
+                            <m:e>
+                              <m:r>
+                                <a:rPr lang="en-US" sz="2200" i="1">
+                                  <a:effectLst/>
+                                  <a:latin typeface="Cambria Math" panose="02040503050406030204" pitchFamily="18" charset="0"/>
+                                  <a:ea typeface="Calibri" panose="020F0502020204030204" pitchFamily="34" charset="0"/>
+                                  <a:cs typeface="Times New Roman" panose="02020603050405020304" pitchFamily="18" charset="0"/>
+                                </a:rPr>
+                                <m:t>𝑢</m:t>
+                              </m:r>
+                            </m:e>
+                            <m:sub>
+                              <m:r>
+                                <a:rPr lang="en-US" sz="2200" i="1">
+                                  <a:effectLst/>
+                                  <a:latin typeface="Cambria Math" panose="02040503050406030204" pitchFamily="18" charset="0"/>
+                                  <a:ea typeface="Calibri" panose="020F0502020204030204" pitchFamily="34" charset="0"/>
+                                  <a:cs typeface="Times New Roman" panose="02020603050405020304" pitchFamily="18" charset="0"/>
+                                </a:rPr>
+                                <m:t>2</m:t>
+                              </m:r>
+                            </m:sub>
+                          </m:sSub>
+                        </m:e>
+                      </m:d>
+                    </m:oMath>
+                  </m:oMathPara>
+                </a14:m>
+                <a:endParaRPr lang="en-US" sz="2200" dirty="0">
+                  <a:effectLst/>
+                  <a:latin typeface="Times New Roman" panose="02020603050405020304" pitchFamily="18" charset="0"/>
+                  <a:ea typeface="Times New Roman" panose="02020603050405020304" pitchFamily="18" charset="0"/>
+                </a:endParaRPr>
+              </a:p>
+              <a:p>
+                <a:r>
+                  <a:rPr lang="en-US" sz="2200" dirty="0"/>
+                  <a:t>TAN is normalized version of TA and TANJ is combination of TAN and Jaccard.</a:t>
+                </a:r>
+              </a:p>
+            </p:txBody>
+          </p:sp>
+        </mc:Choice>
+        <mc:Fallback>
+          <p:sp>
+            <p:nvSpPr>
+              <p:cNvPr id="3" name="Content Placeholder 2">
+                <a:extLst>
+                  <a:ext uri="{FF2B5EF4-FFF2-40B4-BE49-F238E27FC236}">
+                    <a16:creationId xmlns:a16="http://schemas.microsoft.com/office/drawing/2014/main" id="{452E82C1-16D7-46E9-9F18-75B931D7A635}"/>
+                  </a:ext>
+                </a:extLst>
+              </p:cNvPr>
+              <p:cNvSpPr>
+                <a:spLocks noGrp="1" noRot="1" noChangeAspect="1" noMove="1" noResize="1" noEditPoints="1" noAdjustHandles="1" noChangeArrowheads="1" noChangeShapeType="1" noTextEdit="1"/>
+              </p:cNvSpPr>
+              <p:nvPr>
+                <p:ph idx="1"/>
+              </p:nvPr>
+            </p:nvSpPr>
+            <p:spPr>
+              <a:blipFill>
+                <a:blip r:embed="rId2"/>
+                <a:stretch>
+                  <a:fillRect l="-696" t="-824" r="-696" b="-3887"/>
+                </a:stretch>
+              </a:blipFill>
+            </p:spPr>
+            <p:txBody>
+              <a:bodyPr/>
+              <a:lstStyle/>
+              <a:p>
+                <a:r>
+                  <a:rPr lang="en-US">
+                    <a:noFill/>
+                  </a:rPr>
+                  <a:t> </a:t>
+                </a:r>
+              </a:p>
+            </p:txBody>
+          </p:sp>
+        </mc:Fallback>
+      </mc:AlternateContent>
+      <p:sp>
+        <p:nvSpPr>
+          <p:cNvPr id="4" name="Date Placeholder 3">
+            <a:extLst>
+              <a:ext uri="{FF2B5EF4-FFF2-40B4-BE49-F238E27FC236}">
+                <a16:creationId xmlns:a16="http://schemas.microsoft.com/office/drawing/2014/main" id="{2D40A320-6086-4C53-A5B2-600070AAEA83}"/>
+              </a:ext>
+            </a:extLst>
+          </p:cNvPr>
+          <p:cNvSpPr>
+            <a:spLocks noGrp="1"/>
+          </p:cNvSpPr>
+          <p:nvPr>
+            <p:ph type="dt" sz="half" idx="10"/>
+          </p:nvPr>
+        </p:nvSpPr>
+        <p:spPr/>
+        <p:txBody>
+          <a:bodyPr/>
+          <a:lstStyle/>
+          <a:p>
+            <a:r>
+              <a:rPr lang="en-US"/>
+              <a:t>7/12/2020</a:t>
+            </a:r>
+          </a:p>
+        </p:txBody>
+      </p:sp>
+      <p:sp>
+        <p:nvSpPr>
+          <p:cNvPr id="5" name="Footer Placeholder 4">
+            <a:extLst>
+              <a:ext uri="{FF2B5EF4-FFF2-40B4-BE49-F238E27FC236}">
+                <a16:creationId xmlns:a16="http://schemas.microsoft.com/office/drawing/2014/main" id="{4EE08A00-8CBA-479B-9680-522457006CB7}"/>
+              </a:ext>
+            </a:extLst>
+          </p:cNvPr>
+          <p:cNvSpPr>
+            <a:spLocks noGrp="1"/>
+          </p:cNvSpPr>
+          <p:nvPr>
+            <p:ph type="ftr" sz="quarter" idx="11"/>
+          </p:nvPr>
+        </p:nvSpPr>
+        <p:spPr/>
+        <p:txBody>
+          <a:bodyPr/>
+          <a:lstStyle/>
+          <a:p>
+            <a:r>
+              <a:rPr lang="en-US"/>
+              <a:t>TA measure - Loc Nguyen</a:t>
+            </a:r>
+          </a:p>
+        </p:txBody>
+      </p:sp>
+      <p:sp>
+        <p:nvSpPr>
+          <p:cNvPr id="6" name="Slide Number Placeholder 5">
+            <a:extLst>
+              <a:ext uri="{FF2B5EF4-FFF2-40B4-BE49-F238E27FC236}">
+                <a16:creationId xmlns:a16="http://schemas.microsoft.com/office/drawing/2014/main" id="{A9096E57-7B52-45BC-96E7-75CACC1C87FC}"/>
+              </a:ext>
+            </a:extLst>
+          </p:cNvPr>
           <p:cNvSpPr>
             <a:spLocks noGrp="1"/>
           </p:cNvSpPr>
@@ -5502,69 +10235,16 @@
           </a:p>
         </p:txBody>
       </p:sp>
-      <p:sp>
-        <p:nvSpPr>
-          <p:cNvPr id="3" name="Footer Placeholder 2"/>
-          <p:cNvSpPr>
-            <a:spLocks noGrp="1"/>
-          </p:cNvSpPr>
-          <p:nvPr>
-            <p:ph type="ftr" sz="quarter" idx="11"/>
-          </p:nvPr>
-        </p:nvSpPr>
-        <p:spPr/>
-        <p:txBody>
-          <a:bodyPr/>
-          <a:lstStyle/>
-          <a:p>
-            <a:r>
-              <a:rPr lang="en-US" smtClean="0"/>
-              <a:t>Project Title</a:t>
-            </a:r>
-            <a:endParaRPr lang="en-US"/>
-          </a:p>
-        </p:txBody>
-      </p:sp>
-      <p:sp>
-        <p:nvSpPr>
-          <p:cNvPr id="5" name="Date Placeholder 4"/>
-          <p:cNvSpPr>
-            <a:spLocks noGrp="1"/>
-          </p:cNvSpPr>
-          <p:nvPr>
-            <p:ph type="dt" sz="half" idx="10"/>
-          </p:nvPr>
-        </p:nvSpPr>
-        <p:spPr/>
-        <p:txBody>
-          <a:bodyPr/>
-          <a:lstStyle/>
-          <a:p>
-            <a:fld id="{23223682-8EDD-4542-AFCD-22B67282F25A}" type="datetime1">
-              <a:rPr lang="en-US" smtClean="0"/>
-              <a:t>11/2/2017</a:t>
-            </a:fld>
-            <a:endParaRPr lang="en-US"/>
-          </a:p>
-        </p:txBody>
-      </p:sp>
     </p:spTree>
     <p:extLst>
       <p:ext uri="{BB962C8B-B14F-4D97-AF65-F5344CB8AC3E}">
-        <p14:creationId xmlns:p14="http://schemas.microsoft.com/office/powerpoint/2010/main" val="1326608893"/>
+        <p14:creationId xmlns:p14="http://schemas.microsoft.com/office/powerpoint/2010/main" val="2172050601"/>
       </p:ext>
     </p:extLst>
   </p:cSld>
   <p:clrMapOvr>
     <a:masterClrMapping/>
   </p:clrMapOvr>
-  <p:timing>
-    <p:tnLst>
-      <p:par>
-        <p:cTn id="1" dur="indefinite" restart="never" nodeType="tmRoot"/>
-      </p:par>
-    </p:tnLst>
-  </p:timing>
 </p:sld>
 </file>
 
@@ -5601,10 +10281,9 @@
           <a:lstStyle/>
           <a:p>
             <a:r>
-              <a:rPr lang="en-US" dirty="0" smtClean="0"/>
-              <a:t>References</a:t>
-            </a:r>
-            <a:endParaRPr lang="en-US" dirty="0"/>
+              <a:rPr lang="en-US" dirty="0"/>
+              <a:t>3. Results and Discussions</a:t>
+            </a:r>
           </a:p>
         </p:txBody>
       </p:sp>
@@ -5623,35 +10302,40 @@
           <a:bodyPr/>
           <a:lstStyle/>
           <a:p>
-            <a:pPr marL="457200" indent="-457200">
-              <a:buFont typeface="+mj-lt"/>
-              <a:buAutoNum type="arabicPeriod"/>
-            </a:pPr>
-            <a:r>
-              <a:rPr lang="en-US" dirty="0" smtClean="0"/>
-              <a:t>Reference 1</a:t>
-            </a:r>
-          </a:p>
-          <a:p>
-            <a:pPr marL="457200" indent="-457200">
-              <a:buFont typeface="+mj-lt"/>
-              <a:buAutoNum type="arabicPeriod"/>
-            </a:pPr>
-            <a:r>
-              <a:rPr lang="en-US" dirty="0" smtClean="0"/>
-              <a:t>Reference 2.</a:t>
-            </a:r>
-          </a:p>
-          <a:p>
-            <a:pPr marL="457200" indent="-457200">
-              <a:buFont typeface="+mj-lt"/>
-              <a:buAutoNum type="arabicPeriod"/>
-            </a:pPr>
-            <a:r>
-              <a:rPr lang="en-US" dirty="0" smtClean="0"/>
-              <a:t>Reference 3.</a:t>
-            </a:r>
-            <a:endParaRPr lang="en-US" dirty="0"/>
+            <a:r>
+              <a:rPr lang="en-US" dirty="0"/>
+              <a:t>Result 1.</a:t>
+            </a:r>
+          </a:p>
+          <a:p>
+            <a:r>
+              <a:rPr lang="en-US" dirty="0"/>
+              <a:t>Result 2.</a:t>
+            </a:r>
+          </a:p>
+          <a:p>
+            <a:r>
+              <a:rPr lang="en-US" dirty="0"/>
+              <a:t>Result 3.</a:t>
+            </a:r>
+          </a:p>
+          <a:p>
+            <a:r>
+              <a:rPr lang="en-US" dirty="0"/>
+              <a:t>Discussion 1.</a:t>
+            </a:r>
+          </a:p>
+          <a:p>
+            <a:r>
+              <a:rPr lang="en-US" dirty="0"/>
+              <a:t>Discussion 2.</a:t>
+            </a:r>
+          </a:p>
+          <a:p>
+            <a:r>
+              <a:rPr lang="en-US" dirty="0"/>
+              <a:t>Discussion 3.</a:t>
+            </a:r>
           </a:p>
         </p:txBody>
       </p:sp>
@@ -5670,11 +10354,10 @@
           <a:bodyPr/>
           <a:lstStyle/>
           <a:p>
-            <a:fld id="{3E6F4339-401A-474E-AB86-D925673D7133}" type="datetime1">
-              <a:rPr lang="en-US" smtClean="0"/>
-              <a:t>11/2/2017</a:t>
-            </a:fld>
-            <a:endParaRPr lang="en-US"/>
+            <a:r>
+              <a:rPr lang="en-US"/>
+              <a:t>7/12/2020</a:t>
+            </a:r>
           </a:p>
         </p:txBody>
       </p:sp>
@@ -5694,10 +10377,9 @@
           <a:lstStyle/>
           <a:p>
             <a:r>
-              <a:rPr lang="en-US" smtClean="0"/>
-              <a:t>Project Title</a:t>
-            </a:r>
-            <a:endParaRPr lang="en-US"/>
+              <a:rPr lang="en-US"/>
+              <a:t>TA measure - Loc Nguyen</a:t>
+            </a:r>
           </a:p>
         </p:txBody>
       </p:sp>
@@ -5728,20 +10410,13 @@
     </p:spTree>
     <p:extLst>
       <p:ext uri="{BB962C8B-B14F-4D97-AF65-F5344CB8AC3E}">
-        <p14:creationId xmlns:p14="http://schemas.microsoft.com/office/powerpoint/2010/main" val="1065549049"/>
+        <p14:creationId xmlns:p14="http://schemas.microsoft.com/office/powerpoint/2010/main" val="3424595948"/>
       </p:ext>
     </p:extLst>
   </p:cSld>
   <p:clrMapOvr>
     <a:masterClrMapping/>
   </p:clrMapOvr>
-  <p:timing>
-    <p:tnLst>
-      <p:par>
-        <p:cTn id="1" dur="indefinite" restart="never" nodeType="tmRoot"/>
-      </p:par>
-    </p:tnLst>
-  </p:timing>
 </p:sld>
 </file>
 
